--- a/课程PPT/5.1  白盒测试技术-概述.pptx
+++ b/课程PPT/5.1  白盒测试技术-概述.pptx
@@ -2,7 +2,7 @@
 <file path=ppt/presentation.xml><?xml version="1.0" encoding="utf-8"?>
 <p:presentation xmlns:a="http://schemas.openxmlformats.org/drawingml/2006/main" xmlns:r="http://schemas.openxmlformats.org/officeDocument/2006/relationships" xmlns:p="http://schemas.openxmlformats.org/presentationml/2006/main" saveSubsetFonts="1">
   <p:sldMasterIdLst>
-    <p:sldMasterId id="2147483660" r:id="rId1"/>
+    <p:sldMasterId id="2147483728" r:id="rId1"/>
   </p:sldMasterIdLst>
   <p:notesMasterIdLst>
     <p:notesMasterId r:id="rId13"/>
@@ -202,7 +202,7 @@
           <a:p>
             <a:fld id="{E6388127-EC40-432B-B7A8-A2CB907761B9}" type="datetimeFigureOut">
               <a:rPr lang="zh-CN" altLang="en-US" smtClean="0"/>
-              <a:t>2017/10/23</a:t>
+              <a:t>2018/8/21</a:t>
             </a:fld>
             <a:endParaRPr lang="zh-CN" altLang="en-US"/>
           </a:p>
@@ -497,7 +497,12 @@
             <p:ph type="sldImg"/>
           </p:nvPr>
         </p:nvSpPr>
-        <p:spPr/>
+        <p:spPr>
+          <a:xfrm>
+            <a:off x="1143000" y="685800"/>
+            <a:ext cx="4572000" cy="3429000"/>
+          </a:xfrm>
+        </p:spPr>
       </p:sp>
       <p:sp>
         <p:nvSpPr>
@@ -715,7 +720,12 @@
             <p:ph type="sldImg"/>
           </p:nvPr>
         </p:nvSpPr>
-        <p:spPr/>
+        <p:spPr>
+          <a:xfrm>
+            <a:off x="1143000" y="685800"/>
+            <a:ext cx="4572000" cy="3429000"/>
+          </a:xfrm>
+        </p:spPr>
       </p:sp>
       <p:sp>
         <p:nvSpPr>
@@ -933,7 +943,12 @@
             <p:ph type="sldImg"/>
           </p:nvPr>
         </p:nvSpPr>
-        <p:spPr/>
+        <p:spPr>
+          <a:xfrm>
+            <a:off x="1143000" y="685800"/>
+            <a:ext cx="4572000" cy="3429000"/>
+          </a:xfrm>
+        </p:spPr>
       </p:sp>
       <p:sp>
         <p:nvSpPr>
@@ -1017,7 +1032,12 @@
             <p:ph type="sldImg"/>
           </p:nvPr>
         </p:nvSpPr>
-        <p:spPr/>
+        <p:spPr>
+          <a:xfrm>
+            <a:off x="1143000" y="685800"/>
+            <a:ext cx="4572000" cy="3429000"/>
+          </a:xfrm>
+        </p:spPr>
       </p:sp>
       <p:sp>
         <p:nvSpPr>
@@ -1076,7 +1096,7 @@
 </file>
 
 <file path=ppt/slideLayouts/slideLayout1.xml><?xml version="1.0" encoding="utf-8"?>
-<p:sldLayout xmlns:a="http://schemas.openxmlformats.org/drawingml/2006/main" xmlns:r="http://schemas.openxmlformats.org/officeDocument/2006/relationships" xmlns:p="http://schemas.openxmlformats.org/presentationml/2006/main" showMasterSp="0" type="title" preserve="1">
+<p:sldLayout xmlns:a="http://schemas.openxmlformats.org/drawingml/2006/main" xmlns:r="http://schemas.openxmlformats.org/officeDocument/2006/relationships" xmlns:p="http://schemas.openxmlformats.org/presentationml/2006/main" type="title" preserve="1">
   <p:cSld name="标题幻灯片">
     <p:spTree>
       <p:nvGrpSpPr>
@@ -1094,112 +1114,6 @@
       </p:grpSpPr>
       <p:sp>
         <p:nvSpPr>
-          <p:cNvPr id="4" name="AutoShape 7"/>
-          <p:cNvSpPr>
-            <a:spLocks noChangeArrowheads="1"/>
-          </p:cNvSpPr>
-          <p:nvPr/>
-        </p:nvSpPr>
-        <p:spPr bwMode="auto">
-          <a:xfrm>
-            <a:off x="685800" y="2393950"/>
-            <a:ext cx="7772400" cy="109538"/>
-          </a:xfrm>
-          <a:custGeom>
-            <a:avLst/>
-            <a:gdLst>
-              <a:gd name="T0" fmla="*/ 0 w 1000"/>
-              <a:gd name="T1" fmla="*/ 0 h 1000"/>
-              <a:gd name="T2" fmla="*/ 4803343 w 1000"/>
-              <a:gd name="T3" fmla="*/ 0 h 1000"/>
-              <a:gd name="T4" fmla="*/ 4803343 w 1000"/>
-              <a:gd name="T5" fmla="*/ 109538 h 1000"/>
-              <a:gd name="T6" fmla="*/ 0 w 1000"/>
-              <a:gd name="T7" fmla="*/ 109538 h 1000"/>
-              <a:gd name="T8" fmla="*/ 0 w 1000"/>
-              <a:gd name="T9" fmla="*/ 0 h 1000"/>
-              <a:gd name="T10" fmla="*/ 7772400 w 1000"/>
-              <a:gd name="T11" fmla="*/ 0 h 1000"/>
-              <a:gd name="T12" fmla="*/ 0 60000 65536"/>
-              <a:gd name="T13" fmla="*/ 0 60000 65536"/>
-              <a:gd name="T14" fmla="*/ 0 60000 65536"/>
-              <a:gd name="T15" fmla="*/ 0 60000 65536"/>
-              <a:gd name="T16" fmla="*/ 0 60000 65536"/>
-              <a:gd name="T17" fmla="*/ 0 60000 65536"/>
-            </a:gdLst>
-            <a:ahLst/>
-            <a:cxnLst>
-              <a:cxn ang="T12">
-                <a:pos x="T0" y="T1"/>
-              </a:cxn>
-              <a:cxn ang="T13">
-                <a:pos x="T2" y="T3"/>
-              </a:cxn>
-              <a:cxn ang="T14">
-                <a:pos x="T4" y="T5"/>
-              </a:cxn>
-              <a:cxn ang="T15">
-                <a:pos x="T6" y="T7"/>
-              </a:cxn>
-              <a:cxn ang="T16">
-                <a:pos x="T8" y="T9"/>
-              </a:cxn>
-              <a:cxn ang="T17">
-                <a:pos x="T10" y="T11"/>
-              </a:cxn>
-            </a:cxnLst>
-            <a:rect l="0" t="0" r="r" b="b"/>
-            <a:pathLst>
-              <a:path w="1000" h="1000" stroke="0">
-                <a:moveTo>
-                  <a:pt x="0" y="0"/>
-                </a:moveTo>
-                <a:lnTo>
-                  <a:pt x="618" y="0"/>
-                </a:lnTo>
-                <a:lnTo>
-                  <a:pt x="618" y="1000"/>
-                </a:lnTo>
-                <a:lnTo>
-                  <a:pt x="0" y="1000"/>
-                </a:lnTo>
-                <a:lnTo>
-                  <a:pt x="0" y="0"/>
-                </a:lnTo>
-                <a:close/>
-              </a:path>
-              <a:path w="1000" h="1000">
-                <a:moveTo>
-                  <a:pt x="0" y="0"/>
-                </a:moveTo>
-                <a:lnTo>
-                  <a:pt x="1000" y="0"/>
-                </a:lnTo>
-              </a:path>
-            </a:pathLst>
-          </a:custGeom>
-          <a:solidFill>
-            <a:schemeClr val="accent2"/>
-          </a:solidFill>
-          <a:ln w="9525">
-            <a:solidFill>
-              <a:schemeClr val="accent2"/>
-            </a:solidFill>
-            <a:round/>
-            <a:headEnd/>
-            <a:tailEnd/>
-          </a:ln>
-        </p:spPr>
-        <p:txBody>
-          <a:bodyPr/>
-          <a:lstStyle/>
-          <a:p>
-            <a:endParaRPr lang="zh-CN" altLang="en-US"/>
-          </a:p>
-        </p:txBody>
-      </p:sp>
-      <p:sp>
-        <p:nvSpPr>
           <p:cNvPr id="184322" name="Rectangle 2"/>
           <p:cNvSpPr>
             <a:spLocks noGrp="1" noChangeArrowheads="1"/>
@@ -1210,8 +1124,8 @@
         </p:nvSpPr>
         <p:spPr>
           <a:xfrm>
-            <a:off x="685800" y="990600"/>
-            <a:ext cx="7772400" cy="1371600"/>
+            <a:off x="791580" y="1484784"/>
+            <a:ext cx="7772400" cy="1128192"/>
           </a:xfrm>
         </p:spPr>
         <p:txBody>
@@ -1226,7 +1140,7 @@
               <a:rPr lang="zh-CN" altLang="en-US" smtClean="0"/>
               <a:t>单击此处编辑母版标题样式</a:t>
             </a:r>
-            <a:endParaRPr lang="zh-CN" altLang="en-US"/>
+            <a:endParaRPr lang="zh-CN" altLang="en-US" dirty="0"/>
           </a:p>
         </p:txBody>
       </p:sp>
@@ -1260,756 +1174,14 @@
               <a:rPr lang="zh-CN" altLang="en-US" smtClean="0"/>
               <a:t>单击此处编辑母版副标题样式</a:t>
             </a:r>
-            <a:endParaRPr lang="zh-CN" altLang="en-US"/>
-          </a:p>
-        </p:txBody>
-      </p:sp>
-      <p:sp>
-        <p:nvSpPr>
-          <p:cNvPr id="5" name="Rectangle 4"/>
-          <p:cNvSpPr>
-            <a:spLocks noGrp="1" noChangeArrowheads="1"/>
-          </p:cNvSpPr>
-          <p:nvPr>
-            <p:ph type="dt" sz="half" idx="10"/>
-          </p:nvPr>
-        </p:nvSpPr>
-        <p:spPr>
-          <a:xfrm>
-            <a:off x="685800" y="6248400"/>
-            <a:ext cx="1905000" cy="457200"/>
-          </a:xfrm>
-        </p:spPr>
-        <p:txBody>
-          <a:bodyPr/>
-          <a:lstStyle>
-            <a:lvl1pPr>
-              <a:defRPr/>
-            </a:lvl1pPr>
-          </a:lstStyle>
-          <a:p>
-            <a:fld id="{F02B0C02-8564-43E4-967A-60B5B1CD7176}" type="datetimeFigureOut">
-              <a:rPr lang="zh-CN" altLang="en-US" smtClean="0"/>
-              <a:t>2017/10/23</a:t>
-            </a:fld>
-            <a:endParaRPr lang="zh-CN" altLang="en-US"/>
-          </a:p>
-        </p:txBody>
-      </p:sp>
-      <p:sp>
-        <p:nvSpPr>
-          <p:cNvPr id="6" name="Rectangle 5"/>
-          <p:cNvSpPr>
-            <a:spLocks noGrp="1" noChangeArrowheads="1"/>
-          </p:cNvSpPr>
-          <p:nvPr>
-            <p:ph type="ftr" sz="quarter" idx="11"/>
-          </p:nvPr>
-        </p:nvSpPr>
-        <p:spPr>
-          <a:xfrm>
-            <a:off x="3124200" y="6248400"/>
-            <a:ext cx="2895600" cy="457200"/>
-          </a:xfrm>
-        </p:spPr>
-        <p:txBody>
-          <a:bodyPr/>
-          <a:lstStyle>
-            <a:lvl1pPr>
-              <a:defRPr/>
-            </a:lvl1pPr>
-          </a:lstStyle>
-          <a:p>
-            <a:endParaRPr lang="zh-CN" altLang="en-US"/>
-          </a:p>
-        </p:txBody>
-      </p:sp>
-      <p:sp>
-        <p:nvSpPr>
-          <p:cNvPr id="7" name="Rectangle 6"/>
-          <p:cNvSpPr>
-            <a:spLocks noGrp="1" noChangeArrowheads="1"/>
-          </p:cNvSpPr>
-          <p:nvPr>
-            <p:ph type="sldNum" sz="quarter" idx="12"/>
-          </p:nvPr>
-        </p:nvSpPr>
-        <p:spPr>
-          <a:xfrm>
-            <a:off x="6553200" y="6248400"/>
-            <a:ext cx="1905000" cy="457200"/>
-          </a:xfrm>
-        </p:spPr>
-        <p:txBody>
-          <a:bodyPr/>
-          <a:lstStyle>
-            <a:lvl1pPr>
-              <a:defRPr/>
-            </a:lvl1pPr>
-          </a:lstStyle>
-          <a:p>
-            <a:fld id="{C21215AF-1E48-480D-B6C7-9655FC943ECD}" type="slidenum">
-              <a:rPr lang="zh-CN" altLang="en-US" smtClean="0"/>
-              <a:t>‹#›</a:t>
-            </a:fld>
-            <a:endParaRPr lang="zh-CN" altLang="en-US"/>
+            <a:endParaRPr lang="zh-CN" altLang="en-US" dirty="0"/>
           </a:p>
         </p:txBody>
       </p:sp>
     </p:spTree>
     <p:extLst>
       <p:ext uri="{BB962C8B-B14F-4D97-AF65-F5344CB8AC3E}">
-        <p14:creationId xmlns:p14="http://schemas.microsoft.com/office/powerpoint/2010/main" val="436005174"/>
-      </p:ext>
-    </p:extLst>
-  </p:cSld>
-  <p:clrMapOvr>
-    <a:masterClrMapping/>
-  </p:clrMapOvr>
-  <p:transition>
-    <p:blinds dir="vert"/>
-  </p:transition>
-</p:sldLayout>
-</file>
-
-<file path=ppt/slideLayouts/slideLayout10.xml><?xml version="1.0" encoding="utf-8"?>
-<p:sldLayout xmlns:a="http://schemas.openxmlformats.org/drawingml/2006/main" xmlns:r="http://schemas.openxmlformats.org/officeDocument/2006/relationships" xmlns:p="http://schemas.openxmlformats.org/presentationml/2006/main" type="vertTx" preserve="1">
-  <p:cSld name="标题和竖排文字">
-    <p:spTree>
-      <p:nvGrpSpPr>
-        <p:cNvPr id="1" name=""/>
-        <p:cNvGrpSpPr/>
-        <p:nvPr/>
-      </p:nvGrpSpPr>
-      <p:grpSpPr>
-        <a:xfrm>
-          <a:off x="0" y="0"/>
-          <a:ext cx="0" cy="0"/>
-          <a:chOff x="0" y="0"/>
-          <a:chExt cx="0" cy="0"/>
-        </a:xfrm>
-      </p:grpSpPr>
-      <p:sp>
-        <p:nvSpPr>
-          <p:cNvPr id="2" name="标题 1"/>
-          <p:cNvSpPr>
-            <a:spLocks noGrp="1"/>
-          </p:cNvSpPr>
-          <p:nvPr>
-            <p:ph type="title"/>
-          </p:nvPr>
-        </p:nvSpPr>
-        <p:spPr/>
-        <p:txBody>
-          <a:bodyPr/>
-          <a:lstStyle/>
-          <a:p>
-            <a:r>
-              <a:rPr lang="zh-CN" altLang="en-US" smtClean="0"/>
-              <a:t>单击此处编辑母版标题样式</a:t>
-            </a:r>
-            <a:endParaRPr lang="zh-CN" altLang="en-US"/>
-          </a:p>
-        </p:txBody>
-      </p:sp>
-      <p:sp>
-        <p:nvSpPr>
-          <p:cNvPr id="3" name="竖排文字占位符 2"/>
-          <p:cNvSpPr>
-            <a:spLocks noGrp="1"/>
-          </p:cNvSpPr>
-          <p:nvPr>
-            <p:ph type="body" orient="vert" idx="1"/>
-          </p:nvPr>
-        </p:nvSpPr>
-        <p:spPr/>
-        <p:txBody>
-          <a:bodyPr vert="eaVert"/>
-          <a:lstStyle/>
-          <a:p>
-            <a:pPr lvl="0"/>
-            <a:r>
-              <a:rPr lang="zh-CN" altLang="en-US" smtClean="0"/>
-              <a:t>单击此处编辑母版文本样式</a:t>
-            </a:r>
-          </a:p>
-          <a:p>
-            <a:pPr lvl="1"/>
-            <a:r>
-              <a:rPr lang="zh-CN" altLang="en-US" smtClean="0"/>
-              <a:t>第二级</a:t>
-            </a:r>
-          </a:p>
-          <a:p>
-            <a:pPr lvl="2"/>
-            <a:r>
-              <a:rPr lang="zh-CN" altLang="en-US" smtClean="0"/>
-              <a:t>第三级</a:t>
-            </a:r>
-          </a:p>
-          <a:p>
-            <a:pPr lvl="3"/>
-            <a:r>
-              <a:rPr lang="zh-CN" altLang="en-US" smtClean="0"/>
-              <a:t>第四级</a:t>
-            </a:r>
-          </a:p>
-          <a:p>
-            <a:pPr lvl="4"/>
-            <a:r>
-              <a:rPr lang="zh-CN" altLang="en-US" smtClean="0"/>
-              <a:t>第五级</a:t>
-            </a:r>
-            <a:endParaRPr lang="zh-CN" altLang="en-US"/>
-          </a:p>
-        </p:txBody>
-      </p:sp>
-      <p:sp>
-        <p:nvSpPr>
-          <p:cNvPr id="4" name="Rectangle 6"/>
-          <p:cNvSpPr>
-            <a:spLocks noGrp="1" noChangeArrowheads="1"/>
-          </p:cNvSpPr>
-          <p:nvPr>
-            <p:ph type="dt" sz="half" idx="10"/>
-          </p:nvPr>
-        </p:nvSpPr>
-        <p:spPr>
-          <a:ln/>
-        </p:spPr>
-        <p:txBody>
-          <a:bodyPr/>
-          <a:lstStyle>
-            <a:lvl1pPr>
-              <a:defRPr/>
-            </a:lvl1pPr>
-          </a:lstStyle>
-          <a:p>
-            <a:fld id="{F02B0C02-8564-43E4-967A-60B5B1CD7176}" type="datetimeFigureOut">
-              <a:rPr lang="zh-CN" altLang="en-US" smtClean="0"/>
-              <a:t>2017/10/23</a:t>
-            </a:fld>
-            <a:endParaRPr lang="zh-CN" altLang="en-US"/>
-          </a:p>
-        </p:txBody>
-      </p:sp>
-      <p:sp>
-        <p:nvSpPr>
-          <p:cNvPr id="5" name="Rectangle 7"/>
-          <p:cNvSpPr>
-            <a:spLocks noGrp="1" noChangeArrowheads="1"/>
-          </p:cNvSpPr>
-          <p:nvPr>
-            <p:ph type="ftr" sz="quarter" idx="11"/>
-          </p:nvPr>
-        </p:nvSpPr>
-        <p:spPr>
-          <a:ln/>
-        </p:spPr>
-        <p:txBody>
-          <a:bodyPr/>
-          <a:lstStyle>
-            <a:lvl1pPr>
-              <a:defRPr/>
-            </a:lvl1pPr>
-          </a:lstStyle>
-          <a:p>
-            <a:endParaRPr lang="zh-CN" altLang="en-US"/>
-          </a:p>
-        </p:txBody>
-      </p:sp>
-      <p:sp>
-        <p:nvSpPr>
-          <p:cNvPr id="6" name="Rectangle 8"/>
-          <p:cNvSpPr>
-            <a:spLocks noGrp="1" noChangeArrowheads="1"/>
-          </p:cNvSpPr>
-          <p:nvPr>
-            <p:ph type="sldNum" sz="quarter" idx="12"/>
-          </p:nvPr>
-        </p:nvSpPr>
-        <p:spPr>
-          <a:ln/>
-        </p:spPr>
-        <p:txBody>
-          <a:bodyPr/>
-          <a:lstStyle>
-            <a:lvl1pPr>
-              <a:defRPr/>
-            </a:lvl1pPr>
-          </a:lstStyle>
-          <a:p>
-            <a:fld id="{C21215AF-1E48-480D-B6C7-9655FC943ECD}" type="slidenum">
-              <a:rPr lang="zh-CN" altLang="en-US" smtClean="0"/>
-              <a:t>‹#›</a:t>
-            </a:fld>
-            <a:endParaRPr lang="zh-CN" altLang="en-US"/>
-          </a:p>
-        </p:txBody>
-      </p:sp>
-    </p:spTree>
-    <p:extLst>
-      <p:ext uri="{BB962C8B-B14F-4D97-AF65-F5344CB8AC3E}">
-        <p14:creationId xmlns:p14="http://schemas.microsoft.com/office/powerpoint/2010/main" val="507910875"/>
-      </p:ext>
-    </p:extLst>
-  </p:cSld>
-  <p:clrMapOvr>
-    <a:masterClrMapping/>
-  </p:clrMapOvr>
-  <p:transition>
-    <p:blinds dir="vert"/>
-  </p:transition>
-</p:sldLayout>
-</file>
-
-<file path=ppt/slideLayouts/slideLayout11.xml><?xml version="1.0" encoding="utf-8"?>
-<p:sldLayout xmlns:a="http://schemas.openxmlformats.org/drawingml/2006/main" xmlns:r="http://schemas.openxmlformats.org/officeDocument/2006/relationships" xmlns:p="http://schemas.openxmlformats.org/presentationml/2006/main" type="vertTitleAndTx" preserve="1">
-  <p:cSld name="垂直排列标题与文本">
-    <p:spTree>
-      <p:nvGrpSpPr>
-        <p:cNvPr id="1" name=""/>
-        <p:cNvGrpSpPr/>
-        <p:nvPr/>
-      </p:nvGrpSpPr>
-      <p:grpSpPr>
-        <a:xfrm>
-          <a:off x="0" y="0"/>
-          <a:ext cx="0" cy="0"/>
-          <a:chOff x="0" y="0"/>
-          <a:chExt cx="0" cy="0"/>
-        </a:xfrm>
-      </p:grpSpPr>
-      <p:sp>
-        <p:nvSpPr>
-          <p:cNvPr id="2" name="竖排标题 1"/>
-          <p:cNvSpPr>
-            <a:spLocks noGrp="1"/>
-          </p:cNvSpPr>
-          <p:nvPr>
-            <p:ph type="title" orient="vert"/>
-          </p:nvPr>
-        </p:nvSpPr>
-        <p:spPr>
-          <a:xfrm>
-            <a:off x="6573838" y="304800"/>
-            <a:ext cx="2001837" cy="5715000"/>
-          </a:xfrm>
-        </p:spPr>
-        <p:txBody>
-          <a:bodyPr vert="eaVert"/>
-          <a:lstStyle/>
-          <a:p>
-            <a:r>
-              <a:rPr lang="zh-CN" altLang="en-US" smtClean="0"/>
-              <a:t>单击此处编辑母版标题样式</a:t>
-            </a:r>
-            <a:endParaRPr lang="zh-CN" altLang="en-US"/>
-          </a:p>
-        </p:txBody>
-      </p:sp>
-      <p:sp>
-        <p:nvSpPr>
-          <p:cNvPr id="3" name="竖排文字占位符 2"/>
-          <p:cNvSpPr>
-            <a:spLocks noGrp="1"/>
-          </p:cNvSpPr>
-          <p:nvPr>
-            <p:ph type="body" orient="vert" idx="1"/>
-          </p:nvPr>
-        </p:nvSpPr>
-        <p:spPr>
-          <a:xfrm>
-            <a:off x="566738" y="304800"/>
-            <a:ext cx="5854700" cy="5715000"/>
-          </a:xfrm>
-        </p:spPr>
-        <p:txBody>
-          <a:bodyPr vert="eaVert"/>
-          <a:lstStyle/>
-          <a:p>
-            <a:pPr lvl="0"/>
-            <a:r>
-              <a:rPr lang="zh-CN" altLang="en-US" smtClean="0"/>
-              <a:t>单击此处编辑母版文本样式</a:t>
-            </a:r>
-          </a:p>
-          <a:p>
-            <a:pPr lvl="1"/>
-            <a:r>
-              <a:rPr lang="zh-CN" altLang="en-US" smtClean="0"/>
-              <a:t>第二级</a:t>
-            </a:r>
-          </a:p>
-          <a:p>
-            <a:pPr lvl="2"/>
-            <a:r>
-              <a:rPr lang="zh-CN" altLang="en-US" smtClean="0"/>
-              <a:t>第三级</a:t>
-            </a:r>
-          </a:p>
-          <a:p>
-            <a:pPr lvl="3"/>
-            <a:r>
-              <a:rPr lang="zh-CN" altLang="en-US" smtClean="0"/>
-              <a:t>第四级</a:t>
-            </a:r>
-          </a:p>
-          <a:p>
-            <a:pPr lvl="4"/>
-            <a:r>
-              <a:rPr lang="zh-CN" altLang="en-US" smtClean="0"/>
-              <a:t>第五级</a:t>
-            </a:r>
-            <a:endParaRPr lang="zh-CN" altLang="en-US"/>
-          </a:p>
-        </p:txBody>
-      </p:sp>
-      <p:sp>
-        <p:nvSpPr>
-          <p:cNvPr id="4" name="Rectangle 6"/>
-          <p:cNvSpPr>
-            <a:spLocks noGrp="1" noChangeArrowheads="1"/>
-          </p:cNvSpPr>
-          <p:nvPr>
-            <p:ph type="dt" sz="half" idx="10"/>
-          </p:nvPr>
-        </p:nvSpPr>
-        <p:spPr>
-          <a:ln/>
-        </p:spPr>
-        <p:txBody>
-          <a:bodyPr/>
-          <a:lstStyle>
-            <a:lvl1pPr>
-              <a:defRPr/>
-            </a:lvl1pPr>
-          </a:lstStyle>
-          <a:p>
-            <a:fld id="{F02B0C02-8564-43E4-967A-60B5B1CD7176}" type="datetimeFigureOut">
-              <a:rPr lang="zh-CN" altLang="en-US" smtClean="0"/>
-              <a:t>2017/10/23</a:t>
-            </a:fld>
-            <a:endParaRPr lang="zh-CN" altLang="en-US"/>
-          </a:p>
-        </p:txBody>
-      </p:sp>
-      <p:sp>
-        <p:nvSpPr>
-          <p:cNvPr id="5" name="Rectangle 7"/>
-          <p:cNvSpPr>
-            <a:spLocks noGrp="1" noChangeArrowheads="1"/>
-          </p:cNvSpPr>
-          <p:nvPr>
-            <p:ph type="ftr" sz="quarter" idx="11"/>
-          </p:nvPr>
-        </p:nvSpPr>
-        <p:spPr>
-          <a:ln/>
-        </p:spPr>
-        <p:txBody>
-          <a:bodyPr/>
-          <a:lstStyle>
-            <a:lvl1pPr>
-              <a:defRPr/>
-            </a:lvl1pPr>
-          </a:lstStyle>
-          <a:p>
-            <a:endParaRPr lang="zh-CN" altLang="en-US"/>
-          </a:p>
-        </p:txBody>
-      </p:sp>
-      <p:sp>
-        <p:nvSpPr>
-          <p:cNvPr id="6" name="Rectangle 8"/>
-          <p:cNvSpPr>
-            <a:spLocks noGrp="1" noChangeArrowheads="1"/>
-          </p:cNvSpPr>
-          <p:nvPr>
-            <p:ph type="sldNum" sz="quarter" idx="12"/>
-          </p:nvPr>
-        </p:nvSpPr>
-        <p:spPr>
-          <a:ln/>
-        </p:spPr>
-        <p:txBody>
-          <a:bodyPr/>
-          <a:lstStyle>
-            <a:lvl1pPr>
-              <a:defRPr/>
-            </a:lvl1pPr>
-          </a:lstStyle>
-          <a:p>
-            <a:fld id="{C21215AF-1E48-480D-B6C7-9655FC943ECD}" type="slidenum">
-              <a:rPr lang="zh-CN" altLang="en-US" smtClean="0"/>
-              <a:t>‹#›</a:t>
-            </a:fld>
-            <a:endParaRPr lang="zh-CN" altLang="en-US"/>
-          </a:p>
-        </p:txBody>
-      </p:sp>
-    </p:spTree>
-    <p:extLst>
-      <p:ext uri="{BB962C8B-B14F-4D97-AF65-F5344CB8AC3E}">
-        <p14:creationId xmlns:p14="http://schemas.microsoft.com/office/powerpoint/2010/main" val="3821598682"/>
-      </p:ext>
-    </p:extLst>
-  </p:cSld>
-  <p:clrMapOvr>
-    <a:masterClrMapping/>
-  </p:clrMapOvr>
-  <p:transition>
-    <p:blinds dir="vert"/>
-  </p:transition>
-</p:sldLayout>
-</file>
-
-<file path=ppt/slideLayouts/slideLayout12.xml><?xml version="1.0" encoding="utf-8"?>
-<p:sldLayout xmlns:a="http://schemas.openxmlformats.org/drawingml/2006/main" xmlns:r="http://schemas.openxmlformats.org/officeDocument/2006/relationships" xmlns:p="http://schemas.openxmlformats.org/presentationml/2006/main" type="txAndObj" preserve="1">
-  <p:cSld name="标题，文本与内容">
-    <p:spTree>
-      <p:nvGrpSpPr>
-        <p:cNvPr id="1" name=""/>
-        <p:cNvGrpSpPr/>
-        <p:nvPr/>
-      </p:nvGrpSpPr>
-      <p:grpSpPr>
-        <a:xfrm>
-          <a:off x="0" y="0"/>
-          <a:ext cx="0" cy="0"/>
-          <a:chOff x="0" y="0"/>
-          <a:chExt cx="0" cy="0"/>
-        </a:xfrm>
-      </p:grpSpPr>
-      <p:sp>
-        <p:nvSpPr>
-          <p:cNvPr id="2" name="标题 1"/>
-          <p:cNvSpPr>
-            <a:spLocks noGrp="1"/>
-          </p:cNvSpPr>
-          <p:nvPr>
-            <p:ph type="title"/>
-          </p:nvPr>
-        </p:nvSpPr>
-        <p:spPr>
-          <a:xfrm>
-            <a:off x="574675" y="304800"/>
-            <a:ext cx="8001000" cy="1216025"/>
-          </a:xfrm>
-        </p:spPr>
-        <p:txBody>
-          <a:bodyPr/>
-          <a:lstStyle/>
-          <a:p>
-            <a:r>
-              <a:rPr lang="zh-CN" altLang="en-US" smtClean="0"/>
-              <a:t>单击此处编辑母版标题样式</a:t>
-            </a:r>
-            <a:endParaRPr lang="zh-CN" altLang="en-US"/>
-          </a:p>
-        </p:txBody>
-      </p:sp>
-      <p:sp>
-        <p:nvSpPr>
-          <p:cNvPr id="3" name="文本占位符 2"/>
-          <p:cNvSpPr>
-            <a:spLocks noGrp="1"/>
-          </p:cNvSpPr>
-          <p:nvPr>
-            <p:ph type="body" sz="half" idx="1"/>
-          </p:nvPr>
-        </p:nvSpPr>
-        <p:spPr>
-          <a:xfrm>
-            <a:off x="566738" y="1752600"/>
-            <a:ext cx="3924300" cy="4267200"/>
-          </a:xfrm>
-        </p:spPr>
-        <p:txBody>
-          <a:bodyPr/>
-          <a:lstStyle/>
-          <a:p>
-            <a:pPr lvl="0"/>
-            <a:r>
-              <a:rPr lang="zh-CN" altLang="en-US" smtClean="0"/>
-              <a:t>单击此处编辑母版文本样式</a:t>
-            </a:r>
-          </a:p>
-          <a:p>
-            <a:pPr lvl="1"/>
-            <a:r>
-              <a:rPr lang="zh-CN" altLang="en-US" smtClean="0"/>
-              <a:t>第二级</a:t>
-            </a:r>
-          </a:p>
-          <a:p>
-            <a:pPr lvl="2"/>
-            <a:r>
-              <a:rPr lang="zh-CN" altLang="en-US" smtClean="0"/>
-              <a:t>第三级</a:t>
-            </a:r>
-          </a:p>
-          <a:p>
-            <a:pPr lvl="3"/>
-            <a:r>
-              <a:rPr lang="zh-CN" altLang="en-US" smtClean="0"/>
-              <a:t>第四级</a:t>
-            </a:r>
-          </a:p>
-          <a:p>
-            <a:pPr lvl="4"/>
-            <a:r>
-              <a:rPr lang="zh-CN" altLang="en-US" smtClean="0"/>
-              <a:t>第五级</a:t>
-            </a:r>
-            <a:endParaRPr lang="zh-CN" altLang="en-US"/>
-          </a:p>
-        </p:txBody>
-      </p:sp>
-      <p:sp>
-        <p:nvSpPr>
-          <p:cNvPr id="4" name="内容占位符 3"/>
-          <p:cNvSpPr>
-            <a:spLocks noGrp="1"/>
-          </p:cNvSpPr>
-          <p:nvPr>
-            <p:ph sz="half" idx="2"/>
-          </p:nvPr>
-        </p:nvSpPr>
-        <p:spPr>
-          <a:xfrm>
-            <a:off x="4643438" y="1752600"/>
-            <a:ext cx="3924300" cy="4267200"/>
-          </a:xfrm>
-        </p:spPr>
-        <p:txBody>
-          <a:bodyPr/>
-          <a:lstStyle/>
-          <a:p>
-            <a:pPr lvl="0"/>
-            <a:r>
-              <a:rPr lang="zh-CN" altLang="en-US" smtClean="0"/>
-              <a:t>单击此处编辑母版文本样式</a:t>
-            </a:r>
-          </a:p>
-          <a:p>
-            <a:pPr lvl="1"/>
-            <a:r>
-              <a:rPr lang="zh-CN" altLang="en-US" smtClean="0"/>
-              <a:t>第二级</a:t>
-            </a:r>
-          </a:p>
-          <a:p>
-            <a:pPr lvl="2"/>
-            <a:r>
-              <a:rPr lang="zh-CN" altLang="en-US" smtClean="0"/>
-              <a:t>第三级</a:t>
-            </a:r>
-          </a:p>
-          <a:p>
-            <a:pPr lvl="3"/>
-            <a:r>
-              <a:rPr lang="zh-CN" altLang="en-US" smtClean="0"/>
-              <a:t>第四级</a:t>
-            </a:r>
-          </a:p>
-          <a:p>
-            <a:pPr lvl="4"/>
-            <a:r>
-              <a:rPr lang="zh-CN" altLang="en-US" smtClean="0"/>
-              <a:t>第五级</a:t>
-            </a:r>
-            <a:endParaRPr lang="zh-CN" altLang="en-US"/>
-          </a:p>
-        </p:txBody>
-      </p:sp>
-      <p:sp>
-        <p:nvSpPr>
-          <p:cNvPr id="5" name="Rectangle 6"/>
-          <p:cNvSpPr>
-            <a:spLocks noGrp="1" noChangeArrowheads="1"/>
-          </p:cNvSpPr>
-          <p:nvPr>
-            <p:ph type="dt" sz="half" idx="10"/>
-          </p:nvPr>
-        </p:nvSpPr>
-        <p:spPr>
-          <a:ln/>
-        </p:spPr>
-        <p:txBody>
-          <a:bodyPr/>
-          <a:lstStyle>
-            <a:lvl1pPr>
-              <a:defRPr/>
-            </a:lvl1pPr>
-          </a:lstStyle>
-          <a:p>
-            <a:fld id="{F02B0C02-8564-43E4-967A-60B5B1CD7176}" type="datetimeFigureOut">
-              <a:rPr lang="zh-CN" altLang="en-US" smtClean="0"/>
-              <a:t>2017/10/23</a:t>
-            </a:fld>
-            <a:endParaRPr lang="zh-CN" altLang="en-US"/>
-          </a:p>
-        </p:txBody>
-      </p:sp>
-      <p:sp>
-        <p:nvSpPr>
-          <p:cNvPr id="6" name="Rectangle 7"/>
-          <p:cNvSpPr>
-            <a:spLocks noGrp="1" noChangeArrowheads="1"/>
-          </p:cNvSpPr>
-          <p:nvPr>
-            <p:ph type="ftr" sz="quarter" idx="11"/>
-          </p:nvPr>
-        </p:nvSpPr>
-        <p:spPr>
-          <a:ln/>
-        </p:spPr>
-        <p:txBody>
-          <a:bodyPr/>
-          <a:lstStyle>
-            <a:lvl1pPr>
-              <a:defRPr/>
-            </a:lvl1pPr>
-          </a:lstStyle>
-          <a:p>
-            <a:endParaRPr lang="zh-CN" altLang="en-US"/>
-          </a:p>
-        </p:txBody>
-      </p:sp>
-      <p:sp>
-        <p:nvSpPr>
-          <p:cNvPr id="7" name="Rectangle 8"/>
-          <p:cNvSpPr>
-            <a:spLocks noGrp="1" noChangeArrowheads="1"/>
-          </p:cNvSpPr>
-          <p:nvPr>
-            <p:ph type="sldNum" sz="quarter" idx="12"/>
-          </p:nvPr>
-        </p:nvSpPr>
-        <p:spPr>
-          <a:ln/>
-        </p:spPr>
-        <p:txBody>
-          <a:bodyPr/>
-          <a:lstStyle>
-            <a:lvl1pPr>
-              <a:defRPr/>
-            </a:lvl1pPr>
-          </a:lstStyle>
-          <a:p>
-            <a:fld id="{C21215AF-1E48-480D-B6C7-9655FC943ECD}" type="slidenum">
-              <a:rPr lang="zh-CN" altLang="en-US" smtClean="0"/>
-              <a:t>‹#›</a:t>
-            </a:fld>
-            <a:endParaRPr lang="zh-CN" altLang="en-US"/>
-          </a:p>
-        </p:txBody>
-      </p:sp>
-    </p:spTree>
-    <p:extLst>
-      <p:ext uri="{BB962C8B-B14F-4D97-AF65-F5344CB8AC3E}">
-        <p14:creationId xmlns:p14="http://schemas.microsoft.com/office/powerpoint/2010/main" val="54745552"/>
+        <p14:creationId xmlns:p14="http://schemas.microsoft.com/office/powerpoint/2010/main" val="2717098660"/>
       </p:ext>
     </p:extLst>
   </p:cSld>
@@ -2052,13 +1224,19 @@
         <p:spPr/>
         <p:txBody>
           <a:bodyPr/>
-          <a:lstStyle/>
-          <a:p>
-            <a:r>
-              <a:rPr lang="zh-CN" altLang="en-US" smtClean="0"/>
+          <a:lstStyle>
+            <a:lvl1pPr>
+              <a:defRPr baseline="0">
+                <a:ea typeface="楷体" panose="02010609060101010101" pitchFamily="49" charset="-122"/>
+              </a:defRPr>
+            </a:lvl1pPr>
+          </a:lstStyle>
+          <a:p>
+            <a:r>
+              <a:rPr lang="zh-CN" altLang="en-US" dirty="0" smtClean="0"/>
               <a:t>单击此处编辑母版标题样式</a:t>
             </a:r>
-            <a:endParaRPr lang="zh-CN" altLang="en-US"/>
+            <a:endParaRPr lang="zh-CN" altLang="en-US" dirty="0"/>
           </a:p>
         </p:txBody>
       </p:sp>
@@ -2075,7 +1253,39 @@
         <p:spPr/>
         <p:txBody>
           <a:bodyPr/>
-          <a:lstStyle/>
+          <a:lstStyle>
+            <a:lvl1pPr marL="469900" indent="-469900">
+              <a:buFont typeface="Wingdings" panose="05000000000000000000" pitchFamily="2" charset="2"/>
+              <a:buChar char="Ø"/>
+              <a:defRPr baseline="0">
+                <a:ea typeface="楷体" panose="02010609060101010101" pitchFamily="49" charset="-122"/>
+              </a:defRPr>
+            </a:lvl1pPr>
+            <a:lvl2pPr marL="908050" indent="-436563">
+              <a:buFont typeface="Wingdings" panose="05000000000000000000" pitchFamily="2" charset="2"/>
+              <a:buChar char="l"/>
+              <a:defRPr baseline="0">
+                <a:ea typeface="楷体" panose="02010609060101010101" pitchFamily="49" charset="-122"/>
+              </a:defRPr>
+            </a:lvl2pPr>
+            <a:lvl3pPr marL="1304925" indent="-395288">
+              <a:buFont typeface="Arial" panose="020B0604020202020204" pitchFamily="34" charset="0"/>
+              <a:buChar char="•"/>
+              <a:defRPr baseline="0">
+                <a:ea typeface="楷体" panose="02010609060101010101" pitchFamily="49" charset="-122"/>
+              </a:defRPr>
+            </a:lvl3pPr>
+            <a:lvl4pPr>
+              <a:defRPr baseline="0">
+                <a:ea typeface="楷体" panose="02010609060101010101" pitchFamily="49" charset="-122"/>
+              </a:defRPr>
+            </a:lvl4pPr>
+            <a:lvl5pPr>
+              <a:defRPr baseline="0">
+                <a:ea typeface="楷体" panose="02010609060101010101" pitchFamily="49" charset="-122"/>
+              </a:defRPr>
+            </a:lvl5pPr>
+          </a:lstStyle>
           <a:p>
             <a:pPr lvl="0"/>
             <a:r>
@@ -2104,14 +1314,6 @@
               <a:t>第四级</a:t>
             </a:r>
           </a:p>
-          <a:p>
-            <a:pPr lvl="4"/>
-            <a:r>
-              <a:rPr lang="zh-CN" altLang="en-US" smtClean="0"/>
-              <a:t>第五级</a:t>
-            </a:r>
-            <a:endParaRPr lang="zh-CN" altLang="en-US"/>
-          </a:p>
         </p:txBody>
       </p:sp>
       <p:sp>
@@ -2125,6 +1327,13 @@
           </p:nvPr>
         </p:nvSpPr>
         <p:spPr>
+          <a:xfrm>
+            <a:off x="609600" y="6245225"/>
+            <a:ext cx="1981200" cy="476250"/>
+          </a:xfrm>
+          <a:prstGeom prst="rect">
+            <a:avLst/>
+          </a:prstGeom>
           <a:ln/>
         </p:spPr>
         <p:txBody>
@@ -2137,7 +1346,7 @@
           <a:p>
             <a:fld id="{F02B0C02-8564-43E4-967A-60B5B1CD7176}" type="datetimeFigureOut">
               <a:rPr lang="zh-CN" altLang="en-US" smtClean="0"/>
-              <a:t>2017/10/23</a:t>
+              <a:t>2018/8/21</a:t>
             </a:fld>
             <a:endParaRPr lang="zh-CN" altLang="en-US"/>
           </a:p>
@@ -2154,6 +1363,13 @@
           </p:nvPr>
         </p:nvSpPr>
         <p:spPr>
+          <a:xfrm>
+            <a:off x="3124200" y="6245225"/>
+            <a:ext cx="2895600" cy="476250"/>
+          </a:xfrm>
+          <a:prstGeom prst="rect">
+            <a:avLst/>
+          </a:prstGeom>
           <a:ln/>
         </p:spPr>
         <p:txBody>
@@ -2164,43 +1380,17 @@
             </a:lvl1pPr>
           </a:lstStyle>
           <a:p>
-            <a:endParaRPr lang="zh-CN" altLang="en-US"/>
-          </a:p>
-        </p:txBody>
-      </p:sp>
-      <p:sp>
-        <p:nvSpPr>
-          <p:cNvPr id="6" name="Rectangle 8"/>
-          <p:cNvSpPr>
-            <a:spLocks noGrp="1" noChangeArrowheads="1"/>
-          </p:cNvSpPr>
-          <p:nvPr>
-            <p:ph type="sldNum" sz="quarter" idx="12"/>
-          </p:nvPr>
-        </p:nvSpPr>
-        <p:spPr>
-          <a:ln/>
-        </p:spPr>
-        <p:txBody>
-          <a:bodyPr/>
-          <a:lstStyle>
-            <a:lvl1pPr>
+            <a:pPr>
               <a:defRPr/>
-            </a:lvl1pPr>
-          </a:lstStyle>
-          <a:p>
-            <a:fld id="{C21215AF-1E48-480D-B6C7-9655FC943ECD}" type="slidenum">
-              <a:rPr lang="zh-CN" altLang="en-US" smtClean="0"/>
-              <a:t>‹#›</a:t>
-            </a:fld>
-            <a:endParaRPr lang="zh-CN" altLang="en-US"/>
+            </a:pPr>
+            <a:endParaRPr lang="en-US" altLang="zh-CN" dirty="0"/>
           </a:p>
         </p:txBody>
       </p:sp>
     </p:spTree>
     <p:extLst>
       <p:ext uri="{BB962C8B-B14F-4D97-AF65-F5344CB8AC3E}">
-        <p14:creationId xmlns:p14="http://schemas.microsoft.com/office/powerpoint/2010/main" val="1281762023"/>
+        <p14:creationId xmlns:p14="http://schemas.microsoft.com/office/powerpoint/2010/main" val="3364467347"/>
       </p:ext>
     </p:extLst>
   </p:cSld>
@@ -2210,10 +1400,248 @@
   <p:transition>
     <p:blinds dir="vert"/>
   </p:transition>
+  <p:timing>
+    <p:tnLst>
+      <p:par>
+        <p:cTn id="1" dur="indefinite" restart="never" nodeType="tmRoot"/>
+      </p:par>
+    </p:tnLst>
+  </p:timing>
 </p:sldLayout>
 </file>
 
 <file path=ppt/slideLayouts/slideLayout3.xml><?xml version="1.0" encoding="utf-8"?>
+<p:sldLayout xmlns:a="http://schemas.openxmlformats.org/drawingml/2006/main" xmlns:r="http://schemas.openxmlformats.org/officeDocument/2006/relationships" xmlns:p="http://schemas.openxmlformats.org/presentationml/2006/main" type="obj" preserve="1">
+  <p:cSld name="2_标题和内容">
+    <p:spTree>
+      <p:nvGrpSpPr>
+        <p:cNvPr id="1" name=""/>
+        <p:cNvGrpSpPr/>
+        <p:nvPr/>
+      </p:nvGrpSpPr>
+      <p:grpSpPr>
+        <a:xfrm>
+          <a:off x="0" y="0"/>
+          <a:ext cx="0" cy="0"/>
+          <a:chOff x="0" y="0"/>
+          <a:chExt cx="0" cy="0"/>
+        </a:xfrm>
+      </p:grpSpPr>
+      <p:sp>
+        <p:nvSpPr>
+          <p:cNvPr id="2" name="标题 1"/>
+          <p:cNvSpPr>
+            <a:spLocks noGrp="1"/>
+          </p:cNvSpPr>
+          <p:nvPr>
+            <p:ph type="title"/>
+          </p:nvPr>
+        </p:nvSpPr>
+        <p:spPr/>
+        <p:txBody>
+          <a:bodyPr/>
+          <a:lstStyle>
+            <a:lvl1pPr>
+              <a:defRPr>
+                <a:latin typeface="华文新魏" panose="02010800040101010101" pitchFamily="2" charset="-122"/>
+                <a:ea typeface="华文新魏" panose="02010800040101010101" pitchFamily="2" charset="-122"/>
+              </a:defRPr>
+            </a:lvl1pPr>
+          </a:lstStyle>
+          <a:p>
+            <a:r>
+              <a:rPr lang="zh-CN" altLang="en-US" smtClean="0"/>
+              <a:t>单击此处编辑母版标题样式</a:t>
+            </a:r>
+            <a:endParaRPr lang="zh-CN" altLang="en-US" dirty="0"/>
+          </a:p>
+        </p:txBody>
+      </p:sp>
+      <p:sp>
+        <p:nvSpPr>
+          <p:cNvPr id="3" name="内容占位符 2"/>
+          <p:cNvSpPr>
+            <a:spLocks noGrp="1"/>
+          </p:cNvSpPr>
+          <p:nvPr>
+            <p:ph idx="1"/>
+          </p:nvPr>
+        </p:nvSpPr>
+        <p:spPr/>
+        <p:txBody>
+          <a:bodyPr/>
+          <a:lstStyle>
+            <a:lvl1pPr>
+              <a:defRPr>
+                <a:solidFill>
+                  <a:srgbClr val="0000FF"/>
+                </a:solidFill>
+                <a:latin typeface="华文新魏" panose="02010800040101010101" pitchFamily="2" charset="-122"/>
+                <a:ea typeface="华文新魏" panose="02010800040101010101" pitchFamily="2" charset="-122"/>
+              </a:defRPr>
+            </a:lvl1pPr>
+            <a:lvl2pPr>
+              <a:defRPr>
+                <a:solidFill>
+                  <a:srgbClr val="0000FF"/>
+                </a:solidFill>
+                <a:latin typeface="华文新魏" panose="02010800040101010101" pitchFamily="2" charset="-122"/>
+                <a:ea typeface="华文新魏" panose="02010800040101010101" pitchFamily="2" charset="-122"/>
+              </a:defRPr>
+            </a:lvl2pPr>
+            <a:lvl3pPr marL="1304925" indent="-395288">
+              <a:defRPr lang="zh-CN" altLang="en-US" sz="2400" b="1" baseline="0" dirty="0" smtClean="0">
+                <a:solidFill>
+                  <a:srgbClr val="0000FF"/>
+                </a:solidFill>
+                <a:latin typeface="华文楷体" panose="02010600040101010101" pitchFamily="2" charset="-122"/>
+                <a:ea typeface="楷体" panose="02010609060101010101" pitchFamily="49" charset="-122"/>
+              </a:defRPr>
+            </a:lvl3pPr>
+            <a:lvl4pPr>
+              <a:defRPr>
+                <a:solidFill>
+                  <a:srgbClr val="0000FF"/>
+                </a:solidFill>
+                <a:latin typeface="华文新魏" panose="02010800040101010101" pitchFamily="2" charset="-122"/>
+                <a:ea typeface="华文新魏" panose="02010800040101010101" pitchFamily="2" charset="-122"/>
+              </a:defRPr>
+            </a:lvl4pPr>
+            <a:lvl5pPr>
+              <a:defRPr>
+                <a:solidFill>
+                  <a:srgbClr val="0000FF"/>
+                </a:solidFill>
+                <a:latin typeface="华文新魏" panose="02010800040101010101" pitchFamily="2" charset="-122"/>
+                <a:ea typeface="华文新魏" panose="02010800040101010101" pitchFamily="2" charset="-122"/>
+              </a:defRPr>
+            </a:lvl5pPr>
+          </a:lstStyle>
+          <a:p>
+            <a:pPr lvl="0"/>
+            <a:r>
+              <a:rPr lang="zh-CN" altLang="en-US" smtClean="0"/>
+              <a:t>单击此处编辑母版文本样式</a:t>
+            </a:r>
+          </a:p>
+          <a:p>
+            <a:pPr lvl="1"/>
+            <a:r>
+              <a:rPr lang="zh-CN" altLang="en-US" smtClean="0"/>
+              <a:t>第二级</a:t>
+            </a:r>
+          </a:p>
+          <a:p>
+            <a:pPr lvl="2"/>
+            <a:r>
+              <a:rPr lang="zh-CN" altLang="en-US" smtClean="0"/>
+              <a:t>第三级</a:t>
+            </a:r>
+          </a:p>
+          <a:p>
+            <a:pPr lvl="3"/>
+            <a:r>
+              <a:rPr lang="zh-CN" altLang="en-US" smtClean="0"/>
+              <a:t>第四级</a:t>
+            </a:r>
+          </a:p>
+        </p:txBody>
+      </p:sp>
+      <p:sp>
+        <p:nvSpPr>
+          <p:cNvPr id="4" name="Rectangle 6"/>
+          <p:cNvSpPr>
+            <a:spLocks noGrp="1" noChangeArrowheads="1"/>
+          </p:cNvSpPr>
+          <p:nvPr>
+            <p:ph type="dt" sz="half" idx="10"/>
+          </p:nvPr>
+        </p:nvSpPr>
+        <p:spPr>
+          <a:xfrm>
+            <a:off x="609600" y="6245225"/>
+            <a:ext cx="1981200" cy="476250"/>
+          </a:xfrm>
+          <a:prstGeom prst="rect">
+            <a:avLst/>
+          </a:prstGeom>
+          <a:ln/>
+        </p:spPr>
+        <p:txBody>
+          <a:bodyPr/>
+          <a:lstStyle>
+            <a:lvl1pPr>
+              <a:defRPr/>
+            </a:lvl1pPr>
+          </a:lstStyle>
+          <a:p>
+            <a:fld id="{F02B0C02-8564-43E4-967A-60B5B1CD7176}" type="datetimeFigureOut">
+              <a:rPr lang="zh-CN" altLang="en-US" smtClean="0"/>
+              <a:t>2018/8/21</a:t>
+            </a:fld>
+            <a:endParaRPr lang="zh-CN" altLang="en-US"/>
+          </a:p>
+        </p:txBody>
+      </p:sp>
+      <p:sp>
+        <p:nvSpPr>
+          <p:cNvPr id="5" name="Rectangle 7"/>
+          <p:cNvSpPr>
+            <a:spLocks noGrp="1" noChangeArrowheads="1"/>
+          </p:cNvSpPr>
+          <p:nvPr>
+            <p:ph type="ftr" sz="quarter" idx="11"/>
+          </p:nvPr>
+        </p:nvSpPr>
+        <p:spPr>
+          <a:xfrm>
+            <a:off x="3124200" y="6245225"/>
+            <a:ext cx="2895600" cy="476250"/>
+          </a:xfrm>
+          <a:prstGeom prst="rect">
+            <a:avLst/>
+          </a:prstGeom>
+          <a:ln/>
+        </p:spPr>
+        <p:txBody>
+          <a:bodyPr/>
+          <a:lstStyle>
+            <a:lvl1pPr>
+              <a:defRPr/>
+            </a:lvl1pPr>
+          </a:lstStyle>
+          <a:p>
+            <a:pPr>
+              <a:defRPr/>
+            </a:pPr>
+            <a:endParaRPr lang="en-US" altLang="zh-CN" dirty="0"/>
+          </a:p>
+        </p:txBody>
+      </p:sp>
+    </p:spTree>
+    <p:extLst>
+      <p:ext uri="{BB962C8B-B14F-4D97-AF65-F5344CB8AC3E}">
+        <p14:creationId xmlns:p14="http://schemas.microsoft.com/office/powerpoint/2010/main" val="3846945651"/>
+      </p:ext>
+    </p:extLst>
+  </p:cSld>
+  <p:clrMapOvr>
+    <a:masterClrMapping/>
+  </p:clrMapOvr>
+  <p:transition>
+    <p:blinds dir="vert"/>
+  </p:transition>
+  <p:timing>
+    <p:tnLst>
+      <p:par>
+        <p:cTn id="1" dur="indefinite" restart="never" nodeType="tmRoot"/>
+      </p:par>
+    </p:tnLst>
+  </p:timing>
+</p:sldLayout>
+</file>
+
+<file path=ppt/slideLayouts/slideLayout4.xml><?xml version="1.0" encoding="utf-8"?>
 <p:sldLayout xmlns:a="http://schemas.openxmlformats.org/drawingml/2006/main" xmlns:r="http://schemas.openxmlformats.org/officeDocument/2006/relationships" xmlns:p="http://schemas.openxmlformats.org/presentationml/2006/main" type="secHead" preserve="1">
   <p:cSld name="节标题">
     <p:spTree>
@@ -2242,7 +1670,7 @@
         </p:nvSpPr>
         <p:spPr>
           <a:xfrm>
-            <a:off x="722313" y="4406900"/>
+            <a:off x="722313" y="4406902"/>
             <a:ext cx="7772400" cy="1362075"/>
           </a:xfrm>
         </p:spPr>
@@ -2338,6 +1766,13 @@
           </p:nvPr>
         </p:nvSpPr>
         <p:spPr>
+          <a:xfrm>
+            <a:off x="609600" y="6245225"/>
+            <a:ext cx="1981200" cy="476250"/>
+          </a:xfrm>
+          <a:prstGeom prst="rect">
+            <a:avLst/>
+          </a:prstGeom>
           <a:ln/>
         </p:spPr>
         <p:txBody>
@@ -2350,7 +1785,7 @@
           <a:p>
             <a:fld id="{F02B0C02-8564-43E4-967A-60B5B1CD7176}" type="datetimeFigureOut">
               <a:rPr lang="zh-CN" altLang="en-US" smtClean="0"/>
-              <a:t>2017/10/23</a:t>
+              <a:t>2018/8/21</a:t>
             </a:fld>
             <a:endParaRPr lang="zh-CN" altLang="en-US"/>
           </a:p>
@@ -2367,6 +1802,13 @@
           </p:nvPr>
         </p:nvSpPr>
         <p:spPr>
+          <a:xfrm>
+            <a:off x="3124200" y="6245225"/>
+            <a:ext cx="2895600" cy="476250"/>
+          </a:xfrm>
+          <a:prstGeom prst="rect">
+            <a:avLst/>
+          </a:prstGeom>
           <a:ln/>
         </p:spPr>
         <p:txBody>
@@ -2377,7 +1819,10 @@
             </a:lvl1pPr>
           </a:lstStyle>
           <a:p>
-            <a:endParaRPr lang="zh-CN" altLang="en-US"/>
+            <a:pPr>
+              <a:defRPr/>
+            </a:pPr>
+            <a:endParaRPr lang="en-US" altLang="zh-CN" dirty="0"/>
           </a:p>
         </p:txBody>
       </p:sp>
@@ -2392,6 +1837,13 @@
           </p:nvPr>
         </p:nvSpPr>
         <p:spPr>
+          <a:xfrm>
+            <a:off x="6553200" y="6245225"/>
+            <a:ext cx="1981200" cy="476250"/>
+          </a:xfrm>
+          <a:prstGeom prst="rect">
+            <a:avLst/>
+          </a:prstGeom>
           <a:ln/>
         </p:spPr>
         <p:txBody>
@@ -2402,18 +1854,24 @@
             </a:lvl1pPr>
           </a:lstStyle>
           <a:p>
-            <a:fld id="{C21215AF-1E48-480D-B6C7-9655FC943ECD}" type="slidenum">
-              <a:rPr lang="zh-CN" altLang="en-US" smtClean="0"/>
+            <a:pPr>
+              <a:defRPr/>
+            </a:pPr>
+            <a:fld id="{B62FBA93-7C77-4D32-BA8C-F7EFDB1910E6}" type="slidenum">
+              <a:rPr lang="en-US" altLang="zh-CN"/>
+              <a:pPr>
+                <a:defRPr/>
+              </a:pPr>
               <a:t>‹#›</a:t>
             </a:fld>
-            <a:endParaRPr lang="zh-CN" altLang="en-US"/>
+            <a:endParaRPr lang="en-US" altLang="zh-CN" dirty="0"/>
           </a:p>
         </p:txBody>
       </p:sp>
     </p:spTree>
     <p:extLst>
       <p:ext uri="{BB962C8B-B14F-4D97-AF65-F5344CB8AC3E}">
-        <p14:creationId xmlns:p14="http://schemas.microsoft.com/office/powerpoint/2010/main" val="3515212085"/>
+        <p14:creationId xmlns:p14="http://schemas.microsoft.com/office/powerpoint/2010/main" val="1355284535"/>
       </p:ext>
     </p:extLst>
   </p:cSld>
@@ -2426,7 +1884,7 @@
 </p:sldLayout>
 </file>
 
-<file path=ppt/slideLayouts/slideLayout4.xml><?xml version="1.0" encoding="utf-8"?>
+<file path=ppt/slideLayouts/slideLayout5.xml><?xml version="1.0" encoding="utf-8"?>
 <p:sldLayout xmlns:a="http://schemas.openxmlformats.org/drawingml/2006/main" xmlns:r="http://schemas.openxmlformats.org/officeDocument/2006/relationships" xmlns:p="http://schemas.openxmlformats.org/presentationml/2006/main" type="twoObj" preserve="1">
   <p:cSld name="两栏内容">
     <p:spTree>
@@ -2491,8 +1949,14 @@
             <a:lvl2pPr>
               <a:defRPr sz="2400"/>
             </a:lvl2pPr>
-            <a:lvl3pPr>
-              <a:defRPr sz="2000"/>
+            <a:lvl3pPr marL="1304925" indent="-395288">
+              <a:defRPr lang="zh-CN" altLang="en-US" sz="2400" b="1" baseline="0" dirty="0" smtClean="0">
+                <a:solidFill>
+                  <a:schemeClr val="tx1"/>
+                </a:solidFill>
+                <a:latin typeface="华文楷体" panose="02010600040101010101" pitchFamily="2" charset="-122"/>
+                <a:ea typeface="楷体" panose="02010609060101010101" pitchFamily="49" charset="-122"/>
+              </a:defRPr>
             </a:lvl3pPr>
             <a:lvl4pPr>
               <a:defRPr sz="1800"/>
@@ -2541,14 +2005,6 @@
               <a:t>第四级</a:t>
             </a:r>
           </a:p>
-          <a:p>
-            <a:pPr lvl="4"/>
-            <a:r>
-              <a:rPr lang="zh-CN" altLang="en-US" smtClean="0"/>
-              <a:t>第五级</a:t>
-            </a:r>
-            <a:endParaRPr lang="zh-CN" altLang="en-US"/>
-          </a:p>
         </p:txBody>
       </p:sp>
       <p:sp>
@@ -2576,8 +2032,14 @@
             <a:lvl2pPr>
               <a:defRPr sz="2400"/>
             </a:lvl2pPr>
-            <a:lvl3pPr>
-              <a:defRPr sz="2000"/>
+            <a:lvl3pPr marL="1304925" indent="-395288">
+              <a:defRPr lang="zh-CN" altLang="en-US" sz="2400" b="1" baseline="0" dirty="0" smtClean="0">
+                <a:solidFill>
+                  <a:schemeClr val="tx1"/>
+                </a:solidFill>
+                <a:latin typeface="华文楷体" panose="02010600040101010101" pitchFamily="2" charset="-122"/>
+                <a:ea typeface="楷体" panose="02010609060101010101" pitchFamily="49" charset="-122"/>
+              </a:defRPr>
             </a:lvl3pPr>
             <a:lvl4pPr>
               <a:defRPr sz="1800"/>
@@ -2626,14 +2088,6 @@
               <a:t>第四级</a:t>
             </a:r>
           </a:p>
-          <a:p>
-            <a:pPr lvl="4"/>
-            <a:r>
-              <a:rPr lang="zh-CN" altLang="en-US" smtClean="0"/>
-              <a:t>第五级</a:t>
-            </a:r>
-            <a:endParaRPr lang="zh-CN" altLang="en-US"/>
-          </a:p>
         </p:txBody>
       </p:sp>
       <p:sp>
@@ -2647,6 +2101,13 @@
           </p:nvPr>
         </p:nvSpPr>
         <p:spPr>
+          <a:xfrm>
+            <a:off x="609600" y="6245225"/>
+            <a:ext cx="1981200" cy="476250"/>
+          </a:xfrm>
+          <a:prstGeom prst="rect">
+            <a:avLst/>
+          </a:prstGeom>
           <a:ln/>
         </p:spPr>
         <p:txBody>
@@ -2659,7 +2120,7 @@
           <a:p>
             <a:fld id="{F02B0C02-8564-43E4-967A-60B5B1CD7176}" type="datetimeFigureOut">
               <a:rPr lang="zh-CN" altLang="en-US" smtClean="0"/>
-              <a:t>2017/10/23</a:t>
+              <a:t>2018/8/21</a:t>
             </a:fld>
             <a:endParaRPr lang="zh-CN" altLang="en-US"/>
           </a:p>
@@ -2676,6 +2137,13 @@
           </p:nvPr>
         </p:nvSpPr>
         <p:spPr>
+          <a:xfrm>
+            <a:off x="3124200" y="6245225"/>
+            <a:ext cx="2895600" cy="476250"/>
+          </a:xfrm>
+          <a:prstGeom prst="rect">
+            <a:avLst/>
+          </a:prstGeom>
           <a:ln/>
         </p:spPr>
         <p:txBody>
@@ -2701,6 +2169,13 @@
           </p:nvPr>
         </p:nvSpPr>
         <p:spPr>
+          <a:xfrm>
+            <a:off x="6553200" y="6245225"/>
+            <a:ext cx="1981200" cy="476250"/>
+          </a:xfrm>
+          <a:prstGeom prst="rect">
+            <a:avLst/>
+          </a:prstGeom>
           <a:ln/>
         </p:spPr>
         <p:txBody>
@@ -2722,455 +2197,7 @@
     </p:spTree>
     <p:extLst>
       <p:ext uri="{BB962C8B-B14F-4D97-AF65-F5344CB8AC3E}">
-        <p14:creationId xmlns:p14="http://schemas.microsoft.com/office/powerpoint/2010/main" val="2606788259"/>
-      </p:ext>
-    </p:extLst>
-  </p:cSld>
-  <p:clrMapOvr>
-    <a:masterClrMapping/>
-  </p:clrMapOvr>
-  <p:transition>
-    <p:blinds dir="vert"/>
-  </p:transition>
-</p:sldLayout>
-</file>
-
-<file path=ppt/slideLayouts/slideLayout5.xml><?xml version="1.0" encoding="utf-8"?>
-<p:sldLayout xmlns:a="http://schemas.openxmlformats.org/drawingml/2006/main" xmlns:r="http://schemas.openxmlformats.org/officeDocument/2006/relationships" xmlns:p="http://schemas.openxmlformats.org/presentationml/2006/main" type="twoTxTwoObj" preserve="1">
-  <p:cSld name="比较">
-    <p:spTree>
-      <p:nvGrpSpPr>
-        <p:cNvPr id="1" name=""/>
-        <p:cNvGrpSpPr/>
-        <p:nvPr/>
-      </p:nvGrpSpPr>
-      <p:grpSpPr>
-        <a:xfrm>
-          <a:off x="0" y="0"/>
-          <a:ext cx="0" cy="0"/>
-          <a:chOff x="0" y="0"/>
-          <a:chExt cx="0" cy="0"/>
-        </a:xfrm>
-      </p:grpSpPr>
-      <p:sp>
-        <p:nvSpPr>
-          <p:cNvPr id="2" name="标题 1"/>
-          <p:cNvSpPr>
-            <a:spLocks noGrp="1"/>
-          </p:cNvSpPr>
-          <p:nvPr>
-            <p:ph type="title"/>
-          </p:nvPr>
-        </p:nvSpPr>
-        <p:spPr>
-          <a:xfrm>
-            <a:off x="457200" y="274638"/>
-            <a:ext cx="8229600" cy="1143000"/>
-          </a:xfrm>
-        </p:spPr>
-        <p:txBody>
-          <a:bodyPr/>
-          <a:lstStyle>
-            <a:lvl1pPr>
-              <a:defRPr/>
-            </a:lvl1pPr>
-          </a:lstStyle>
-          <a:p>
-            <a:r>
-              <a:rPr lang="zh-CN" altLang="en-US" smtClean="0"/>
-              <a:t>单击此处编辑母版标题样式</a:t>
-            </a:r>
-            <a:endParaRPr lang="zh-CN" altLang="en-US"/>
-          </a:p>
-        </p:txBody>
-      </p:sp>
-      <p:sp>
-        <p:nvSpPr>
-          <p:cNvPr id="3" name="文本占位符 2"/>
-          <p:cNvSpPr>
-            <a:spLocks noGrp="1"/>
-          </p:cNvSpPr>
-          <p:nvPr>
-            <p:ph type="body" idx="1"/>
-          </p:nvPr>
-        </p:nvSpPr>
-        <p:spPr>
-          <a:xfrm>
-            <a:off x="457200" y="1535113"/>
-            <a:ext cx="4040188" cy="639762"/>
-          </a:xfrm>
-        </p:spPr>
-        <p:txBody>
-          <a:bodyPr anchor="b"/>
-          <a:lstStyle>
-            <a:lvl1pPr marL="0" indent="0">
-              <a:buNone/>
-              <a:defRPr sz="2400" b="1"/>
-            </a:lvl1pPr>
-            <a:lvl2pPr marL="457200" indent="0">
-              <a:buNone/>
-              <a:defRPr sz="2000" b="1"/>
-            </a:lvl2pPr>
-            <a:lvl3pPr marL="914400" indent="0">
-              <a:buNone/>
-              <a:defRPr sz="1800" b="1"/>
-            </a:lvl3pPr>
-            <a:lvl4pPr marL="1371600" indent="0">
-              <a:buNone/>
-              <a:defRPr sz="1600" b="1"/>
-            </a:lvl4pPr>
-            <a:lvl5pPr marL="1828800" indent="0">
-              <a:buNone/>
-              <a:defRPr sz="1600" b="1"/>
-            </a:lvl5pPr>
-            <a:lvl6pPr marL="2286000" indent="0">
-              <a:buNone/>
-              <a:defRPr sz="1600" b="1"/>
-            </a:lvl6pPr>
-            <a:lvl7pPr marL="2743200" indent="0">
-              <a:buNone/>
-              <a:defRPr sz="1600" b="1"/>
-            </a:lvl7pPr>
-            <a:lvl8pPr marL="3200400" indent="0">
-              <a:buNone/>
-              <a:defRPr sz="1600" b="1"/>
-            </a:lvl8pPr>
-            <a:lvl9pPr marL="3657600" indent="0">
-              <a:buNone/>
-              <a:defRPr sz="1600" b="1"/>
-            </a:lvl9pPr>
-          </a:lstStyle>
-          <a:p>
-            <a:pPr lvl="0"/>
-            <a:r>
-              <a:rPr lang="zh-CN" altLang="en-US" smtClean="0"/>
-              <a:t>单击此处编辑母版文本样式</a:t>
-            </a:r>
-          </a:p>
-        </p:txBody>
-      </p:sp>
-      <p:sp>
-        <p:nvSpPr>
-          <p:cNvPr id="4" name="内容占位符 3"/>
-          <p:cNvSpPr>
-            <a:spLocks noGrp="1"/>
-          </p:cNvSpPr>
-          <p:nvPr>
-            <p:ph sz="half" idx="2"/>
-          </p:nvPr>
-        </p:nvSpPr>
-        <p:spPr>
-          <a:xfrm>
-            <a:off x="457200" y="2174875"/>
-            <a:ext cx="4040188" cy="3951288"/>
-          </a:xfrm>
-        </p:spPr>
-        <p:txBody>
-          <a:bodyPr/>
-          <a:lstStyle>
-            <a:lvl1pPr>
-              <a:defRPr sz="2400"/>
-            </a:lvl1pPr>
-            <a:lvl2pPr>
-              <a:defRPr sz="2000"/>
-            </a:lvl2pPr>
-            <a:lvl3pPr>
-              <a:defRPr sz="1800"/>
-            </a:lvl3pPr>
-            <a:lvl4pPr>
-              <a:defRPr sz="1600"/>
-            </a:lvl4pPr>
-            <a:lvl5pPr>
-              <a:defRPr sz="1600"/>
-            </a:lvl5pPr>
-            <a:lvl6pPr>
-              <a:defRPr sz="1600"/>
-            </a:lvl6pPr>
-            <a:lvl7pPr>
-              <a:defRPr sz="1600"/>
-            </a:lvl7pPr>
-            <a:lvl8pPr>
-              <a:defRPr sz="1600"/>
-            </a:lvl8pPr>
-            <a:lvl9pPr>
-              <a:defRPr sz="1600"/>
-            </a:lvl9pPr>
-          </a:lstStyle>
-          <a:p>
-            <a:pPr lvl="0"/>
-            <a:r>
-              <a:rPr lang="zh-CN" altLang="en-US" smtClean="0"/>
-              <a:t>单击此处编辑母版文本样式</a:t>
-            </a:r>
-          </a:p>
-          <a:p>
-            <a:pPr lvl="1"/>
-            <a:r>
-              <a:rPr lang="zh-CN" altLang="en-US" smtClean="0"/>
-              <a:t>第二级</a:t>
-            </a:r>
-          </a:p>
-          <a:p>
-            <a:pPr lvl="2"/>
-            <a:r>
-              <a:rPr lang="zh-CN" altLang="en-US" smtClean="0"/>
-              <a:t>第三级</a:t>
-            </a:r>
-          </a:p>
-          <a:p>
-            <a:pPr lvl="3"/>
-            <a:r>
-              <a:rPr lang="zh-CN" altLang="en-US" smtClean="0"/>
-              <a:t>第四级</a:t>
-            </a:r>
-          </a:p>
-          <a:p>
-            <a:pPr lvl="4"/>
-            <a:r>
-              <a:rPr lang="zh-CN" altLang="en-US" smtClean="0"/>
-              <a:t>第五级</a:t>
-            </a:r>
-            <a:endParaRPr lang="zh-CN" altLang="en-US"/>
-          </a:p>
-        </p:txBody>
-      </p:sp>
-      <p:sp>
-        <p:nvSpPr>
-          <p:cNvPr id="5" name="文本占位符 4"/>
-          <p:cNvSpPr>
-            <a:spLocks noGrp="1"/>
-          </p:cNvSpPr>
-          <p:nvPr>
-            <p:ph type="body" sz="quarter" idx="3"/>
-          </p:nvPr>
-        </p:nvSpPr>
-        <p:spPr>
-          <a:xfrm>
-            <a:off x="4645025" y="1535113"/>
-            <a:ext cx="4041775" cy="639762"/>
-          </a:xfrm>
-        </p:spPr>
-        <p:txBody>
-          <a:bodyPr anchor="b"/>
-          <a:lstStyle>
-            <a:lvl1pPr marL="0" indent="0">
-              <a:buNone/>
-              <a:defRPr sz="2400" b="1"/>
-            </a:lvl1pPr>
-            <a:lvl2pPr marL="457200" indent="0">
-              <a:buNone/>
-              <a:defRPr sz="2000" b="1"/>
-            </a:lvl2pPr>
-            <a:lvl3pPr marL="914400" indent="0">
-              <a:buNone/>
-              <a:defRPr sz="1800" b="1"/>
-            </a:lvl3pPr>
-            <a:lvl4pPr marL="1371600" indent="0">
-              <a:buNone/>
-              <a:defRPr sz="1600" b="1"/>
-            </a:lvl4pPr>
-            <a:lvl5pPr marL="1828800" indent="0">
-              <a:buNone/>
-              <a:defRPr sz="1600" b="1"/>
-            </a:lvl5pPr>
-            <a:lvl6pPr marL="2286000" indent="0">
-              <a:buNone/>
-              <a:defRPr sz="1600" b="1"/>
-            </a:lvl6pPr>
-            <a:lvl7pPr marL="2743200" indent="0">
-              <a:buNone/>
-              <a:defRPr sz="1600" b="1"/>
-            </a:lvl7pPr>
-            <a:lvl8pPr marL="3200400" indent="0">
-              <a:buNone/>
-              <a:defRPr sz="1600" b="1"/>
-            </a:lvl8pPr>
-            <a:lvl9pPr marL="3657600" indent="0">
-              <a:buNone/>
-              <a:defRPr sz="1600" b="1"/>
-            </a:lvl9pPr>
-          </a:lstStyle>
-          <a:p>
-            <a:pPr lvl="0"/>
-            <a:r>
-              <a:rPr lang="zh-CN" altLang="en-US" smtClean="0"/>
-              <a:t>单击此处编辑母版文本样式</a:t>
-            </a:r>
-          </a:p>
-        </p:txBody>
-      </p:sp>
-      <p:sp>
-        <p:nvSpPr>
-          <p:cNvPr id="6" name="内容占位符 5"/>
-          <p:cNvSpPr>
-            <a:spLocks noGrp="1"/>
-          </p:cNvSpPr>
-          <p:nvPr>
-            <p:ph sz="quarter" idx="4"/>
-          </p:nvPr>
-        </p:nvSpPr>
-        <p:spPr>
-          <a:xfrm>
-            <a:off x="4645025" y="2174875"/>
-            <a:ext cx="4041775" cy="3951288"/>
-          </a:xfrm>
-        </p:spPr>
-        <p:txBody>
-          <a:bodyPr/>
-          <a:lstStyle>
-            <a:lvl1pPr>
-              <a:defRPr sz="2400"/>
-            </a:lvl1pPr>
-            <a:lvl2pPr>
-              <a:defRPr sz="2000"/>
-            </a:lvl2pPr>
-            <a:lvl3pPr>
-              <a:defRPr sz="1800"/>
-            </a:lvl3pPr>
-            <a:lvl4pPr>
-              <a:defRPr sz="1600"/>
-            </a:lvl4pPr>
-            <a:lvl5pPr>
-              <a:defRPr sz="1600"/>
-            </a:lvl5pPr>
-            <a:lvl6pPr>
-              <a:defRPr sz="1600"/>
-            </a:lvl6pPr>
-            <a:lvl7pPr>
-              <a:defRPr sz="1600"/>
-            </a:lvl7pPr>
-            <a:lvl8pPr>
-              <a:defRPr sz="1600"/>
-            </a:lvl8pPr>
-            <a:lvl9pPr>
-              <a:defRPr sz="1600"/>
-            </a:lvl9pPr>
-          </a:lstStyle>
-          <a:p>
-            <a:pPr lvl="0"/>
-            <a:r>
-              <a:rPr lang="zh-CN" altLang="en-US" smtClean="0"/>
-              <a:t>单击此处编辑母版文本样式</a:t>
-            </a:r>
-          </a:p>
-          <a:p>
-            <a:pPr lvl="1"/>
-            <a:r>
-              <a:rPr lang="zh-CN" altLang="en-US" smtClean="0"/>
-              <a:t>第二级</a:t>
-            </a:r>
-          </a:p>
-          <a:p>
-            <a:pPr lvl="2"/>
-            <a:r>
-              <a:rPr lang="zh-CN" altLang="en-US" smtClean="0"/>
-              <a:t>第三级</a:t>
-            </a:r>
-          </a:p>
-          <a:p>
-            <a:pPr lvl="3"/>
-            <a:r>
-              <a:rPr lang="zh-CN" altLang="en-US" smtClean="0"/>
-              <a:t>第四级</a:t>
-            </a:r>
-          </a:p>
-          <a:p>
-            <a:pPr lvl="4"/>
-            <a:r>
-              <a:rPr lang="zh-CN" altLang="en-US" smtClean="0"/>
-              <a:t>第五级</a:t>
-            </a:r>
-            <a:endParaRPr lang="zh-CN" altLang="en-US"/>
-          </a:p>
-        </p:txBody>
-      </p:sp>
-      <p:sp>
-        <p:nvSpPr>
-          <p:cNvPr id="7" name="Rectangle 6"/>
-          <p:cNvSpPr>
-            <a:spLocks noGrp="1" noChangeArrowheads="1"/>
-          </p:cNvSpPr>
-          <p:nvPr>
-            <p:ph type="dt" sz="half" idx="10"/>
-          </p:nvPr>
-        </p:nvSpPr>
-        <p:spPr>
-          <a:ln/>
-        </p:spPr>
-        <p:txBody>
-          <a:bodyPr/>
-          <a:lstStyle>
-            <a:lvl1pPr>
-              <a:defRPr/>
-            </a:lvl1pPr>
-          </a:lstStyle>
-          <a:p>
-            <a:fld id="{F02B0C02-8564-43E4-967A-60B5B1CD7176}" type="datetimeFigureOut">
-              <a:rPr lang="zh-CN" altLang="en-US" smtClean="0"/>
-              <a:t>2017/10/23</a:t>
-            </a:fld>
-            <a:endParaRPr lang="zh-CN" altLang="en-US"/>
-          </a:p>
-        </p:txBody>
-      </p:sp>
-      <p:sp>
-        <p:nvSpPr>
-          <p:cNvPr id="8" name="Rectangle 7"/>
-          <p:cNvSpPr>
-            <a:spLocks noGrp="1" noChangeArrowheads="1"/>
-          </p:cNvSpPr>
-          <p:nvPr>
-            <p:ph type="ftr" sz="quarter" idx="11"/>
-          </p:nvPr>
-        </p:nvSpPr>
-        <p:spPr>
-          <a:ln/>
-        </p:spPr>
-        <p:txBody>
-          <a:bodyPr/>
-          <a:lstStyle>
-            <a:lvl1pPr>
-              <a:defRPr/>
-            </a:lvl1pPr>
-          </a:lstStyle>
-          <a:p>
-            <a:endParaRPr lang="zh-CN" altLang="en-US"/>
-          </a:p>
-        </p:txBody>
-      </p:sp>
-      <p:sp>
-        <p:nvSpPr>
-          <p:cNvPr id="9" name="Rectangle 8"/>
-          <p:cNvSpPr>
-            <a:spLocks noGrp="1" noChangeArrowheads="1"/>
-          </p:cNvSpPr>
-          <p:nvPr>
-            <p:ph type="sldNum" sz="quarter" idx="12"/>
-          </p:nvPr>
-        </p:nvSpPr>
-        <p:spPr>
-          <a:ln/>
-        </p:spPr>
-        <p:txBody>
-          <a:bodyPr/>
-          <a:lstStyle>
-            <a:lvl1pPr>
-              <a:defRPr/>
-            </a:lvl1pPr>
-          </a:lstStyle>
-          <a:p>
-            <a:fld id="{C21215AF-1E48-480D-B6C7-9655FC943ECD}" type="slidenum">
-              <a:rPr lang="zh-CN" altLang="en-US" smtClean="0"/>
-              <a:t>‹#›</a:t>
-            </a:fld>
-            <a:endParaRPr lang="zh-CN" altLang="en-US"/>
-          </a:p>
-        </p:txBody>
-      </p:sp>
-    </p:spTree>
-    <p:extLst>
-      <p:ext uri="{BB962C8B-B14F-4D97-AF65-F5344CB8AC3E}">
-        <p14:creationId xmlns:p14="http://schemas.microsoft.com/office/powerpoint/2010/main" val="1774999766"/>
+        <p14:creationId xmlns:p14="http://schemas.microsoft.com/office/powerpoint/2010/main" val="2246299959"/>
       </p:ext>
     </p:extLst>
   </p:cSld>
@@ -3234,6 +2261,13 @@
           </p:nvPr>
         </p:nvSpPr>
         <p:spPr>
+          <a:xfrm>
+            <a:off x="609600" y="6245225"/>
+            <a:ext cx="1981200" cy="476250"/>
+          </a:xfrm>
+          <a:prstGeom prst="rect">
+            <a:avLst/>
+          </a:prstGeom>
           <a:ln/>
         </p:spPr>
         <p:txBody>
@@ -3246,7 +2280,7 @@
           <a:p>
             <a:fld id="{F02B0C02-8564-43E4-967A-60B5B1CD7176}" type="datetimeFigureOut">
               <a:rPr lang="zh-CN" altLang="en-US" smtClean="0"/>
-              <a:t>2017/10/23</a:t>
+              <a:t>2018/8/21</a:t>
             </a:fld>
             <a:endParaRPr lang="zh-CN" altLang="en-US"/>
           </a:p>
@@ -3263,6 +2297,13 @@
           </p:nvPr>
         </p:nvSpPr>
         <p:spPr>
+          <a:xfrm>
+            <a:off x="3124200" y="6245225"/>
+            <a:ext cx="2895600" cy="476250"/>
+          </a:xfrm>
+          <a:prstGeom prst="rect">
+            <a:avLst/>
+          </a:prstGeom>
           <a:ln/>
         </p:spPr>
         <p:txBody>
@@ -3273,7 +2314,10 @@
             </a:lvl1pPr>
           </a:lstStyle>
           <a:p>
-            <a:endParaRPr lang="zh-CN" altLang="en-US"/>
+            <a:pPr>
+              <a:defRPr/>
+            </a:pPr>
+            <a:endParaRPr lang="en-US" altLang="zh-CN" dirty="0"/>
           </a:p>
         </p:txBody>
       </p:sp>
@@ -3288,6 +2332,13 @@
           </p:nvPr>
         </p:nvSpPr>
         <p:spPr>
+          <a:xfrm>
+            <a:off x="6553200" y="6245225"/>
+            <a:ext cx="1981200" cy="476250"/>
+          </a:xfrm>
+          <a:prstGeom prst="rect">
+            <a:avLst/>
+          </a:prstGeom>
           <a:ln/>
         </p:spPr>
         <p:txBody>
@@ -3298,18 +2349,24 @@
             </a:lvl1pPr>
           </a:lstStyle>
           <a:p>
-            <a:fld id="{C21215AF-1E48-480D-B6C7-9655FC943ECD}" type="slidenum">
-              <a:rPr lang="zh-CN" altLang="en-US" smtClean="0"/>
+            <a:pPr>
+              <a:defRPr/>
+            </a:pPr>
+            <a:fld id="{15209603-DA32-4E08-B993-D56C85C4BB77}" type="slidenum">
+              <a:rPr lang="en-US" altLang="zh-CN"/>
+              <a:pPr>
+                <a:defRPr/>
+              </a:pPr>
               <a:t>‹#›</a:t>
             </a:fld>
-            <a:endParaRPr lang="zh-CN" altLang="en-US"/>
+            <a:endParaRPr lang="en-US" altLang="zh-CN" dirty="0"/>
           </a:p>
         </p:txBody>
       </p:sp>
     </p:spTree>
     <p:extLst>
       <p:ext uri="{BB962C8B-B14F-4D97-AF65-F5344CB8AC3E}">
-        <p14:creationId xmlns:p14="http://schemas.microsoft.com/office/powerpoint/2010/main" val="3252502038"/>
+        <p14:creationId xmlns:p14="http://schemas.microsoft.com/office/powerpoint/2010/main" val="2443479709"/>
       </p:ext>
     </p:extLst>
   </p:cSld>
@@ -3323,8 +2380,8 @@
 </file>
 
 <file path=ppt/slideLayouts/slideLayout7.xml><?xml version="1.0" encoding="utf-8"?>
-<p:sldLayout xmlns:a="http://schemas.openxmlformats.org/drawingml/2006/main" xmlns:r="http://schemas.openxmlformats.org/officeDocument/2006/relationships" xmlns:p="http://schemas.openxmlformats.org/presentationml/2006/main" type="blank" preserve="1">
-  <p:cSld name="空白">
+<p:sldLayout xmlns:a="http://schemas.openxmlformats.org/drawingml/2006/main" xmlns:r="http://schemas.openxmlformats.org/officeDocument/2006/relationships" xmlns:p="http://schemas.openxmlformats.org/presentationml/2006/main" preserve="1">
+  <p:cSld name="1_标题幻灯片">
     <p:spTree>
       <p:nvGrpSpPr>
         <p:cNvPr id="1" name=""/>
@@ -3341,16 +2398,54 @@
       </p:grpSpPr>
       <p:sp>
         <p:nvSpPr>
-          <p:cNvPr id="2" name="Rectangle 6"/>
+          <p:cNvPr id="184322" name="Rectangle 2"/>
           <p:cNvSpPr>
             <a:spLocks noGrp="1" noChangeArrowheads="1"/>
           </p:cNvSpPr>
           <p:nvPr>
+            <p:ph type="ctrTitle"/>
+          </p:nvPr>
+        </p:nvSpPr>
+        <p:spPr>
+          <a:xfrm>
+            <a:off x="845586" y="2636912"/>
+            <a:ext cx="7772400" cy="1128192"/>
+          </a:xfrm>
+        </p:spPr>
+        <p:txBody>
+          <a:bodyPr/>
+          <a:lstStyle>
+            <a:lvl1pPr algn="ctr">
+              <a:defRPr sz="4000"/>
+            </a:lvl1pPr>
+          </a:lstStyle>
+          <a:p>
+            <a:r>
+              <a:rPr lang="zh-CN" altLang="en-US" smtClean="0"/>
+              <a:t>单击此处编辑母版标题样式</a:t>
+            </a:r>
+            <a:endParaRPr lang="zh-CN" altLang="en-US" dirty="0"/>
+          </a:p>
+        </p:txBody>
+      </p:sp>
+      <p:sp>
+        <p:nvSpPr>
+          <p:cNvPr id="5" name="Rectangle 4"/>
+          <p:cNvSpPr>
+            <a:spLocks noGrp="1" noChangeArrowheads="1"/>
+          </p:cNvSpPr>
+          <p:nvPr>
             <p:ph type="dt" sz="half" idx="10"/>
           </p:nvPr>
         </p:nvSpPr>
         <p:spPr>
-          <a:ln/>
+          <a:xfrm>
+            <a:off x="685800" y="6248400"/>
+            <a:ext cx="1905000" cy="457200"/>
+          </a:xfrm>
+          <a:prstGeom prst="rect">
+            <a:avLst/>
+          </a:prstGeom>
         </p:spPr>
         <p:txBody>
           <a:bodyPr/>
@@ -3360,17 +2455,16 @@
             </a:lvl1pPr>
           </a:lstStyle>
           <a:p>
-            <a:fld id="{F02B0C02-8564-43E4-967A-60B5B1CD7176}" type="datetimeFigureOut">
-              <a:rPr lang="zh-CN" altLang="en-US" smtClean="0"/>
-              <a:t>2017/10/23</a:t>
-            </a:fld>
-            <a:endParaRPr lang="zh-CN" altLang="en-US"/>
-          </a:p>
-        </p:txBody>
-      </p:sp>
-      <p:sp>
-        <p:nvSpPr>
-          <p:cNvPr id="3" name="Rectangle 7"/>
+            <a:pPr>
+              <a:defRPr/>
+            </a:pPr>
+            <a:endParaRPr lang="en-US" altLang="zh-CN" dirty="0"/>
+          </a:p>
+        </p:txBody>
+      </p:sp>
+      <p:sp>
+        <p:nvSpPr>
+          <p:cNvPr id="6" name="Rectangle 5"/>
           <p:cNvSpPr>
             <a:spLocks noGrp="1" noChangeArrowheads="1"/>
           </p:cNvSpPr>
@@ -3379,7 +2473,13 @@
           </p:nvPr>
         </p:nvSpPr>
         <p:spPr>
-          <a:ln/>
+          <a:xfrm>
+            <a:off x="3124200" y="6248400"/>
+            <a:ext cx="2895600" cy="457200"/>
+          </a:xfrm>
+          <a:prstGeom prst="rect">
+            <a:avLst/>
+          </a:prstGeom>
         </p:spPr>
         <p:txBody>
           <a:bodyPr/>
@@ -3389,13 +2489,16 @@
             </a:lvl1pPr>
           </a:lstStyle>
           <a:p>
-            <a:endParaRPr lang="zh-CN" altLang="en-US"/>
-          </a:p>
-        </p:txBody>
-      </p:sp>
-      <p:sp>
-        <p:nvSpPr>
-          <p:cNvPr id="4" name="Rectangle 8"/>
+            <a:pPr>
+              <a:defRPr/>
+            </a:pPr>
+            <a:endParaRPr lang="en-US" altLang="zh-CN" dirty="0"/>
+          </a:p>
+        </p:txBody>
+      </p:sp>
+      <p:sp>
+        <p:nvSpPr>
+          <p:cNvPr id="7" name="Rectangle 6"/>
           <p:cNvSpPr>
             <a:spLocks noGrp="1" noChangeArrowheads="1"/>
           </p:cNvSpPr>
@@ -3404,7 +2507,13 @@
           </p:nvPr>
         </p:nvSpPr>
         <p:spPr>
-          <a:ln/>
+          <a:xfrm>
+            <a:off x="6553200" y="6248400"/>
+            <a:ext cx="1905000" cy="457200"/>
+          </a:xfrm>
+          <a:prstGeom prst="rect">
+            <a:avLst/>
+          </a:prstGeom>
         </p:spPr>
         <p:txBody>
           <a:bodyPr/>
@@ -3414,594 +2523,24 @@
             </a:lvl1pPr>
           </a:lstStyle>
           <a:p>
-            <a:fld id="{C21215AF-1E48-480D-B6C7-9655FC943ECD}" type="slidenum">
-              <a:rPr lang="zh-CN" altLang="en-US" smtClean="0"/>
+            <a:pPr>
+              <a:defRPr/>
+            </a:pPr>
+            <a:fld id="{D69D5A50-F480-4E46-95E7-D0B4288BA79C}" type="slidenum">
+              <a:rPr lang="en-US" altLang="zh-CN"/>
+              <a:pPr>
+                <a:defRPr/>
+              </a:pPr>
               <a:t>‹#›</a:t>
             </a:fld>
-            <a:endParaRPr lang="zh-CN" altLang="en-US"/>
+            <a:endParaRPr lang="en-US" altLang="zh-CN" dirty="0"/>
           </a:p>
         </p:txBody>
       </p:sp>
     </p:spTree>
     <p:extLst>
       <p:ext uri="{BB962C8B-B14F-4D97-AF65-F5344CB8AC3E}">
-        <p14:creationId xmlns:p14="http://schemas.microsoft.com/office/powerpoint/2010/main" val="4080748487"/>
-      </p:ext>
-    </p:extLst>
-  </p:cSld>
-  <p:clrMapOvr>
-    <a:masterClrMapping/>
-  </p:clrMapOvr>
-  <p:transition>
-    <p:blinds dir="vert"/>
-  </p:transition>
-</p:sldLayout>
-</file>
-
-<file path=ppt/slideLayouts/slideLayout8.xml><?xml version="1.0" encoding="utf-8"?>
-<p:sldLayout xmlns:a="http://schemas.openxmlformats.org/drawingml/2006/main" xmlns:r="http://schemas.openxmlformats.org/officeDocument/2006/relationships" xmlns:p="http://schemas.openxmlformats.org/presentationml/2006/main" type="objTx" preserve="1">
-  <p:cSld name="内容与标题">
-    <p:spTree>
-      <p:nvGrpSpPr>
-        <p:cNvPr id="1" name=""/>
-        <p:cNvGrpSpPr/>
-        <p:nvPr/>
-      </p:nvGrpSpPr>
-      <p:grpSpPr>
-        <a:xfrm>
-          <a:off x="0" y="0"/>
-          <a:ext cx="0" cy="0"/>
-          <a:chOff x="0" y="0"/>
-          <a:chExt cx="0" cy="0"/>
-        </a:xfrm>
-      </p:grpSpPr>
-      <p:sp>
-        <p:nvSpPr>
-          <p:cNvPr id="2" name="标题 1"/>
-          <p:cNvSpPr>
-            <a:spLocks noGrp="1"/>
-          </p:cNvSpPr>
-          <p:nvPr>
-            <p:ph type="title"/>
-          </p:nvPr>
-        </p:nvSpPr>
-        <p:spPr>
-          <a:xfrm>
-            <a:off x="457200" y="273050"/>
-            <a:ext cx="3008313" cy="1162050"/>
-          </a:xfrm>
-        </p:spPr>
-        <p:txBody>
-          <a:bodyPr/>
-          <a:lstStyle>
-            <a:lvl1pPr algn="l">
-              <a:defRPr sz="2000" b="1"/>
-            </a:lvl1pPr>
-          </a:lstStyle>
-          <a:p>
-            <a:r>
-              <a:rPr lang="zh-CN" altLang="en-US" smtClean="0"/>
-              <a:t>单击此处编辑母版标题样式</a:t>
-            </a:r>
-            <a:endParaRPr lang="zh-CN" altLang="en-US"/>
-          </a:p>
-        </p:txBody>
-      </p:sp>
-      <p:sp>
-        <p:nvSpPr>
-          <p:cNvPr id="3" name="内容占位符 2"/>
-          <p:cNvSpPr>
-            <a:spLocks noGrp="1"/>
-          </p:cNvSpPr>
-          <p:nvPr>
-            <p:ph idx="1"/>
-          </p:nvPr>
-        </p:nvSpPr>
-        <p:spPr>
-          <a:xfrm>
-            <a:off x="3575050" y="273050"/>
-            <a:ext cx="5111750" cy="5853113"/>
-          </a:xfrm>
-        </p:spPr>
-        <p:txBody>
-          <a:bodyPr/>
-          <a:lstStyle>
-            <a:lvl1pPr>
-              <a:defRPr sz="3200"/>
-            </a:lvl1pPr>
-            <a:lvl2pPr>
-              <a:defRPr sz="2800"/>
-            </a:lvl2pPr>
-            <a:lvl3pPr>
-              <a:defRPr sz="2400"/>
-            </a:lvl3pPr>
-            <a:lvl4pPr>
-              <a:defRPr sz="2000"/>
-            </a:lvl4pPr>
-            <a:lvl5pPr>
-              <a:defRPr sz="2000"/>
-            </a:lvl5pPr>
-            <a:lvl6pPr>
-              <a:defRPr sz="2000"/>
-            </a:lvl6pPr>
-            <a:lvl7pPr>
-              <a:defRPr sz="2000"/>
-            </a:lvl7pPr>
-            <a:lvl8pPr>
-              <a:defRPr sz="2000"/>
-            </a:lvl8pPr>
-            <a:lvl9pPr>
-              <a:defRPr sz="2000"/>
-            </a:lvl9pPr>
-          </a:lstStyle>
-          <a:p>
-            <a:pPr lvl="0"/>
-            <a:r>
-              <a:rPr lang="zh-CN" altLang="en-US" smtClean="0"/>
-              <a:t>单击此处编辑母版文本样式</a:t>
-            </a:r>
-          </a:p>
-          <a:p>
-            <a:pPr lvl="1"/>
-            <a:r>
-              <a:rPr lang="zh-CN" altLang="en-US" smtClean="0"/>
-              <a:t>第二级</a:t>
-            </a:r>
-          </a:p>
-          <a:p>
-            <a:pPr lvl="2"/>
-            <a:r>
-              <a:rPr lang="zh-CN" altLang="en-US" smtClean="0"/>
-              <a:t>第三级</a:t>
-            </a:r>
-          </a:p>
-          <a:p>
-            <a:pPr lvl="3"/>
-            <a:r>
-              <a:rPr lang="zh-CN" altLang="en-US" smtClean="0"/>
-              <a:t>第四级</a:t>
-            </a:r>
-          </a:p>
-          <a:p>
-            <a:pPr lvl="4"/>
-            <a:r>
-              <a:rPr lang="zh-CN" altLang="en-US" smtClean="0"/>
-              <a:t>第五级</a:t>
-            </a:r>
-            <a:endParaRPr lang="zh-CN" altLang="en-US"/>
-          </a:p>
-        </p:txBody>
-      </p:sp>
-      <p:sp>
-        <p:nvSpPr>
-          <p:cNvPr id="4" name="文本占位符 3"/>
-          <p:cNvSpPr>
-            <a:spLocks noGrp="1"/>
-          </p:cNvSpPr>
-          <p:nvPr>
-            <p:ph type="body" sz="half" idx="2"/>
-          </p:nvPr>
-        </p:nvSpPr>
-        <p:spPr>
-          <a:xfrm>
-            <a:off x="457200" y="1435100"/>
-            <a:ext cx="3008313" cy="4691063"/>
-          </a:xfrm>
-        </p:spPr>
-        <p:txBody>
-          <a:bodyPr/>
-          <a:lstStyle>
-            <a:lvl1pPr marL="0" indent="0">
-              <a:buNone/>
-              <a:defRPr sz="1400"/>
-            </a:lvl1pPr>
-            <a:lvl2pPr marL="457200" indent="0">
-              <a:buNone/>
-              <a:defRPr sz="1200"/>
-            </a:lvl2pPr>
-            <a:lvl3pPr marL="914400" indent="0">
-              <a:buNone/>
-              <a:defRPr sz="1000"/>
-            </a:lvl3pPr>
-            <a:lvl4pPr marL="1371600" indent="0">
-              <a:buNone/>
-              <a:defRPr sz="900"/>
-            </a:lvl4pPr>
-            <a:lvl5pPr marL="1828800" indent="0">
-              <a:buNone/>
-              <a:defRPr sz="900"/>
-            </a:lvl5pPr>
-            <a:lvl6pPr marL="2286000" indent="0">
-              <a:buNone/>
-              <a:defRPr sz="900"/>
-            </a:lvl6pPr>
-            <a:lvl7pPr marL="2743200" indent="0">
-              <a:buNone/>
-              <a:defRPr sz="900"/>
-            </a:lvl7pPr>
-            <a:lvl8pPr marL="3200400" indent="0">
-              <a:buNone/>
-              <a:defRPr sz="900"/>
-            </a:lvl8pPr>
-            <a:lvl9pPr marL="3657600" indent="0">
-              <a:buNone/>
-              <a:defRPr sz="900"/>
-            </a:lvl9pPr>
-          </a:lstStyle>
-          <a:p>
-            <a:pPr lvl="0"/>
-            <a:r>
-              <a:rPr lang="zh-CN" altLang="en-US" smtClean="0"/>
-              <a:t>单击此处编辑母版文本样式</a:t>
-            </a:r>
-          </a:p>
-        </p:txBody>
-      </p:sp>
-      <p:sp>
-        <p:nvSpPr>
-          <p:cNvPr id="5" name="Rectangle 6"/>
-          <p:cNvSpPr>
-            <a:spLocks noGrp="1" noChangeArrowheads="1"/>
-          </p:cNvSpPr>
-          <p:nvPr>
-            <p:ph type="dt" sz="half" idx="10"/>
-          </p:nvPr>
-        </p:nvSpPr>
-        <p:spPr>
-          <a:ln/>
-        </p:spPr>
-        <p:txBody>
-          <a:bodyPr/>
-          <a:lstStyle>
-            <a:lvl1pPr>
-              <a:defRPr/>
-            </a:lvl1pPr>
-          </a:lstStyle>
-          <a:p>
-            <a:fld id="{F02B0C02-8564-43E4-967A-60B5B1CD7176}" type="datetimeFigureOut">
-              <a:rPr lang="zh-CN" altLang="en-US" smtClean="0"/>
-              <a:t>2017/10/23</a:t>
-            </a:fld>
-            <a:endParaRPr lang="zh-CN" altLang="en-US"/>
-          </a:p>
-        </p:txBody>
-      </p:sp>
-      <p:sp>
-        <p:nvSpPr>
-          <p:cNvPr id="6" name="Rectangle 7"/>
-          <p:cNvSpPr>
-            <a:spLocks noGrp="1" noChangeArrowheads="1"/>
-          </p:cNvSpPr>
-          <p:nvPr>
-            <p:ph type="ftr" sz="quarter" idx="11"/>
-          </p:nvPr>
-        </p:nvSpPr>
-        <p:spPr>
-          <a:ln/>
-        </p:spPr>
-        <p:txBody>
-          <a:bodyPr/>
-          <a:lstStyle>
-            <a:lvl1pPr>
-              <a:defRPr/>
-            </a:lvl1pPr>
-          </a:lstStyle>
-          <a:p>
-            <a:endParaRPr lang="zh-CN" altLang="en-US"/>
-          </a:p>
-        </p:txBody>
-      </p:sp>
-      <p:sp>
-        <p:nvSpPr>
-          <p:cNvPr id="7" name="Rectangle 8"/>
-          <p:cNvSpPr>
-            <a:spLocks noGrp="1" noChangeArrowheads="1"/>
-          </p:cNvSpPr>
-          <p:nvPr>
-            <p:ph type="sldNum" sz="quarter" idx="12"/>
-          </p:nvPr>
-        </p:nvSpPr>
-        <p:spPr>
-          <a:ln/>
-        </p:spPr>
-        <p:txBody>
-          <a:bodyPr/>
-          <a:lstStyle>
-            <a:lvl1pPr>
-              <a:defRPr/>
-            </a:lvl1pPr>
-          </a:lstStyle>
-          <a:p>
-            <a:fld id="{C21215AF-1E48-480D-B6C7-9655FC943ECD}" type="slidenum">
-              <a:rPr lang="zh-CN" altLang="en-US" smtClean="0"/>
-              <a:t>‹#›</a:t>
-            </a:fld>
-            <a:endParaRPr lang="zh-CN" altLang="en-US"/>
-          </a:p>
-        </p:txBody>
-      </p:sp>
-    </p:spTree>
-    <p:extLst>
-      <p:ext uri="{BB962C8B-B14F-4D97-AF65-F5344CB8AC3E}">
-        <p14:creationId xmlns:p14="http://schemas.microsoft.com/office/powerpoint/2010/main" val="1254778507"/>
-      </p:ext>
-    </p:extLst>
-  </p:cSld>
-  <p:clrMapOvr>
-    <a:masterClrMapping/>
-  </p:clrMapOvr>
-  <p:transition>
-    <p:blinds dir="vert"/>
-  </p:transition>
-</p:sldLayout>
-</file>
-
-<file path=ppt/slideLayouts/slideLayout9.xml><?xml version="1.0" encoding="utf-8"?>
-<p:sldLayout xmlns:a="http://schemas.openxmlformats.org/drawingml/2006/main" xmlns:r="http://schemas.openxmlformats.org/officeDocument/2006/relationships" xmlns:p="http://schemas.openxmlformats.org/presentationml/2006/main" type="picTx" preserve="1">
-  <p:cSld name="图片与标题">
-    <p:spTree>
-      <p:nvGrpSpPr>
-        <p:cNvPr id="1" name=""/>
-        <p:cNvGrpSpPr/>
-        <p:nvPr/>
-      </p:nvGrpSpPr>
-      <p:grpSpPr>
-        <a:xfrm>
-          <a:off x="0" y="0"/>
-          <a:ext cx="0" cy="0"/>
-          <a:chOff x="0" y="0"/>
-          <a:chExt cx="0" cy="0"/>
-        </a:xfrm>
-      </p:grpSpPr>
-      <p:sp>
-        <p:nvSpPr>
-          <p:cNvPr id="2" name="标题 1"/>
-          <p:cNvSpPr>
-            <a:spLocks noGrp="1"/>
-          </p:cNvSpPr>
-          <p:nvPr>
-            <p:ph type="title"/>
-          </p:nvPr>
-        </p:nvSpPr>
-        <p:spPr>
-          <a:xfrm>
-            <a:off x="1792288" y="4800600"/>
-            <a:ext cx="5486400" cy="566738"/>
-          </a:xfrm>
-        </p:spPr>
-        <p:txBody>
-          <a:bodyPr/>
-          <a:lstStyle>
-            <a:lvl1pPr algn="l">
-              <a:defRPr sz="2000" b="1"/>
-            </a:lvl1pPr>
-          </a:lstStyle>
-          <a:p>
-            <a:r>
-              <a:rPr lang="zh-CN" altLang="en-US" smtClean="0"/>
-              <a:t>单击此处编辑母版标题样式</a:t>
-            </a:r>
-            <a:endParaRPr lang="zh-CN" altLang="en-US"/>
-          </a:p>
-        </p:txBody>
-      </p:sp>
-      <p:sp>
-        <p:nvSpPr>
-          <p:cNvPr id="3" name="图片占位符 2"/>
-          <p:cNvSpPr>
-            <a:spLocks noGrp="1"/>
-          </p:cNvSpPr>
-          <p:nvPr>
-            <p:ph type="pic" idx="1"/>
-          </p:nvPr>
-        </p:nvSpPr>
-        <p:spPr>
-          <a:xfrm>
-            <a:off x="1792288" y="612775"/>
-            <a:ext cx="5486400" cy="4114800"/>
-          </a:xfrm>
-        </p:spPr>
-        <p:txBody>
-          <a:bodyPr/>
-          <a:lstStyle>
-            <a:lvl1pPr marL="0" indent="0">
-              <a:buNone/>
-              <a:defRPr sz="3200"/>
-            </a:lvl1pPr>
-            <a:lvl2pPr marL="457200" indent="0">
-              <a:buNone/>
-              <a:defRPr sz="2800"/>
-            </a:lvl2pPr>
-            <a:lvl3pPr marL="914400" indent="0">
-              <a:buNone/>
-              <a:defRPr sz="2400"/>
-            </a:lvl3pPr>
-            <a:lvl4pPr marL="1371600" indent="0">
-              <a:buNone/>
-              <a:defRPr sz="2000"/>
-            </a:lvl4pPr>
-            <a:lvl5pPr marL="1828800" indent="0">
-              <a:buNone/>
-              <a:defRPr sz="2000"/>
-            </a:lvl5pPr>
-            <a:lvl6pPr marL="2286000" indent="0">
-              <a:buNone/>
-              <a:defRPr sz="2000"/>
-            </a:lvl6pPr>
-            <a:lvl7pPr marL="2743200" indent="0">
-              <a:buNone/>
-              <a:defRPr sz="2000"/>
-            </a:lvl7pPr>
-            <a:lvl8pPr marL="3200400" indent="0">
-              <a:buNone/>
-              <a:defRPr sz="2000"/>
-            </a:lvl8pPr>
-            <a:lvl9pPr marL="3657600" indent="0">
-              <a:buNone/>
-              <a:defRPr sz="2000"/>
-            </a:lvl9pPr>
-          </a:lstStyle>
-          <a:p>
-            <a:pPr lvl="0"/>
-            <a:r>
-              <a:rPr lang="zh-CN" altLang="en-US" noProof="0" smtClean="0"/>
-              <a:t>单击图标添加图片</a:t>
-            </a:r>
-          </a:p>
-        </p:txBody>
-      </p:sp>
-      <p:sp>
-        <p:nvSpPr>
-          <p:cNvPr id="4" name="文本占位符 3"/>
-          <p:cNvSpPr>
-            <a:spLocks noGrp="1"/>
-          </p:cNvSpPr>
-          <p:nvPr>
-            <p:ph type="body" sz="half" idx="2"/>
-          </p:nvPr>
-        </p:nvSpPr>
-        <p:spPr>
-          <a:xfrm>
-            <a:off x="1792288" y="5367338"/>
-            <a:ext cx="5486400" cy="804862"/>
-          </a:xfrm>
-        </p:spPr>
-        <p:txBody>
-          <a:bodyPr/>
-          <a:lstStyle>
-            <a:lvl1pPr marL="0" indent="0">
-              <a:buNone/>
-              <a:defRPr sz="1400"/>
-            </a:lvl1pPr>
-            <a:lvl2pPr marL="457200" indent="0">
-              <a:buNone/>
-              <a:defRPr sz="1200"/>
-            </a:lvl2pPr>
-            <a:lvl3pPr marL="914400" indent="0">
-              <a:buNone/>
-              <a:defRPr sz="1000"/>
-            </a:lvl3pPr>
-            <a:lvl4pPr marL="1371600" indent="0">
-              <a:buNone/>
-              <a:defRPr sz="900"/>
-            </a:lvl4pPr>
-            <a:lvl5pPr marL="1828800" indent="0">
-              <a:buNone/>
-              <a:defRPr sz="900"/>
-            </a:lvl5pPr>
-            <a:lvl6pPr marL="2286000" indent="0">
-              <a:buNone/>
-              <a:defRPr sz="900"/>
-            </a:lvl6pPr>
-            <a:lvl7pPr marL="2743200" indent="0">
-              <a:buNone/>
-              <a:defRPr sz="900"/>
-            </a:lvl7pPr>
-            <a:lvl8pPr marL="3200400" indent="0">
-              <a:buNone/>
-              <a:defRPr sz="900"/>
-            </a:lvl8pPr>
-            <a:lvl9pPr marL="3657600" indent="0">
-              <a:buNone/>
-              <a:defRPr sz="900"/>
-            </a:lvl9pPr>
-          </a:lstStyle>
-          <a:p>
-            <a:pPr lvl="0"/>
-            <a:r>
-              <a:rPr lang="zh-CN" altLang="en-US" smtClean="0"/>
-              <a:t>单击此处编辑母版文本样式</a:t>
-            </a:r>
-          </a:p>
-        </p:txBody>
-      </p:sp>
-      <p:sp>
-        <p:nvSpPr>
-          <p:cNvPr id="5" name="Rectangle 6"/>
-          <p:cNvSpPr>
-            <a:spLocks noGrp="1" noChangeArrowheads="1"/>
-          </p:cNvSpPr>
-          <p:nvPr>
-            <p:ph type="dt" sz="half" idx="10"/>
-          </p:nvPr>
-        </p:nvSpPr>
-        <p:spPr>
-          <a:ln/>
-        </p:spPr>
-        <p:txBody>
-          <a:bodyPr/>
-          <a:lstStyle>
-            <a:lvl1pPr>
-              <a:defRPr/>
-            </a:lvl1pPr>
-          </a:lstStyle>
-          <a:p>
-            <a:fld id="{F02B0C02-8564-43E4-967A-60B5B1CD7176}" type="datetimeFigureOut">
-              <a:rPr lang="zh-CN" altLang="en-US" smtClean="0"/>
-              <a:t>2017/10/23</a:t>
-            </a:fld>
-            <a:endParaRPr lang="zh-CN" altLang="en-US"/>
-          </a:p>
-        </p:txBody>
-      </p:sp>
-      <p:sp>
-        <p:nvSpPr>
-          <p:cNvPr id="6" name="Rectangle 7"/>
-          <p:cNvSpPr>
-            <a:spLocks noGrp="1" noChangeArrowheads="1"/>
-          </p:cNvSpPr>
-          <p:nvPr>
-            <p:ph type="ftr" sz="quarter" idx="11"/>
-          </p:nvPr>
-        </p:nvSpPr>
-        <p:spPr>
-          <a:ln/>
-        </p:spPr>
-        <p:txBody>
-          <a:bodyPr/>
-          <a:lstStyle>
-            <a:lvl1pPr>
-              <a:defRPr/>
-            </a:lvl1pPr>
-          </a:lstStyle>
-          <a:p>
-            <a:endParaRPr lang="zh-CN" altLang="en-US"/>
-          </a:p>
-        </p:txBody>
-      </p:sp>
-      <p:sp>
-        <p:nvSpPr>
-          <p:cNvPr id="7" name="Rectangle 8"/>
-          <p:cNvSpPr>
-            <a:spLocks noGrp="1" noChangeArrowheads="1"/>
-          </p:cNvSpPr>
-          <p:nvPr>
-            <p:ph type="sldNum" sz="quarter" idx="12"/>
-          </p:nvPr>
-        </p:nvSpPr>
-        <p:spPr>
-          <a:ln/>
-        </p:spPr>
-        <p:txBody>
-          <a:bodyPr/>
-          <a:lstStyle>
-            <a:lvl1pPr>
-              <a:defRPr/>
-            </a:lvl1pPr>
-          </a:lstStyle>
-          <a:p>
-            <a:fld id="{C21215AF-1E48-480D-B6C7-9655FC943ECD}" type="slidenum">
-              <a:rPr lang="zh-CN" altLang="en-US" smtClean="0"/>
-              <a:t>‹#›</a:t>
-            </a:fld>
-            <a:endParaRPr lang="zh-CN" altLang="en-US"/>
-          </a:p>
-        </p:txBody>
-      </p:sp>
-    </p:spTree>
-    <p:extLst>
-      <p:ext uri="{BB962C8B-B14F-4D97-AF65-F5344CB8AC3E}">
-        <p14:creationId xmlns:p14="http://schemas.microsoft.com/office/powerpoint/2010/main" val="1341611509"/>
+        <p14:creationId xmlns:p14="http://schemas.microsoft.com/office/powerpoint/2010/main" val="3284914725"/>
       </p:ext>
     </p:extLst>
   </p:cSld>
@@ -4019,14 +2558,9 @@
   <p:cSld>
     <p:bg>
       <p:bgPr>
-        <a:pattFill prst="ltHorz">
-          <a:fgClr>
-            <a:schemeClr val="bg2"/>
-          </a:fgClr>
-          <a:bgClr>
-            <a:schemeClr val="bg1"/>
-          </a:bgClr>
-        </a:pattFill>
+        <a:solidFill>
+          <a:schemeClr val="bg1"/>
+        </a:solidFill>
         <a:effectLst/>
       </p:bgPr>
     </p:bg>
@@ -4056,8 +2590,8 @@
         </p:nvSpPr>
         <p:spPr bwMode="auto">
           <a:xfrm>
-            <a:off x="574675" y="304800"/>
-            <a:ext cx="8001000" cy="1216025"/>
+            <a:off x="513438" y="260648"/>
+            <a:ext cx="8001000" cy="720080"/>
           </a:xfrm>
           <a:prstGeom prst="rect">
             <a:avLst/>
@@ -4096,7 +2630,7 @@
           <a:p>
             <a:pPr lvl="0"/>
             <a:r>
-              <a:rPr lang="zh-CN" altLang="en-US" smtClean="0"/>
+              <a:rPr lang="zh-CN" altLang="en-US" dirty="0" smtClean="0"/>
               <a:t>单击此处编辑母版标题样式</a:t>
             </a:r>
           </a:p>
@@ -4114,7 +2648,7 @@
         </p:nvSpPr>
         <p:spPr bwMode="auto">
           <a:xfrm>
-            <a:off x="566738" y="1752600"/>
+            <a:off x="521550" y="1196752"/>
             <a:ext cx="8001000" cy="4267200"/>
           </a:xfrm>
           <a:prstGeom prst="rect">
@@ -4154,36 +2688,44 @@
           <a:p>
             <a:pPr lvl="0"/>
             <a:r>
-              <a:rPr lang="zh-CN" altLang="en-US" smtClean="0"/>
+              <a:rPr lang="zh-CN" altLang="en-US" dirty="0" smtClean="0"/>
               <a:t>单击此处编辑母版文本样式</a:t>
             </a:r>
           </a:p>
           <a:p>
             <a:pPr lvl="1"/>
             <a:r>
-              <a:rPr lang="zh-CN" altLang="en-US" smtClean="0"/>
+              <a:rPr lang="zh-CN" altLang="en-US" dirty="0" smtClean="0"/>
               <a:t>第二级</a:t>
             </a:r>
           </a:p>
           <a:p>
-            <a:pPr lvl="2"/>
-            <a:r>
-              <a:rPr lang="zh-CN" altLang="en-US" smtClean="0"/>
+            <a:pPr marL="1304925" lvl="2" indent="-395288" algn="l" rtl="0" eaLnBrk="0" fontAlgn="base" hangingPunct="0">
+              <a:lnSpc>
+                <a:spcPct val="150000"/>
+              </a:lnSpc>
+              <a:spcBef>
+                <a:spcPct val="20000"/>
+              </a:spcBef>
+              <a:spcAft>
+                <a:spcPct val="0"/>
+              </a:spcAft>
+              <a:buClr>
+                <a:schemeClr val="accent2"/>
+              </a:buClr>
+              <a:buFont typeface="Arial" panose="020B0604020202020204" pitchFamily="34" charset="0"/>
+              <a:buChar char="•"/>
+            </a:pPr>
+            <a:r>
+              <a:rPr lang="zh-CN" altLang="en-US" dirty="0" smtClean="0"/>
               <a:t>第三级</a:t>
             </a:r>
           </a:p>
           <a:p>
             <a:pPr lvl="3"/>
             <a:r>
-              <a:rPr lang="zh-CN" altLang="en-US" smtClean="0"/>
+              <a:rPr lang="zh-CN" altLang="en-US" dirty="0" smtClean="0"/>
               <a:t>第四级</a:t>
-            </a:r>
-          </a:p>
-          <a:p>
-            <a:pPr lvl="4"/>
-            <a:r>
-              <a:rPr lang="zh-CN" altLang="en-US" smtClean="0"/>
-              <a:t>第五级</a:t>
             </a:r>
           </a:p>
         </p:txBody>
@@ -4198,7 +2740,7 @@
         </p:nvSpPr>
         <p:spPr bwMode="auto">
           <a:xfrm>
-            <a:off x="609600" y="1566863"/>
+            <a:off x="521551" y="980728"/>
             <a:ext cx="7958138" cy="109537"/>
           </a:xfrm>
           <a:custGeom>
@@ -4304,7 +2846,7 @@
         </p:nvSpPr>
         <p:spPr bwMode="auto">
           <a:xfrm flipV="1">
-            <a:off x="609600" y="6172200"/>
+            <a:off x="521550" y="5949280"/>
             <a:ext cx="7924800" cy="0"/>
           </a:xfrm>
           <a:prstGeom prst="line">
@@ -4335,165 +2877,17 @@
           </a:p>
         </p:txBody>
       </p:sp>
-      <p:sp>
-        <p:nvSpPr>
-          <p:cNvPr id="183302" name="Rectangle 6"/>
-          <p:cNvSpPr>
-            <a:spLocks noGrp="1" noChangeArrowheads="1"/>
-          </p:cNvSpPr>
-          <p:nvPr>
-            <p:ph type="dt" sz="half" idx="2"/>
-          </p:nvPr>
-        </p:nvSpPr>
-        <p:spPr bwMode="auto">
-          <a:xfrm>
-            <a:off x="609600" y="6245225"/>
-            <a:ext cx="1981200" cy="476250"/>
-          </a:xfrm>
-          <a:prstGeom prst="rect">
-            <a:avLst/>
-          </a:prstGeom>
-          <a:noFill/>
-          <a:ln w="9525">
-            <a:noFill/>
-            <a:miter lim="800000"/>
-            <a:headEnd/>
-            <a:tailEnd/>
-          </a:ln>
-          <a:effectLst/>
-        </p:spPr>
-        <p:txBody>
-          <a:bodyPr vert="horz" wrap="square" lIns="91440" tIns="45720" rIns="91440" bIns="45720" numCol="1" anchor="t" anchorCtr="0" compatLnSpc="1">
-            <a:prstTxWarp prst="textNoShape">
-              <a:avLst/>
-            </a:prstTxWarp>
-          </a:bodyPr>
-          <a:lstStyle>
-            <a:lvl1pPr>
-              <a:defRPr sz="1200">
-                <a:ea typeface="宋体" pitchFamily="2" charset="-122"/>
-              </a:defRPr>
-            </a:lvl1pPr>
-          </a:lstStyle>
-          <a:p>
-            <a:fld id="{F02B0C02-8564-43E4-967A-60B5B1CD7176}" type="datetimeFigureOut">
-              <a:rPr lang="zh-CN" altLang="en-US" smtClean="0"/>
-              <a:t>2017/10/23</a:t>
-            </a:fld>
-            <a:endParaRPr lang="zh-CN" altLang="en-US"/>
-          </a:p>
-        </p:txBody>
-      </p:sp>
-      <p:sp>
-        <p:nvSpPr>
-          <p:cNvPr id="183303" name="Rectangle 7"/>
-          <p:cNvSpPr>
-            <a:spLocks noGrp="1" noChangeArrowheads="1"/>
-          </p:cNvSpPr>
-          <p:nvPr>
-            <p:ph type="ftr" sz="quarter" idx="3"/>
-          </p:nvPr>
-        </p:nvSpPr>
-        <p:spPr bwMode="auto">
-          <a:xfrm>
-            <a:off x="3124200" y="6245225"/>
-            <a:ext cx="2895600" cy="476250"/>
-          </a:xfrm>
-          <a:prstGeom prst="rect">
-            <a:avLst/>
-          </a:prstGeom>
-          <a:noFill/>
-          <a:ln w="9525">
-            <a:noFill/>
-            <a:miter lim="800000"/>
-            <a:headEnd/>
-            <a:tailEnd/>
-          </a:ln>
-          <a:effectLst/>
-        </p:spPr>
-        <p:txBody>
-          <a:bodyPr vert="horz" wrap="square" lIns="91440" tIns="45720" rIns="91440" bIns="45720" numCol="1" anchor="t" anchorCtr="0" compatLnSpc="1">
-            <a:prstTxWarp prst="textNoShape">
-              <a:avLst/>
-            </a:prstTxWarp>
-          </a:bodyPr>
-          <a:lstStyle>
-            <a:lvl1pPr algn="ctr">
-              <a:defRPr sz="1200">
-                <a:ea typeface="宋体" pitchFamily="2" charset="-122"/>
-              </a:defRPr>
-            </a:lvl1pPr>
-          </a:lstStyle>
-          <a:p>
-            <a:endParaRPr lang="zh-CN" altLang="en-US"/>
-          </a:p>
-        </p:txBody>
-      </p:sp>
-      <p:sp>
-        <p:nvSpPr>
-          <p:cNvPr id="183304" name="Rectangle 8"/>
-          <p:cNvSpPr>
-            <a:spLocks noGrp="1" noChangeArrowheads="1"/>
-          </p:cNvSpPr>
-          <p:nvPr>
-            <p:ph type="sldNum" sz="quarter" idx="4"/>
-          </p:nvPr>
-        </p:nvSpPr>
-        <p:spPr bwMode="auto">
-          <a:xfrm>
-            <a:off x="6553200" y="6245225"/>
-            <a:ext cx="1981200" cy="476250"/>
-          </a:xfrm>
-          <a:prstGeom prst="rect">
-            <a:avLst/>
-          </a:prstGeom>
-          <a:noFill/>
-          <a:ln w="9525">
-            <a:noFill/>
-            <a:miter lim="800000"/>
-            <a:headEnd/>
-            <a:tailEnd/>
-          </a:ln>
-          <a:effectLst/>
-        </p:spPr>
-        <p:txBody>
-          <a:bodyPr vert="horz" wrap="square" lIns="91440" tIns="45720" rIns="91440" bIns="45720" numCol="1" anchor="t" anchorCtr="0" compatLnSpc="1">
-            <a:prstTxWarp prst="textNoShape">
-              <a:avLst/>
-            </a:prstTxWarp>
-          </a:bodyPr>
-          <a:lstStyle>
-            <a:lvl1pPr algn="r">
-              <a:defRPr sz="1200">
-                <a:ea typeface="宋体" pitchFamily="2" charset="-122"/>
-              </a:defRPr>
-            </a:lvl1pPr>
-          </a:lstStyle>
-          <a:p>
-            <a:fld id="{C21215AF-1E48-480D-B6C7-9655FC943ECD}" type="slidenum">
-              <a:rPr lang="zh-CN" altLang="en-US" smtClean="0"/>
-              <a:t>‹#›</a:t>
-            </a:fld>
-            <a:endParaRPr lang="zh-CN" altLang="en-US"/>
-          </a:p>
-        </p:txBody>
-      </p:sp>
     </p:spTree>
   </p:cSld>
   <p:clrMap bg1="lt1" tx1="dk1" bg2="lt2" tx2="dk2" accent1="accent1" accent2="accent2" accent3="accent3" accent4="accent4" accent5="accent5" accent6="accent6" hlink="hlink" folHlink="folHlink"/>
   <p:sldLayoutIdLst>
-    <p:sldLayoutId id="2147483661" r:id="rId1"/>
-    <p:sldLayoutId id="2147483662" r:id="rId2"/>
-    <p:sldLayoutId id="2147483663" r:id="rId3"/>
-    <p:sldLayoutId id="2147483664" r:id="rId4"/>
-    <p:sldLayoutId id="2147483665" r:id="rId5"/>
-    <p:sldLayoutId id="2147483666" r:id="rId6"/>
-    <p:sldLayoutId id="2147483667" r:id="rId7"/>
-    <p:sldLayoutId id="2147483668" r:id="rId8"/>
-    <p:sldLayoutId id="2147483669" r:id="rId9"/>
-    <p:sldLayoutId id="2147483670" r:id="rId10"/>
-    <p:sldLayoutId id="2147483671" r:id="rId11"/>
-    <p:sldLayoutId id="2147483672" r:id="rId12"/>
+    <p:sldLayoutId id="2147483729" r:id="rId1"/>
+    <p:sldLayoutId id="2147483730" r:id="rId2"/>
+    <p:sldLayoutId id="2147483731" r:id="rId3"/>
+    <p:sldLayoutId id="2147483732" r:id="rId4"/>
+    <p:sldLayoutId id="2147483733" r:id="rId5"/>
+    <p:sldLayoutId id="2147483734" r:id="rId6"/>
+    <p:sldLayoutId id="2147483735" r:id="rId7"/>
   </p:sldLayoutIdLst>
   <p:transition>
     <p:blinds dir="vert"/>
@@ -4514,12 +2908,12 @@
         <a:spcAft>
           <a:spcPct val="0"/>
         </a:spcAft>
-        <a:defRPr sz="3800">
+        <a:defRPr sz="3600" b="1" baseline="0">
           <a:solidFill>
             <a:schemeClr val="tx2"/>
           </a:solidFill>
-          <a:latin typeface="+mj-lt"/>
-          <a:ea typeface="+mj-ea"/>
+          <a:latin typeface="华文楷体" panose="02010600040101010101" pitchFamily="2" charset="-122"/>
+          <a:ea typeface="华文楷体" panose="02010600040101010101" pitchFamily="2" charset="-122"/>
           <a:cs typeface="+mj-cs"/>
         </a:defRPr>
       </a:lvl1pPr>
@@ -4646,6 +3040,56 @@
     </p:titleStyle>
     <p:bodyStyle>
       <a:lvl1pPr marL="469900" indent="-469900" algn="l" rtl="0" eaLnBrk="1" fontAlgn="base" hangingPunct="1">
+        <a:lnSpc>
+          <a:spcPct val="150000"/>
+        </a:lnSpc>
+        <a:spcBef>
+          <a:spcPct val="20000"/>
+        </a:spcBef>
+        <a:spcAft>
+          <a:spcPct val="0"/>
+        </a:spcAft>
+        <a:buClr>
+          <a:schemeClr val="accent2"/>
+        </a:buClr>
+        <a:buFont typeface="Wingdings" pitchFamily="2" charset="2"/>
+        <a:buChar char="Ø"/>
+        <a:defRPr sz="2800" b="1" baseline="0">
+          <a:solidFill>
+            <a:schemeClr val="tx1"/>
+          </a:solidFill>
+          <a:latin typeface="华文楷体" panose="02010600040101010101" pitchFamily="2" charset="-122"/>
+          <a:ea typeface="华文楷体" panose="02010600040101010101" pitchFamily="2" charset="-122"/>
+          <a:cs typeface="+mn-cs"/>
+        </a:defRPr>
+      </a:lvl1pPr>
+      <a:lvl2pPr marL="908050" indent="-436563" algn="l" rtl="0" eaLnBrk="1" fontAlgn="base" hangingPunct="1">
+        <a:lnSpc>
+          <a:spcPct val="150000"/>
+        </a:lnSpc>
+        <a:spcBef>
+          <a:spcPct val="20000"/>
+        </a:spcBef>
+        <a:spcAft>
+          <a:spcPct val="0"/>
+        </a:spcAft>
+        <a:buClr>
+          <a:schemeClr val="accent2"/>
+        </a:buClr>
+        <a:buFont typeface="Wingdings" pitchFamily="2" charset="2"/>
+        <a:buChar char="l"/>
+        <a:defRPr sz="2600" b="1" baseline="0">
+          <a:solidFill>
+            <a:schemeClr val="tx1"/>
+          </a:solidFill>
+          <a:latin typeface="华文楷体" panose="02010600040101010101" pitchFamily="2" charset="-122"/>
+          <a:ea typeface="华文楷体" panose="02010600040101010101" pitchFamily="2" charset="-122"/>
+        </a:defRPr>
+      </a:lvl2pPr>
+      <a:lvl3pPr marL="1304925" indent="-395288" algn="l" rtl="0" eaLnBrk="1" fontAlgn="base" hangingPunct="1">
+        <a:lnSpc>
+          <a:spcPct val="150000"/>
+        </a:lnSpc>
         <a:spcBef>
           <a:spcPct val="20000"/>
         </a:spcBef>
@@ -4657,16 +3101,18 @@
         </a:buClr>
         <a:buFont typeface="Wingdings" pitchFamily="2" charset="2"/>
         <a:buChar char="o"/>
-        <a:defRPr sz="3000">
+        <a:defRPr lang="zh-CN" altLang="en-US" sz="2400" b="1" baseline="0" dirty="0" smtClean="0">
           <a:solidFill>
             <a:schemeClr val="tx1"/>
           </a:solidFill>
-          <a:latin typeface="+mn-lt"/>
-          <a:ea typeface="+mn-ea"/>
-          <a:cs typeface="+mn-cs"/>
+          <a:latin typeface="华文楷体" panose="02010600040101010101" pitchFamily="2" charset="-122"/>
+          <a:ea typeface="楷体" panose="02010609060101010101" pitchFamily="49" charset="-122"/>
         </a:defRPr>
-      </a:lvl1pPr>
-      <a:lvl2pPr marL="908050" indent="-436563" algn="l" rtl="0" eaLnBrk="1" fontAlgn="base" hangingPunct="1">
+      </a:lvl3pPr>
+      <a:lvl4pPr marL="1693863" indent="-387350" algn="l" rtl="0" eaLnBrk="1" fontAlgn="base" hangingPunct="1">
+        <a:lnSpc>
+          <a:spcPct val="150000"/>
+        </a:lnSpc>
         <a:spcBef>
           <a:spcPct val="20000"/>
         </a:spcBef>
@@ -4676,57 +3122,20 @@
         <a:buClr>
           <a:schemeClr val="accent2"/>
         </a:buClr>
-        <a:buFont typeface="Wingdings" pitchFamily="2" charset="2"/>
-        <a:buChar char="n"/>
-        <a:defRPr sz="2600">
+        <a:buFont typeface="Arial" panose="020B0604020202020204" pitchFamily="34" charset="0"/>
+        <a:buChar char="•"/>
+        <a:defRPr sz="2000" b="1" baseline="0">
           <a:solidFill>
             <a:schemeClr val="tx1"/>
           </a:solidFill>
-          <a:latin typeface="+mn-lt"/>
-          <a:ea typeface="+mn-ea"/>
-        </a:defRPr>
-      </a:lvl2pPr>
-      <a:lvl3pPr marL="1304925" indent="-395288" algn="l" rtl="0" eaLnBrk="1" fontAlgn="base" hangingPunct="1">
-        <a:spcBef>
-          <a:spcPct val="20000"/>
-        </a:spcBef>
-        <a:spcAft>
-          <a:spcPct val="0"/>
-        </a:spcAft>
-        <a:buClr>
-          <a:schemeClr val="accent2"/>
-        </a:buClr>
-        <a:buFont typeface="Wingdings" pitchFamily="2" charset="2"/>
-        <a:buChar char="o"/>
-        <a:defRPr sz="2300">
-          <a:solidFill>
-            <a:schemeClr val="tx1"/>
-          </a:solidFill>
-          <a:latin typeface="+mn-lt"/>
-          <a:ea typeface="+mn-ea"/>
-        </a:defRPr>
-      </a:lvl3pPr>
-      <a:lvl4pPr marL="1693863" indent="-387350" algn="l" rtl="0" eaLnBrk="1" fontAlgn="base" hangingPunct="1">
-        <a:spcBef>
-          <a:spcPct val="20000"/>
-        </a:spcBef>
-        <a:spcAft>
-          <a:spcPct val="0"/>
-        </a:spcAft>
-        <a:buClr>
-          <a:schemeClr val="accent2"/>
-        </a:buClr>
-        <a:buFont typeface="Wingdings" pitchFamily="2" charset="2"/>
-        <a:buChar char="n"/>
-        <a:defRPr sz="2000">
-          <a:solidFill>
-            <a:schemeClr val="tx1"/>
-          </a:solidFill>
-          <a:latin typeface="+mn-lt"/>
-          <a:ea typeface="+mn-ea"/>
+          <a:latin typeface="华文楷体" panose="02010600040101010101" pitchFamily="2" charset="-122"/>
+          <a:ea typeface="华文楷体" panose="02010600040101010101" pitchFamily="2" charset="-122"/>
         </a:defRPr>
       </a:lvl4pPr>
       <a:lvl5pPr marL="2093913" indent="-398463" algn="l" rtl="0" eaLnBrk="1" fontAlgn="base" hangingPunct="1">
+        <a:lnSpc>
+          <a:spcPct val="150000"/>
+        </a:lnSpc>
         <a:spcBef>
           <a:spcPct val="25000"/>
         </a:spcBef>
@@ -4738,12 +3147,12 @@
         </a:buClr>
         <a:buFont typeface="Wingdings" pitchFamily="2" charset="2"/>
         <a:buChar char="§"/>
-        <a:defRPr sz="2000">
+        <a:defRPr sz="2000" b="1" baseline="0">
           <a:solidFill>
             <a:schemeClr val="tx1"/>
           </a:solidFill>
-          <a:latin typeface="+mn-lt"/>
-          <a:ea typeface="+mn-ea"/>
+          <a:latin typeface="华文楷体" panose="02010600040101010101" pitchFamily="2" charset="-122"/>
+          <a:ea typeface="华文楷体" panose="02010600040101010101" pitchFamily="2" charset="-122"/>
         </a:defRPr>
       </a:lvl5pPr>
       <a:lvl6pPr marL="2551113" indent="-398463" algn="l" rtl="0" eaLnBrk="1" fontAlgn="base" hangingPunct="1">
@@ -4953,7 +3362,12 @@
             <p:ph type="ctrTitle"/>
           </p:nvPr>
         </p:nvSpPr>
-        <p:spPr/>
+        <p:spPr>
+          <a:xfrm>
+            <a:off x="755576" y="1700808"/>
+            <a:ext cx="7772400" cy="1128192"/>
+          </a:xfrm>
+        </p:spPr>
         <p:txBody>
           <a:bodyPr>
             <a:normAutofit fontScale="90000"/>
@@ -4962,30 +3376,30 @@
           <a:p>
             <a:pPr algn="ctr" eaLnBrk="1" hangingPunct="1"/>
             <a:r>
-              <a:rPr lang="zh-CN" altLang="en-US" sz="6000" b="1" smtClean="0">
+              <a:rPr lang="zh-CN" altLang="en-US" sz="6000" b="1" dirty="0" smtClean="0">
                 <a:ea typeface="华文隶书" pitchFamily="2" charset="-122"/>
               </a:rPr>
               <a:t>软件测试实用教程</a:t>
             </a:r>
             <a:r>
-              <a:rPr lang="en-US" altLang="zh-CN" sz="6000" b="1" smtClean="0">
+              <a:rPr lang="en-US" altLang="zh-CN" sz="6000" b="1" dirty="0" smtClean="0">
                 <a:ea typeface="华文隶书" pitchFamily="2" charset="-122"/>
               </a:rPr>
               <a:t/>
             </a:r>
             <a:br>
-              <a:rPr lang="en-US" altLang="zh-CN" sz="6000" b="1" smtClean="0">
+              <a:rPr lang="en-US" altLang="zh-CN" sz="6000" b="1" dirty="0" smtClean="0">
                 <a:ea typeface="华文隶书" pitchFamily="2" charset="-122"/>
               </a:rPr>
             </a:br>
             <a:r>
-              <a:rPr lang="en-US" altLang="zh-CN" sz="6000" b="1" smtClean="0">
+              <a:rPr lang="en-US" altLang="zh-CN" sz="6000" b="1" dirty="0" smtClean="0">
                 <a:ea typeface="华文隶书" pitchFamily="2" charset="-122"/>
               </a:rPr>
               <a:t>——</a:t>
             </a:r>
             <a:r>
-              <a:rPr lang="zh-CN" altLang="en-US" sz="6000" b="1" smtClean="0">
+              <a:rPr lang="zh-CN" altLang="en-US" sz="6000" b="1" dirty="0" smtClean="0">
                 <a:ea typeface="华文隶书" pitchFamily="2" charset="-122"/>
               </a:rPr>
               <a:t>方法与实践</a:t>
@@ -5023,159 +3437,6 @@
               </a:rPr>
               <a:t>软件测试技术</a:t>
             </a:r>
-          </a:p>
-        </p:txBody>
-      </p:sp>
-      <p:sp>
-        <p:nvSpPr>
-          <p:cNvPr id="3074" name="Rectangle 6"/>
-          <p:cNvSpPr>
-            <a:spLocks noGrp="1" noChangeArrowheads="1"/>
-          </p:cNvSpPr>
-          <p:nvPr>
-            <p:ph type="sldNum" sz="quarter" idx="12"/>
-          </p:nvPr>
-        </p:nvSpPr>
-        <p:spPr>
-          <a:noFill/>
-          <a:ln/>
-          <a:extLst>
-            <a:ext uri="{909E8E84-426E-40DD-AFC4-6F175D3DCCD1}">
-              <a14:hiddenFill xmlns:a14="http://schemas.microsoft.com/office/drawing/2010/main">
-                <a:solidFill>
-                  <a:srgbClr val="FFFFFF"/>
-                </a:solidFill>
-              </a14:hiddenFill>
-            </a:ext>
-            <a:ext uri="{91240B29-F687-4F45-9708-019B960494DF}">
-              <a14:hiddenLine xmlns:a14="http://schemas.microsoft.com/office/drawing/2010/main" w="9525">
-                <a:solidFill>
-                  <a:srgbClr val="000000"/>
-                </a:solidFill>
-                <a:miter lim="800000"/>
-                <a:headEnd/>
-                <a:tailEnd/>
-              </a14:hiddenLine>
-            </a:ext>
-          </a:extLst>
-        </p:spPr>
-        <p:txBody>
-          <a:bodyPr/>
-          <a:lstStyle>
-            <a:lvl1pPr eaLnBrk="0" hangingPunct="0">
-              <a:defRPr>
-                <a:solidFill>
-                  <a:schemeClr val="tx1"/>
-                </a:solidFill>
-                <a:latin typeface="Verdana" pitchFamily="34" charset="0"/>
-                <a:ea typeface="宋体" charset="-122"/>
-              </a:defRPr>
-            </a:lvl1pPr>
-            <a:lvl2pPr marL="742950" indent="-285750" eaLnBrk="0" hangingPunct="0">
-              <a:defRPr>
-                <a:solidFill>
-                  <a:schemeClr val="tx1"/>
-                </a:solidFill>
-                <a:latin typeface="Verdana" pitchFamily="34" charset="0"/>
-                <a:ea typeface="宋体" charset="-122"/>
-              </a:defRPr>
-            </a:lvl2pPr>
-            <a:lvl3pPr marL="1143000" indent="-228600" eaLnBrk="0" hangingPunct="0">
-              <a:defRPr>
-                <a:solidFill>
-                  <a:schemeClr val="tx1"/>
-                </a:solidFill>
-                <a:latin typeface="Verdana" pitchFamily="34" charset="0"/>
-                <a:ea typeface="宋体" charset="-122"/>
-              </a:defRPr>
-            </a:lvl3pPr>
-            <a:lvl4pPr marL="1600200" indent="-228600" eaLnBrk="0" hangingPunct="0">
-              <a:defRPr>
-                <a:solidFill>
-                  <a:schemeClr val="tx1"/>
-                </a:solidFill>
-                <a:latin typeface="Verdana" pitchFamily="34" charset="0"/>
-                <a:ea typeface="宋体" charset="-122"/>
-              </a:defRPr>
-            </a:lvl4pPr>
-            <a:lvl5pPr marL="2057400" indent="-228600" eaLnBrk="0" hangingPunct="0">
-              <a:defRPr>
-                <a:solidFill>
-                  <a:schemeClr val="tx1"/>
-                </a:solidFill>
-                <a:latin typeface="Verdana" pitchFamily="34" charset="0"/>
-                <a:ea typeface="宋体" charset="-122"/>
-              </a:defRPr>
-            </a:lvl5pPr>
-            <a:lvl6pPr marL="2514600" indent="-228600" eaLnBrk="0" fontAlgn="base" hangingPunct="0">
-              <a:spcBef>
-                <a:spcPct val="0"/>
-              </a:spcBef>
-              <a:spcAft>
-                <a:spcPct val="0"/>
-              </a:spcAft>
-              <a:defRPr>
-                <a:solidFill>
-                  <a:schemeClr val="tx1"/>
-                </a:solidFill>
-                <a:latin typeface="Verdana" pitchFamily="34" charset="0"/>
-                <a:ea typeface="宋体" charset="-122"/>
-              </a:defRPr>
-            </a:lvl6pPr>
-            <a:lvl7pPr marL="2971800" indent="-228600" eaLnBrk="0" fontAlgn="base" hangingPunct="0">
-              <a:spcBef>
-                <a:spcPct val="0"/>
-              </a:spcBef>
-              <a:spcAft>
-                <a:spcPct val="0"/>
-              </a:spcAft>
-              <a:defRPr>
-                <a:solidFill>
-                  <a:schemeClr val="tx1"/>
-                </a:solidFill>
-                <a:latin typeface="Verdana" pitchFamily="34" charset="0"/>
-                <a:ea typeface="宋体" charset="-122"/>
-              </a:defRPr>
-            </a:lvl7pPr>
-            <a:lvl8pPr marL="3429000" indent="-228600" eaLnBrk="0" fontAlgn="base" hangingPunct="0">
-              <a:spcBef>
-                <a:spcPct val="0"/>
-              </a:spcBef>
-              <a:spcAft>
-                <a:spcPct val="0"/>
-              </a:spcAft>
-              <a:defRPr>
-                <a:solidFill>
-                  <a:schemeClr val="tx1"/>
-                </a:solidFill>
-                <a:latin typeface="Verdana" pitchFamily="34" charset="0"/>
-                <a:ea typeface="宋体" charset="-122"/>
-              </a:defRPr>
-            </a:lvl8pPr>
-            <a:lvl9pPr marL="3886200" indent="-228600" eaLnBrk="0" fontAlgn="base" hangingPunct="0">
-              <a:spcBef>
-                <a:spcPct val="0"/>
-              </a:spcBef>
-              <a:spcAft>
-                <a:spcPct val="0"/>
-              </a:spcAft>
-              <a:defRPr>
-                <a:solidFill>
-                  <a:schemeClr val="tx1"/>
-                </a:solidFill>
-                <a:latin typeface="Verdana" pitchFamily="34" charset="0"/>
-                <a:ea typeface="宋体" charset="-122"/>
-              </a:defRPr>
-            </a:lvl9pPr>
-          </a:lstStyle>
-          <a:p>
-            <a:pPr eaLnBrk="1" hangingPunct="1"/>
-            <a:fld id="{8367CA5A-9534-434F-B9A6-1109577C4BD8}" type="slidenum">
-              <a:rPr lang="en-US" altLang="zh-CN" smtClean="0"/>
-              <a:pPr eaLnBrk="1" hangingPunct="1"/>
-              <a:t>1</a:t>
-            </a:fld>
-            <a:endParaRPr lang="en-US" altLang="zh-CN" smtClean="0"/>
           </a:p>
         </p:txBody>
       </p:sp>
@@ -5232,19 +3493,12 @@
           <a:bodyPr/>
           <a:lstStyle/>
           <a:p>
-            <a:pPr eaLnBrk="1" hangingPunct="1"/>
-            <a:r>
-              <a:rPr lang="en-US" altLang="zh-CN" b="1" dirty="0" smtClean="0">
-                <a:latin typeface="黑体" pitchFamily="49" charset="-122"/>
-                <a:ea typeface="黑体" pitchFamily="49" charset="-122"/>
-              </a:rPr>
+            <a:r>
+              <a:rPr lang="en-US" altLang="zh-CN" dirty="0"/>
               <a:t>5.1 </a:t>
             </a:r>
             <a:r>
-              <a:rPr lang="zh-CN" altLang="en-US" b="1" dirty="0" smtClean="0">
-                <a:latin typeface="黑体" pitchFamily="49" charset="-122"/>
-                <a:ea typeface="黑体" pitchFamily="49" charset="-122"/>
-              </a:rPr>
+              <a:rPr lang="zh-CN" altLang="en-US" dirty="0"/>
               <a:t>概述</a:t>
             </a:r>
           </a:p>
@@ -5265,180 +3519,30 @@
           <a:bodyPr/>
           <a:lstStyle/>
           <a:p>
-            <a:pPr algn="just" eaLnBrk="1" hangingPunct="1"/>
-            <a:r>
-              <a:rPr lang="zh-CN" altLang="en-US" sz="3400" b="1" smtClean="0"/>
+            <a:pPr marL="469900" lvl="2" indent="-469900">
+              <a:buFont typeface="Wingdings" pitchFamily="2" charset="2"/>
+              <a:buChar char="Ø"/>
+            </a:pPr>
+            <a:r>
+              <a:rPr lang="zh-CN" altLang="en-US" sz="2800" dirty="0"/>
               <a:t>测试方法的评价</a:t>
             </a:r>
-            <a:endParaRPr lang="en-US" altLang="zh-CN" sz="3400" b="1" smtClean="0"/>
+            <a:endParaRPr lang="en-US" altLang="zh-CN" sz="2800" dirty="0"/>
           </a:p>
           <a:p>
             <a:pPr lvl="1" algn="just" eaLnBrk="1" hangingPunct="1"/>
             <a:r>
-              <a:rPr lang="zh-CN" altLang="en-US" b="1" smtClean="0"/>
+              <a:rPr lang="zh-CN" altLang="en-US" b="1" dirty="0" smtClean="0"/>
               <a:t>通过重点关注源代码中不同类型的结构，如判定表达式、执行路径、循环结构、数据变量等，引入不同的白盒覆盖指标，从而得到不同的白盒测试方法，这些方法的侧重点不同，对应源代码结构的覆盖程度也不同</a:t>
             </a:r>
-            <a:endParaRPr lang="en-US" altLang="zh-CN" b="1" smtClean="0"/>
+            <a:endParaRPr lang="en-US" altLang="zh-CN" b="1" dirty="0" smtClean="0"/>
           </a:p>
           <a:p>
             <a:pPr lvl="1" algn="just" eaLnBrk="1" hangingPunct="1"/>
             <a:r>
-              <a:rPr lang="zh-CN" altLang="en-US" b="1" smtClean="0"/>
+              <a:rPr lang="zh-CN" altLang="en-US" b="1" dirty="0" smtClean="0"/>
               <a:t>通过引入白盒测试覆盖指标来评估黑盒测试方法的测试覆盖率</a:t>
             </a:r>
-          </a:p>
-        </p:txBody>
-      </p:sp>
-      <p:sp>
-        <p:nvSpPr>
-          <p:cNvPr id="11266" name="灯片编号占位符 5"/>
-          <p:cNvSpPr>
-            <a:spLocks noGrp="1"/>
-          </p:cNvSpPr>
-          <p:nvPr>
-            <p:ph type="sldNum" sz="quarter" idx="12"/>
-          </p:nvPr>
-        </p:nvSpPr>
-        <p:spPr>
-          <a:noFill/>
-          <a:ln/>
-          <a:extLst>
-            <a:ext uri="{909E8E84-426E-40DD-AFC4-6F175D3DCCD1}">
-              <a14:hiddenFill xmlns:a14="http://schemas.microsoft.com/office/drawing/2010/main">
-                <a:solidFill>
-                  <a:srgbClr val="FFFFFF"/>
-                </a:solidFill>
-              </a14:hiddenFill>
-            </a:ext>
-            <a:ext uri="{91240B29-F687-4F45-9708-019B960494DF}">
-              <a14:hiddenLine xmlns:a14="http://schemas.microsoft.com/office/drawing/2010/main" w="9525">
-                <a:solidFill>
-                  <a:srgbClr val="000000"/>
-                </a:solidFill>
-                <a:miter lim="800000"/>
-                <a:headEnd/>
-                <a:tailEnd/>
-              </a14:hiddenLine>
-            </a:ext>
-          </a:extLst>
-        </p:spPr>
-        <p:txBody>
-          <a:bodyPr/>
-          <a:lstStyle>
-            <a:lvl1pPr eaLnBrk="0" hangingPunct="0">
-              <a:defRPr>
-                <a:solidFill>
-                  <a:schemeClr val="tx1"/>
-                </a:solidFill>
-                <a:latin typeface="Verdana" pitchFamily="34" charset="0"/>
-                <a:ea typeface="宋体" charset="-122"/>
-              </a:defRPr>
-            </a:lvl1pPr>
-            <a:lvl2pPr marL="742950" indent="-285750" eaLnBrk="0" hangingPunct="0">
-              <a:defRPr>
-                <a:solidFill>
-                  <a:schemeClr val="tx1"/>
-                </a:solidFill>
-                <a:latin typeface="Verdana" pitchFamily="34" charset="0"/>
-                <a:ea typeface="宋体" charset="-122"/>
-              </a:defRPr>
-            </a:lvl2pPr>
-            <a:lvl3pPr marL="1143000" indent="-228600" eaLnBrk="0" hangingPunct="0">
-              <a:defRPr>
-                <a:solidFill>
-                  <a:schemeClr val="tx1"/>
-                </a:solidFill>
-                <a:latin typeface="Verdana" pitchFamily="34" charset="0"/>
-                <a:ea typeface="宋体" charset="-122"/>
-              </a:defRPr>
-            </a:lvl3pPr>
-            <a:lvl4pPr marL="1600200" indent="-228600" eaLnBrk="0" hangingPunct="0">
-              <a:defRPr>
-                <a:solidFill>
-                  <a:schemeClr val="tx1"/>
-                </a:solidFill>
-                <a:latin typeface="Verdana" pitchFamily="34" charset="0"/>
-                <a:ea typeface="宋体" charset="-122"/>
-              </a:defRPr>
-            </a:lvl4pPr>
-            <a:lvl5pPr marL="2057400" indent="-228600" eaLnBrk="0" hangingPunct="0">
-              <a:defRPr>
-                <a:solidFill>
-                  <a:schemeClr val="tx1"/>
-                </a:solidFill>
-                <a:latin typeface="Verdana" pitchFamily="34" charset="0"/>
-                <a:ea typeface="宋体" charset="-122"/>
-              </a:defRPr>
-            </a:lvl5pPr>
-            <a:lvl6pPr marL="2514600" indent="-228600" eaLnBrk="0" fontAlgn="base" hangingPunct="0">
-              <a:spcBef>
-                <a:spcPct val="0"/>
-              </a:spcBef>
-              <a:spcAft>
-                <a:spcPct val="0"/>
-              </a:spcAft>
-              <a:defRPr>
-                <a:solidFill>
-                  <a:schemeClr val="tx1"/>
-                </a:solidFill>
-                <a:latin typeface="Verdana" pitchFamily="34" charset="0"/>
-                <a:ea typeface="宋体" charset="-122"/>
-              </a:defRPr>
-            </a:lvl6pPr>
-            <a:lvl7pPr marL="2971800" indent="-228600" eaLnBrk="0" fontAlgn="base" hangingPunct="0">
-              <a:spcBef>
-                <a:spcPct val="0"/>
-              </a:spcBef>
-              <a:spcAft>
-                <a:spcPct val="0"/>
-              </a:spcAft>
-              <a:defRPr>
-                <a:solidFill>
-                  <a:schemeClr val="tx1"/>
-                </a:solidFill>
-                <a:latin typeface="Verdana" pitchFamily="34" charset="0"/>
-                <a:ea typeface="宋体" charset="-122"/>
-              </a:defRPr>
-            </a:lvl7pPr>
-            <a:lvl8pPr marL="3429000" indent="-228600" eaLnBrk="0" fontAlgn="base" hangingPunct="0">
-              <a:spcBef>
-                <a:spcPct val="0"/>
-              </a:spcBef>
-              <a:spcAft>
-                <a:spcPct val="0"/>
-              </a:spcAft>
-              <a:defRPr>
-                <a:solidFill>
-                  <a:schemeClr val="tx1"/>
-                </a:solidFill>
-                <a:latin typeface="Verdana" pitchFamily="34" charset="0"/>
-                <a:ea typeface="宋体" charset="-122"/>
-              </a:defRPr>
-            </a:lvl8pPr>
-            <a:lvl9pPr marL="3886200" indent="-228600" eaLnBrk="0" fontAlgn="base" hangingPunct="0">
-              <a:spcBef>
-                <a:spcPct val="0"/>
-              </a:spcBef>
-              <a:spcAft>
-                <a:spcPct val="0"/>
-              </a:spcAft>
-              <a:defRPr>
-                <a:solidFill>
-                  <a:schemeClr val="tx1"/>
-                </a:solidFill>
-                <a:latin typeface="Verdana" pitchFamily="34" charset="0"/>
-                <a:ea typeface="宋体" charset="-122"/>
-              </a:defRPr>
-            </a:lvl9pPr>
-          </a:lstStyle>
-          <a:p>
-            <a:pPr eaLnBrk="1" hangingPunct="1"/>
-            <a:fld id="{5815F97F-EE04-4D60-B675-15223E0E4580}" type="slidenum">
-              <a:rPr lang="en-US" altLang="zh-CN" smtClean="0"/>
-              <a:pPr eaLnBrk="1" hangingPunct="1"/>
-              <a:t>10</a:t>
-            </a:fld>
-            <a:endParaRPr lang="en-US" altLang="zh-CN" smtClean="0"/>
           </a:p>
         </p:txBody>
       </p:sp>
@@ -5503,7 +3607,7 @@
         </p:blipFill>
         <p:spPr bwMode="auto">
           <a:xfrm>
-            <a:off x="4574649" y="1492250"/>
+            <a:off x="4686265" y="1507012"/>
             <a:ext cx="4428008" cy="4457030"/>
           </a:xfrm>
           <a:prstGeom prst="rect">
@@ -5521,68 +3625,71 @@
           </a:extLst>
         </p:spPr>
       </p:pic>
+      <p:sp>
+        <p:nvSpPr>
+          <p:cNvPr id="6" name="Rectangle 2"/>
+          <p:cNvSpPr>
+            <a:spLocks noGrp="1" noChangeArrowheads="1"/>
+          </p:cNvSpPr>
+          <p:nvPr>
+            <p:ph type="title"/>
+          </p:nvPr>
+        </p:nvSpPr>
+        <p:spPr/>
+        <p:txBody>
+          <a:bodyPr/>
+          <a:lstStyle/>
+          <a:p>
+            <a:r>
+              <a:rPr lang="en-US" altLang="zh-CN" dirty="0" smtClean="0"/>
+              <a:t>5.1 </a:t>
+            </a:r>
+            <a:r>
+              <a:rPr lang="zh-CN" altLang="en-US" dirty="0" smtClean="0"/>
+              <a:t>概述</a:t>
+            </a:r>
+            <a:endParaRPr lang="zh-CN" altLang="en-US" dirty="0"/>
+          </a:p>
+        </p:txBody>
+      </p:sp>
       <mc:AlternateContent xmlns:mc="http://schemas.openxmlformats.org/markup-compatibility/2006">
         <mc:Choice xmlns:a14="http://schemas.microsoft.com/office/drawing/2010/main" Requires="a14">
           <p:sp>
             <p:nvSpPr>
-              <p:cNvPr id="5" name="矩形 4"/>
-              <p:cNvSpPr/>
-              <p:nvPr/>
+              <p:cNvPr id="3" name="内容占位符 2"/>
+              <p:cNvSpPr>
+                <a:spLocks noGrp="1"/>
+              </p:cNvSpPr>
+              <p:nvPr>
+                <p:ph idx="1"/>
+              </p:nvPr>
             </p:nvSpPr>
             <p:spPr>
               <a:xfrm>
-                <a:off x="242808" y="1495727"/>
-                <a:ext cx="4329192" cy="5407378"/>
+                <a:off x="265774" y="1124744"/>
+                <a:ext cx="4666266" cy="4267200"/>
               </a:xfrm>
-              <a:prstGeom prst="rect">
-                <a:avLst/>
-              </a:prstGeom>
             </p:spPr>
             <p:txBody>
-              <a:bodyPr wrap="square">
-                <a:spAutoFit/>
-              </a:bodyPr>
+              <a:bodyPr/>
               <a:lstStyle/>
               <a:p>
-                <a:pPr marL="469900" lvl="2" indent="-469900" algn="just" defTabSz="0" fontAlgn="base">
-                  <a:lnSpc>
-                    <a:spcPct val="150000"/>
-                  </a:lnSpc>
-                  <a:spcBef>
-                    <a:spcPct val="20000"/>
-                  </a:spcBef>
-                  <a:spcAft>
-                    <a:spcPct val="0"/>
-                  </a:spcAft>
-                  <a:buClr>
-                    <a:schemeClr val="accent2"/>
-                  </a:buClr>
+                <a:pPr marL="469900" lvl="2" indent="-469900">
                   <a:buFont typeface="Wingdings" pitchFamily="2" charset="2"/>
-                  <a:buChar char="o"/>
+                  <a:buChar char="Ø"/>
                 </a:pPr>
                 <a:r>
-                  <a:rPr lang="zh-CN" altLang="en-US" sz="2800" b="1" dirty="0"/>
+                  <a:rPr lang="zh-CN" altLang="en-US" sz="2800" dirty="0"/>
                   <a:t>穷举测试可以吗？</a:t>
                 </a:r>
-                <a:endParaRPr lang="en-US" altLang="zh-CN" sz="2800" b="1" dirty="0"/>
+                <a:endParaRPr lang="en-US" altLang="zh-CN" sz="2800" dirty="0"/>
               </a:p>
               <a:p>
-                <a:pPr marL="400050" lvl="2" defTabSz="0" fontAlgn="base">
-                  <a:lnSpc>
-                    <a:spcPct val="150000"/>
-                  </a:lnSpc>
-                  <a:spcBef>
-                    <a:spcPct val="0"/>
-                  </a:spcBef>
-                  <a:spcAft>
-                    <a:spcPct val="15000"/>
-                  </a:spcAft>
-                  <a:buClr>
-                    <a:schemeClr val="tx2"/>
-                  </a:buClr>
+                <a:pPr marL="0" lvl="2" indent="0">
+                  <a:buNone/>
                 </a:pPr>
                 <a:r>
-                  <a:rPr lang="zh-CN" altLang="en-US" sz="2000" dirty="0" smtClean="0">
+                  <a:rPr lang="zh-CN" altLang="en-US" sz="2000" dirty="0">
                     <a:latin typeface="+mn-ea"/>
                   </a:rPr>
                   <a:t>这个的流程图，其中包括了一个执行达</a:t>
@@ -5616,7 +3723,7 @@
                     <m:sSup>
                       <m:sSupPr>
                         <m:ctrlPr>
-                          <a:rPr lang="en-US" altLang="zh-CN" sz="2000" i="1" smtClean="0">
+                          <a:rPr lang="en-US" altLang="zh-CN" sz="2000" i="1">
                             <a:solidFill>
                               <a:srgbClr val="FF0000"/>
                             </a:solidFill>
@@ -5626,7 +3733,7 @@
                       </m:sSupPr>
                       <m:e>
                         <m:r>
-                          <a:rPr lang="en-US" altLang="zh-CN" sz="2000" b="0" i="1" smtClean="0">
+                          <a:rPr lang="en-US" altLang="zh-CN" sz="2000" b="0" i="1">
                             <a:solidFill>
                               <a:srgbClr val="FF0000"/>
                             </a:solidFill>
@@ -5637,7 +3744,7 @@
                       </m:e>
                       <m:sup>
                         <m:r>
-                          <a:rPr lang="en-US" altLang="zh-CN" sz="2000" b="0" i="1" smtClean="0">
+                          <a:rPr lang="en-US" altLang="zh-CN" sz="2000" b="0" i="1">
                             <a:solidFill>
                               <a:srgbClr val="FF0000"/>
                             </a:solidFill>
@@ -5650,7 +3757,7 @@
                   </m:oMath>
                 </a14:m>
                 <a:r>
-                  <a:rPr lang="zh-CN" altLang="en-US" sz="2000" dirty="0" smtClean="0">
+                  <a:rPr lang="zh-CN" altLang="en-US" sz="2000" dirty="0">
                     <a:latin typeface="+mn-ea"/>
                   </a:rPr>
                   <a:t>条</a:t>
@@ -5710,30 +3817,35 @@
                   <a:t>年。</a:t>
                 </a:r>
               </a:p>
+              <a:p>
+                <a:pPr marL="0" indent="0">
+                  <a:buNone/>
+                </a:pPr>
+                <a:endParaRPr lang="zh-CN" altLang="en-US" dirty="0"/>
+              </a:p>
             </p:txBody>
           </p:sp>
         </mc:Choice>
         <mc:Fallback>
           <p:sp>
             <p:nvSpPr>
-              <p:cNvPr id="5" name="矩形 4"/>
+              <p:cNvPr id="3" name="内容占位符 2"/>
               <p:cNvSpPr>
-                <a:spLocks noRot="1" noChangeAspect="1" noMove="1" noResize="1" noEditPoints="1" noAdjustHandles="1" noChangeArrowheads="1" noChangeShapeType="1" noTextEdit="1"/>
+                <a:spLocks noGrp="1" noRot="1" noChangeAspect="1" noMove="1" noResize="1" noEditPoints="1" noAdjustHandles="1" noChangeArrowheads="1" noChangeShapeType="1" noTextEdit="1"/>
               </p:cNvSpPr>
-              <p:nvPr/>
+              <p:nvPr>
+                <p:ph idx="1"/>
+              </p:nvPr>
             </p:nvSpPr>
             <p:spPr>
               <a:xfrm>
-                <a:off x="242808" y="1495727"/>
-                <a:ext cx="4329192" cy="5407378"/>
+                <a:off x="265774" y="1124744"/>
+                <a:ext cx="4666266" cy="4267200"/>
               </a:xfrm>
-              <a:prstGeom prst="rect">
-                <a:avLst/>
-              </a:prstGeom>
               <a:blipFill rotWithShape="1">
                 <a:blip r:embed="rId4"/>
                 <a:stretch>
-                  <a:fillRect l="-2535" r="-423"/>
+                  <a:fillRect l="-2353" r="-1307" b="-5143"/>
                 </a:stretch>
               </a:blipFill>
             </p:spPr>
@@ -5752,44 +3864,6 @@
           </p:sp>
         </mc:Fallback>
       </mc:AlternateContent>
-      <p:sp>
-        <p:nvSpPr>
-          <p:cNvPr id="6" name="Rectangle 2"/>
-          <p:cNvSpPr>
-            <a:spLocks noGrp="1" noChangeArrowheads="1"/>
-          </p:cNvSpPr>
-          <p:nvPr>
-            <p:ph type="title"/>
-          </p:nvPr>
-        </p:nvSpPr>
-        <p:spPr>
-          <a:xfrm>
-            <a:off x="574675" y="304800"/>
-            <a:ext cx="8001000" cy="1216025"/>
-          </a:xfrm>
-        </p:spPr>
-        <p:txBody>
-          <a:bodyPr/>
-          <a:lstStyle/>
-          <a:p>
-            <a:pPr eaLnBrk="1" hangingPunct="1"/>
-            <a:r>
-              <a:rPr lang="en-US" altLang="zh-CN" b="1" dirty="0" smtClean="0">
-                <a:latin typeface="黑体" pitchFamily="49" charset="-122"/>
-                <a:ea typeface="黑体" pitchFamily="49" charset="-122"/>
-              </a:rPr>
-              <a:t>5.1 </a:t>
-            </a:r>
-            <a:r>
-              <a:rPr lang="zh-CN" altLang="en-US" b="1" dirty="0" smtClean="0">
-                <a:latin typeface="黑体" pitchFamily="49" charset="-122"/>
-                <a:ea typeface="黑体" pitchFamily="49" charset="-122"/>
-              </a:rPr>
-              <a:t>概述</a:t>
-            </a:r>
-          </a:p>
-        </p:txBody>
-      </p:sp>
     </p:spTree>
     <p:extLst>
       <p:ext uri="{BB962C8B-B14F-4D97-AF65-F5344CB8AC3E}">
@@ -5845,28 +3919,19 @@
           <a:bodyPr/>
           <a:lstStyle/>
           <a:p>
-            <a:pPr eaLnBrk="1" hangingPunct="1"/>
-            <a:r>
-              <a:rPr lang="zh-CN" altLang="en-US" b="1" smtClean="0">
-                <a:latin typeface="黑体" pitchFamily="49" charset="-122"/>
-                <a:ea typeface="黑体" pitchFamily="49" charset="-122"/>
-              </a:rPr>
+            <a:r>
+              <a:rPr lang="zh-CN" altLang="en-US" dirty="0" smtClean="0"/>
               <a:t>第</a:t>
             </a:r>
             <a:r>
-              <a:rPr lang="en-US" altLang="zh-CN" b="1" smtClean="0">
-                <a:latin typeface="黑体" pitchFamily="49" charset="-122"/>
-                <a:ea typeface="黑体" pitchFamily="49" charset="-122"/>
-              </a:rPr>
+              <a:rPr lang="en-US" altLang="zh-CN" dirty="0" smtClean="0"/>
               <a:t>5</a:t>
             </a:r>
             <a:r>
-              <a:rPr lang="zh-CN" altLang="en-US" b="1" smtClean="0">
-                <a:latin typeface="黑体" pitchFamily="49" charset="-122"/>
-                <a:ea typeface="黑体" pitchFamily="49" charset="-122"/>
-              </a:rPr>
+              <a:rPr lang="zh-CN" altLang="en-US" dirty="0" smtClean="0"/>
               <a:t>章  白盒测试技术</a:t>
             </a:r>
+            <a:endParaRPr lang="zh-CN" altLang="en-US" dirty="0" smtClean="0"/>
           </a:p>
         </p:txBody>
       </p:sp>
@@ -5882,232 +3947,74 @@
         </p:nvSpPr>
         <p:spPr/>
         <p:txBody>
-          <a:bodyPr>
-            <a:normAutofit lnSpcReduction="10000"/>
-          </a:bodyPr>
+          <a:bodyPr/>
           <a:lstStyle/>
           <a:p>
-            <a:pPr eaLnBrk="1" hangingPunct="1"/>
-            <a:r>
-              <a:rPr lang="zh-CN" altLang="en-US" sz="3400" b="1" dirty="0" smtClean="0"/>
+            <a:pPr>
+              <a:lnSpc>
+                <a:spcPct val="100000"/>
+              </a:lnSpc>
+            </a:pPr>
+            <a:r>
+              <a:rPr lang="zh-CN" altLang="en-US" dirty="0" smtClean="0"/>
               <a:t>内容提要</a:t>
             </a:r>
           </a:p>
           <a:p>
-            <a:pPr lvl="1" eaLnBrk="1" hangingPunct="1"/>
-            <a:r>
-              <a:rPr lang="zh-CN" altLang="en-US" b="1" dirty="0" smtClean="0"/>
+            <a:pPr lvl="1">
+              <a:lnSpc>
+                <a:spcPct val="100000"/>
+              </a:lnSpc>
+            </a:pPr>
+            <a:r>
+              <a:rPr lang="zh-CN" altLang="en-US" dirty="0" smtClean="0"/>
               <a:t>介绍白盒测试基本原理，围绕最重要的</a:t>
             </a:r>
             <a:r>
-              <a:rPr lang="en-US" altLang="en-US" b="1" dirty="0" smtClean="0"/>
+              <a:rPr lang="en-US" altLang="en-US" dirty="0" smtClean="0"/>
               <a:t>5</a:t>
             </a:r>
             <a:r>
-              <a:rPr lang="zh-CN" altLang="en-US" b="1" dirty="0" smtClean="0"/>
+              <a:rPr lang="zh-CN" altLang="en-US" dirty="0" smtClean="0"/>
               <a:t>种测试方法展开讨论</a:t>
             </a:r>
-            <a:endParaRPr lang="en-US" altLang="zh-CN" b="1" dirty="0" smtClean="0"/>
-          </a:p>
-          <a:p>
-            <a:pPr lvl="1" eaLnBrk="1" hangingPunct="1"/>
-            <a:r>
-              <a:rPr lang="zh-CN" altLang="en-US" b="1" dirty="0" smtClean="0"/>
+            <a:endParaRPr lang="en-US" altLang="zh-CN" dirty="0" smtClean="0"/>
+          </a:p>
+          <a:p>
+            <a:pPr lvl="1">
+              <a:lnSpc>
+                <a:spcPct val="100000"/>
+              </a:lnSpc>
+            </a:pPr>
+            <a:r>
+              <a:rPr lang="zh-CN" altLang="en-US" dirty="0" smtClean="0"/>
               <a:t>静态白盒测试、对变量的测试主要采用静态方法进行测试，一般不需要设计测试用例</a:t>
             </a:r>
-            <a:endParaRPr lang="en-US" altLang="zh-CN" b="1" dirty="0" smtClean="0"/>
-          </a:p>
-          <a:p>
-            <a:pPr lvl="1" eaLnBrk="1" hangingPunct="1"/>
-            <a:r>
-              <a:rPr lang="zh-CN" altLang="en-US" b="1" dirty="0" smtClean="0"/>
+            <a:endParaRPr lang="en-US" altLang="zh-CN" dirty="0" smtClean="0"/>
+          </a:p>
+          <a:p>
+            <a:pPr lvl="1">
+              <a:lnSpc>
+                <a:spcPct val="100000"/>
+              </a:lnSpc>
+            </a:pPr>
+            <a:r>
+              <a:rPr lang="zh-CN" altLang="en-US" dirty="0" smtClean="0"/>
               <a:t>对判定的测试、对路径的测试和对循环的测试主要是动态测试的方法，需要设计测试用例</a:t>
             </a:r>
-            <a:endParaRPr lang="en-US" altLang="zh-CN" b="1" dirty="0" smtClean="0"/>
-          </a:p>
-          <a:p>
-            <a:pPr lvl="1" eaLnBrk="1" hangingPunct="1"/>
-            <a:r>
-              <a:rPr lang="zh-CN" altLang="en-US" b="1" dirty="0" smtClean="0"/>
-              <a:t>在对判定的测试中，需结合</a:t>
-            </a:r>
-            <a:r>
-              <a:rPr lang="zh-CN" altLang="en-US" b="1" dirty="0" smtClean="0">
-                <a:solidFill>
-                  <a:srgbClr val="FF0000"/>
-                </a:solidFill>
-              </a:rPr>
-              <a:t>边界值的</a:t>
-            </a:r>
-            <a:r>
-              <a:rPr lang="zh-CN" altLang="en-US" b="1" dirty="0" smtClean="0"/>
-              <a:t>思想设计测试用例，而对路径的测试方法的思想</a:t>
-            </a:r>
-            <a:r>
-              <a:rPr lang="zh-CN" altLang="en-US" b="1" dirty="0" smtClean="0">
-                <a:solidFill>
-                  <a:srgbClr val="FF0000"/>
-                </a:solidFill>
-              </a:rPr>
-              <a:t>可以用于对整个系统功能的业务流程</a:t>
-            </a:r>
-            <a:r>
-              <a:rPr lang="zh-CN" altLang="en-US" b="1" dirty="0" smtClean="0"/>
-              <a:t>进行测试</a:t>
-            </a:r>
-          </a:p>
-        </p:txBody>
-      </p:sp>
-      <p:sp>
-        <p:nvSpPr>
-          <p:cNvPr id="4098" name="灯片编号占位符 5"/>
-          <p:cNvSpPr>
-            <a:spLocks noGrp="1"/>
-          </p:cNvSpPr>
-          <p:nvPr>
-            <p:ph type="sldNum" sz="quarter" idx="12"/>
-          </p:nvPr>
-        </p:nvSpPr>
-        <p:spPr>
-          <a:noFill/>
-          <a:ln/>
-          <a:extLst>
-            <a:ext uri="{909E8E84-426E-40DD-AFC4-6F175D3DCCD1}">
-              <a14:hiddenFill xmlns:a14="http://schemas.microsoft.com/office/drawing/2010/main">
-                <a:solidFill>
-                  <a:srgbClr val="FFFFFF"/>
-                </a:solidFill>
-              </a14:hiddenFill>
-            </a:ext>
-            <a:ext uri="{91240B29-F687-4F45-9708-019B960494DF}">
-              <a14:hiddenLine xmlns:a14="http://schemas.microsoft.com/office/drawing/2010/main" w="9525">
-                <a:solidFill>
-                  <a:srgbClr val="000000"/>
-                </a:solidFill>
-                <a:miter lim="800000"/>
-                <a:headEnd/>
-                <a:tailEnd/>
-              </a14:hiddenLine>
-            </a:ext>
-          </a:extLst>
-        </p:spPr>
-        <p:txBody>
-          <a:bodyPr/>
-          <a:lstStyle>
-            <a:lvl1pPr eaLnBrk="0" hangingPunct="0">
-              <a:defRPr>
-                <a:solidFill>
-                  <a:schemeClr val="tx1"/>
-                </a:solidFill>
-                <a:latin typeface="Verdana" pitchFamily="34" charset="0"/>
-                <a:ea typeface="宋体" charset="-122"/>
-              </a:defRPr>
-            </a:lvl1pPr>
-            <a:lvl2pPr marL="742950" indent="-285750" eaLnBrk="0" hangingPunct="0">
-              <a:defRPr>
-                <a:solidFill>
-                  <a:schemeClr val="tx1"/>
-                </a:solidFill>
-                <a:latin typeface="Verdana" pitchFamily="34" charset="0"/>
-                <a:ea typeface="宋体" charset="-122"/>
-              </a:defRPr>
-            </a:lvl2pPr>
-            <a:lvl3pPr marL="1143000" indent="-228600" eaLnBrk="0" hangingPunct="0">
-              <a:defRPr>
-                <a:solidFill>
-                  <a:schemeClr val="tx1"/>
-                </a:solidFill>
-                <a:latin typeface="Verdana" pitchFamily="34" charset="0"/>
-                <a:ea typeface="宋体" charset="-122"/>
-              </a:defRPr>
-            </a:lvl3pPr>
-            <a:lvl4pPr marL="1600200" indent="-228600" eaLnBrk="0" hangingPunct="0">
-              <a:defRPr>
-                <a:solidFill>
-                  <a:schemeClr val="tx1"/>
-                </a:solidFill>
-                <a:latin typeface="Verdana" pitchFamily="34" charset="0"/>
-                <a:ea typeface="宋体" charset="-122"/>
-              </a:defRPr>
-            </a:lvl4pPr>
-            <a:lvl5pPr marL="2057400" indent="-228600" eaLnBrk="0" hangingPunct="0">
-              <a:defRPr>
-                <a:solidFill>
-                  <a:schemeClr val="tx1"/>
-                </a:solidFill>
-                <a:latin typeface="Verdana" pitchFamily="34" charset="0"/>
-                <a:ea typeface="宋体" charset="-122"/>
-              </a:defRPr>
-            </a:lvl5pPr>
-            <a:lvl6pPr marL="2514600" indent="-228600" eaLnBrk="0" fontAlgn="base" hangingPunct="0">
-              <a:spcBef>
-                <a:spcPct val="0"/>
-              </a:spcBef>
-              <a:spcAft>
-                <a:spcPct val="0"/>
-              </a:spcAft>
-              <a:defRPr>
-                <a:solidFill>
-                  <a:schemeClr val="tx1"/>
-                </a:solidFill>
-                <a:latin typeface="Verdana" pitchFamily="34" charset="0"/>
-                <a:ea typeface="宋体" charset="-122"/>
-              </a:defRPr>
-            </a:lvl6pPr>
-            <a:lvl7pPr marL="2971800" indent="-228600" eaLnBrk="0" fontAlgn="base" hangingPunct="0">
-              <a:spcBef>
-                <a:spcPct val="0"/>
-              </a:spcBef>
-              <a:spcAft>
-                <a:spcPct val="0"/>
-              </a:spcAft>
-              <a:defRPr>
-                <a:solidFill>
-                  <a:schemeClr val="tx1"/>
-                </a:solidFill>
-                <a:latin typeface="Verdana" pitchFamily="34" charset="0"/>
-                <a:ea typeface="宋体" charset="-122"/>
-              </a:defRPr>
-            </a:lvl7pPr>
-            <a:lvl8pPr marL="3429000" indent="-228600" eaLnBrk="0" fontAlgn="base" hangingPunct="0">
-              <a:spcBef>
-                <a:spcPct val="0"/>
-              </a:spcBef>
-              <a:spcAft>
-                <a:spcPct val="0"/>
-              </a:spcAft>
-              <a:defRPr>
-                <a:solidFill>
-                  <a:schemeClr val="tx1"/>
-                </a:solidFill>
-                <a:latin typeface="Verdana" pitchFamily="34" charset="0"/>
-                <a:ea typeface="宋体" charset="-122"/>
-              </a:defRPr>
-            </a:lvl8pPr>
-            <a:lvl9pPr marL="3886200" indent="-228600" eaLnBrk="0" fontAlgn="base" hangingPunct="0">
-              <a:spcBef>
-                <a:spcPct val="0"/>
-              </a:spcBef>
-              <a:spcAft>
-                <a:spcPct val="0"/>
-              </a:spcAft>
-              <a:defRPr>
-                <a:solidFill>
-                  <a:schemeClr val="tx1"/>
-                </a:solidFill>
-                <a:latin typeface="Verdana" pitchFamily="34" charset="0"/>
-                <a:ea typeface="宋体" charset="-122"/>
-              </a:defRPr>
-            </a:lvl9pPr>
-          </a:lstStyle>
-          <a:p>
-            <a:pPr eaLnBrk="1" hangingPunct="1"/>
-            <a:fld id="{06FB3E2F-5592-4A29-938C-C412D1A258FF}" type="slidenum">
-              <a:rPr lang="en-US" altLang="zh-CN" smtClean="0"/>
-              <a:pPr eaLnBrk="1" hangingPunct="1"/>
-              <a:t>2</a:t>
-            </a:fld>
-            <a:endParaRPr lang="en-US" altLang="zh-CN" smtClean="0"/>
+            <a:endParaRPr lang="en-US" altLang="zh-CN" dirty="0" smtClean="0"/>
+          </a:p>
+          <a:p>
+            <a:pPr lvl="1">
+              <a:lnSpc>
+                <a:spcPct val="100000"/>
+              </a:lnSpc>
+            </a:pPr>
+            <a:r>
+              <a:rPr lang="zh-CN" altLang="en-US" dirty="0" smtClean="0"/>
+              <a:t>在对判定的测试中，需结合边界值的思想设计测试用例，而对路径的测试方法的思想可以用于对整个系统功能的业务流程进行测试</a:t>
+            </a:r>
+            <a:endParaRPr lang="zh-CN" altLang="en-US" dirty="0" smtClean="0"/>
           </a:p>
         </p:txBody>
       </p:sp>
@@ -6164,26 +4071,16 @@
           <a:bodyPr/>
           <a:lstStyle/>
           <a:p>
-            <a:pPr eaLnBrk="1" hangingPunct="1"/>
-            <a:r>
-              <a:rPr lang="zh-CN" altLang="en-US" b="1" smtClean="0">
-                <a:latin typeface="黑体" pitchFamily="49" charset="-122"/>
-                <a:ea typeface="黑体" pitchFamily="49" charset="-122"/>
-              </a:rPr>
+            <a:r>
+              <a:rPr lang="zh-CN" altLang="en-US" dirty="0"/>
               <a:t>第</a:t>
             </a:r>
             <a:r>
-              <a:rPr lang="en-US" altLang="zh-CN" b="1" smtClean="0">
-                <a:latin typeface="黑体" pitchFamily="49" charset="-122"/>
-                <a:ea typeface="黑体" pitchFamily="49" charset="-122"/>
-              </a:rPr>
+              <a:rPr lang="en-US" altLang="zh-CN" dirty="0"/>
               <a:t>5</a:t>
             </a:r>
             <a:r>
-              <a:rPr lang="zh-CN" altLang="en-US" b="1" smtClean="0">
-                <a:latin typeface="黑体" pitchFamily="49" charset="-122"/>
-                <a:ea typeface="黑体" pitchFamily="49" charset="-122"/>
-              </a:rPr>
+              <a:rPr lang="zh-CN" altLang="en-US" dirty="0"/>
               <a:t>章  白盒测试技术</a:t>
             </a:r>
           </a:p>
@@ -6204,202 +4101,76 @@
           <a:bodyPr/>
           <a:lstStyle/>
           <a:p>
-            <a:pPr eaLnBrk="1" hangingPunct="1"/>
-            <a:r>
-              <a:rPr lang="zh-CN" altLang="en-US" sz="3400" b="1" smtClean="0"/>
-              <a:t>本章重点</a:t>
-            </a:r>
-          </a:p>
-          <a:p>
-            <a:pPr lvl="1" eaLnBrk="1" hangingPunct="1"/>
-            <a:r>
-              <a:rPr lang="zh-CN" altLang="en-US" sz="3100" b="1" smtClean="0"/>
+            <a:pPr marL="469900" lvl="1" indent="-469900">
+              <a:buFont typeface="Wingdings" pitchFamily="2" charset="2"/>
+              <a:buChar char="Ø"/>
+            </a:pPr>
+            <a:r>
+              <a:rPr lang="zh-CN" altLang="en-US" sz="2800" dirty="0">
+                <a:cs typeface="+mn-cs"/>
+              </a:rPr>
               <a:t>静态白盒测试</a:t>
             </a:r>
           </a:p>
           <a:p>
-            <a:pPr lvl="1" eaLnBrk="1" hangingPunct="1"/>
-            <a:r>
-              <a:rPr lang="zh-CN" altLang="en-US" sz="3100" b="1" smtClean="0"/>
+            <a:pPr marL="469900" lvl="1" indent="-469900">
+              <a:buFont typeface="Wingdings" pitchFamily="2" charset="2"/>
+              <a:buChar char="Ø"/>
+            </a:pPr>
+            <a:r>
+              <a:rPr lang="zh-CN" altLang="en-US" sz="2800" dirty="0">
+                <a:cs typeface="+mn-cs"/>
+              </a:rPr>
               <a:t>对判定测试</a:t>
             </a:r>
-            <a:endParaRPr lang="en-US" altLang="zh-CN" sz="3100" b="1" smtClean="0"/>
-          </a:p>
-          <a:p>
-            <a:pPr lvl="1" eaLnBrk="1" hangingPunct="1"/>
-            <a:r>
-              <a:rPr lang="zh-CN" altLang="en-US" sz="3100" b="1" smtClean="0"/>
+            <a:endParaRPr lang="en-US" altLang="zh-CN" sz="2800" dirty="0">
+              <a:cs typeface="+mn-cs"/>
+            </a:endParaRPr>
+          </a:p>
+          <a:p>
+            <a:pPr marL="469900" lvl="1" indent="-469900">
+              <a:buFont typeface="Wingdings" pitchFamily="2" charset="2"/>
+              <a:buChar char="Ø"/>
+            </a:pPr>
+            <a:r>
+              <a:rPr lang="zh-CN" altLang="en-US" sz="2800" dirty="0">
+                <a:cs typeface="+mn-cs"/>
+              </a:rPr>
               <a:t>对路径的测试</a:t>
             </a:r>
-            <a:endParaRPr lang="en-US" altLang="zh-CN" sz="3100" b="1" smtClean="0"/>
-          </a:p>
-          <a:p>
-            <a:pPr lvl="1" eaLnBrk="1" hangingPunct="1"/>
-            <a:r>
-              <a:rPr lang="zh-CN" altLang="en-US" sz="3100" b="1" smtClean="0"/>
+            <a:endParaRPr lang="en-US" altLang="zh-CN" sz="2800" dirty="0">
+              <a:cs typeface="+mn-cs"/>
+            </a:endParaRPr>
+          </a:p>
+          <a:p>
+            <a:pPr marL="469900" lvl="1" indent="-469900">
+              <a:buFont typeface="Wingdings" pitchFamily="2" charset="2"/>
+              <a:buChar char="Ø"/>
+            </a:pPr>
+            <a:r>
+              <a:rPr lang="zh-CN" altLang="en-US" sz="2800" dirty="0">
+                <a:cs typeface="+mn-cs"/>
+              </a:rPr>
               <a:t>对循环的测试</a:t>
             </a:r>
-            <a:endParaRPr lang="en-US" altLang="zh-CN" sz="3100" b="1" smtClean="0"/>
-          </a:p>
-          <a:p>
-            <a:pPr lvl="1" eaLnBrk="1" hangingPunct="1"/>
-            <a:r>
-              <a:rPr lang="zh-CN" altLang="en-US" sz="3100" b="1" smtClean="0"/>
+            <a:endParaRPr lang="en-US" altLang="zh-CN" sz="2800" dirty="0">
+              <a:cs typeface="+mn-cs"/>
+            </a:endParaRPr>
+          </a:p>
+          <a:p>
+            <a:pPr marL="469900" lvl="1" indent="-469900">
+              <a:buFont typeface="Wingdings" pitchFamily="2" charset="2"/>
+              <a:buChar char="Ø"/>
+            </a:pPr>
+            <a:r>
+              <a:rPr lang="zh-CN" altLang="en-US" sz="2800" dirty="0">
+                <a:cs typeface="+mn-cs"/>
+              </a:rPr>
               <a:t>对变量的测试</a:t>
             </a:r>
-          </a:p>
-        </p:txBody>
-      </p:sp>
-      <p:sp>
-        <p:nvSpPr>
-          <p:cNvPr id="5122" name="灯片编号占位符 5"/>
-          <p:cNvSpPr>
-            <a:spLocks noGrp="1"/>
-          </p:cNvSpPr>
-          <p:nvPr>
-            <p:ph type="sldNum" sz="quarter" idx="12"/>
-          </p:nvPr>
-        </p:nvSpPr>
-        <p:spPr>
-          <a:noFill/>
-          <a:ln/>
-          <a:extLst>
-            <a:ext uri="{909E8E84-426E-40DD-AFC4-6F175D3DCCD1}">
-              <a14:hiddenFill xmlns:a14="http://schemas.microsoft.com/office/drawing/2010/main">
-                <a:solidFill>
-                  <a:srgbClr val="FFFFFF"/>
-                </a:solidFill>
-              </a14:hiddenFill>
-            </a:ext>
-            <a:ext uri="{91240B29-F687-4F45-9708-019B960494DF}">
-              <a14:hiddenLine xmlns:a14="http://schemas.microsoft.com/office/drawing/2010/main" w="9525">
-                <a:solidFill>
-                  <a:srgbClr val="000000"/>
-                </a:solidFill>
-                <a:miter lim="800000"/>
-                <a:headEnd/>
-                <a:tailEnd/>
-              </a14:hiddenLine>
-            </a:ext>
-          </a:extLst>
-        </p:spPr>
-        <p:txBody>
-          <a:bodyPr/>
-          <a:lstStyle>
-            <a:lvl1pPr eaLnBrk="0" hangingPunct="0">
-              <a:defRPr>
-                <a:solidFill>
-                  <a:schemeClr val="tx1"/>
-                </a:solidFill>
-                <a:latin typeface="Verdana" pitchFamily="34" charset="0"/>
-                <a:ea typeface="宋体" charset="-122"/>
-              </a:defRPr>
-            </a:lvl1pPr>
-            <a:lvl2pPr marL="742950" indent="-285750" eaLnBrk="0" hangingPunct="0">
-              <a:defRPr>
-                <a:solidFill>
-                  <a:schemeClr val="tx1"/>
-                </a:solidFill>
-                <a:latin typeface="Verdana" pitchFamily="34" charset="0"/>
-                <a:ea typeface="宋体" charset="-122"/>
-              </a:defRPr>
-            </a:lvl2pPr>
-            <a:lvl3pPr marL="1143000" indent="-228600" eaLnBrk="0" hangingPunct="0">
-              <a:defRPr>
-                <a:solidFill>
-                  <a:schemeClr val="tx1"/>
-                </a:solidFill>
-                <a:latin typeface="Verdana" pitchFamily="34" charset="0"/>
-                <a:ea typeface="宋体" charset="-122"/>
-              </a:defRPr>
-            </a:lvl3pPr>
-            <a:lvl4pPr marL="1600200" indent="-228600" eaLnBrk="0" hangingPunct="0">
-              <a:defRPr>
-                <a:solidFill>
-                  <a:schemeClr val="tx1"/>
-                </a:solidFill>
-                <a:latin typeface="Verdana" pitchFamily="34" charset="0"/>
-                <a:ea typeface="宋体" charset="-122"/>
-              </a:defRPr>
-            </a:lvl4pPr>
-            <a:lvl5pPr marL="2057400" indent="-228600" eaLnBrk="0" hangingPunct="0">
-              <a:defRPr>
-                <a:solidFill>
-                  <a:schemeClr val="tx1"/>
-                </a:solidFill>
-                <a:latin typeface="Verdana" pitchFamily="34" charset="0"/>
-                <a:ea typeface="宋体" charset="-122"/>
-              </a:defRPr>
-            </a:lvl5pPr>
-            <a:lvl6pPr marL="2514600" indent="-228600" eaLnBrk="0" fontAlgn="base" hangingPunct="0">
-              <a:spcBef>
-                <a:spcPct val="0"/>
-              </a:spcBef>
-              <a:spcAft>
-                <a:spcPct val="0"/>
-              </a:spcAft>
-              <a:defRPr>
-                <a:solidFill>
-                  <a:schemeClr val="tx1"/>
-                </a:solidFill>
-                <a:latin typeface="Verdana" pitchFamily="34" charset="0"/>
-                <a:ea typeface="宋体" charset="-122"/>
-              </a:defRPr>
-            </a:lvl6pPr>
-            <a:lvl7pPr marL="2971800" indent="-228600" eaLnBrk="0" fontAlgn="base" hangingPunct="0">
-              <a:spcBef>
-                <a:spcPct val="0"/>
-              </a:spcBef>
-              <a:spcAft>
-                <a:spcPct val="0"/>
-              </a:spcAft>
-              <a:defRPr>
-                <a:solidFill>
-                  <a:schemeClr val="tx1"/>
-                </a:solidFill>
-                <a:latin typeface="Verdana" pitchFamily="34" charset="0"/>
-                <a:ea typeface="宋体" charset="-122"/>
-              </a:defRPr>
-            </a:lvl7pPr>
-            <a:lvl8pPr marL="3429000" indent="-228600" eaLnBrk="0" fontAlgn="base" hangingPunct="0">
-              <a:spcBef>
-                <a:spcPct val="0"/>
-              </a:spcBef>
-              <a:spcAft>
-                <a:spcPct val="0"/>
-              </a:spcAft>
-              <a:defRPr>
-                <a:solidFill>
-                  <a:schemeClr val="tx1"/>
-                </a:solidFill>
-                <a:latin typeface="Verdana" pitchFamily="34" charset="0"/>
-                <a:ea typeface="宋体" charset="-122"/>
-              </a:defRPr>
-            </a:lvl8pPr>
-            <a:lvl9pPr marL="3886200" indent="-228600" eaLnBrk="0" fontAlgn="base" hangingPunct="0">
-              <a:spcBef>
-                <a:spcPct val="0"/>
-              </a:spcBef>
-              <a:spcAft>
-                <a:spcPct val="0"/>
-              </a:spcAft>
-              <a:defRPr>
-                <a:solidFill>
-                  <a:schemeClr val="tx1"/>
-                </a:solidFill>
-                <a:latin typeface="Verdana" pitchFamily="34" charset="0"/>
-                <a:ea typeface="宋体" charset="-122"/>
-              </a:defRPr>
-            </a:lvl9pPr>
-          </a:lstStyle>
-          <a:p>
-            <a:pPr eaLnBrk="1" hangingPunct="1"/>
-            <a:fld id="{AB4F1EF3-1A34-4615-B8C9-5545E0833A24}" type="slidenum">
-              <a:rPr lang="en-US" altLang="zh-CN" smtClean="0"/>
-              <a:pPr eaLnBrk="1" hangingPunct="1"/>
-              <a:t>3</a:t>
-            </a:fld>
-            <a:endParaRPr lang="en-US" altLang="zh-CN" smtClean="0"/>
+            <a:endParaRPr lang="zh-CN" altLang="en-US" sz="2800" dirty="0">
+              <a:cs typeface="+mn-cs"/>
+            </a:endParaRPr>
           </a:p>
         </p:txBody>
       </p:sp>
@@ -6456,19 +4227,12 @@
           <a:bodyPr/>
           <a:lstStyle/>
           <a:p>
-            <a:pPr eaLnBrk="1" hangingPunct="1"/>
-            <a:r>
-              <a:rPr lang="en-US" altLang="zh-CN" b="1" smtClean="0">
-                <a:latin typeface="黑体" pitchFamily="49" charset="-122"/>
-                <a:ea typeface="黑体" pitchFamily="49" charset="-122"/>
-              </a:rPr>
+            <a:r>
+              <a:rPr lang="en-US" altLang="zh-CN" dirty="0"/>
               <a:t>5.1 </a:t>
             </a:r>
             <a:r>
-              <a:rPr lang="zh-CN" altLang="en-US" b="1" smtClean="0">
-                <a:latin typeface="黑体" pitchFamily="49" charset="-122"/>
-                <a:ea typeface="黑体" pitchFamily="49" charset="-122"/>
-              </a:rPr>
+              <a:rPr lang="zh-CN" altLang="en-US" dirty="0"/>
               <a:t>概述</a:t>
             </a:r>
           </a:p>
@@ -6491,162 +4255,9 @@
           <a:p>
             <a:pPr algn="just" eaLnBrk="1" hangingPunct="1"/>
             <a:r>
-              <a:rPr lang="zh-CN" altLang="en-US" sz="3400" b="1" smtClean="0"/>
+              <a:rPr lang="zh-CN" altLang="en-US" sz="3200" b="1" dirty="0" smtClean="0"/>
               <a:t>基本原理</a:t>
             </a:r>
-          </a:p>
-        </p:txBody>
-      </p:sp>
-      <p:sp>
-        <p:nvSpPr>
-          <p:cNvPr id="6146" name="灯片编号占位符 5"/>
-          <p:cNvSpPr>
-            <a:spLocks noGrp="1"/>
-          </p:cNvSpPr>
-          <p:nvPr>
-            <p:ph type="sldNum" sz="quarter" idx="12"/>
-          </p:nvPr>
-        </p:nvSpPr>
-        <p:spPr>
-          <a:noFill/>
-          <a:ln/>
-          <a:extLst>
-            <a:ext uri="{909E8E84-426E-40DD-AFC4-6F175D3DCCD1}">
-              <a14:hiddenFill xmlns:a14="http://schemas.microsoft.com/office/drawing/2010/main">
-                <a:solidFill>
-                  <a:srgbClr val="FFFFFF"/>
-                </a:solidFill>
-              </a14:hiddenFill>
-            </a:ext>
-            <a:ext uri="{91240B29-F687-4F45-9708-019B960494DF}">
-              <a14:hiddenLine xmlns:a14="http://schemas.microsoft.com/office/drawing/2010/main" w="9525">
-                <a:solidFill>
-                  <a:srgbClr val="000000"/>
-                </a:solidFill>
-                <a:miter lim="800000"/>
-                <a:headEnd/>
-                <a:tailEnd/>
-              </a14:hiddenLine>
-            </a:ext>
-          </a:extLst>
-        </p:spPr>
-        <p:txBody>
-          <a:bodyPr/>
-          <a:lstStyle>
-            <a:lvl1pPr eaLnBrk="0" hangingPunct="0">
-              <a:defRPr>
-                <a:solidFill>
-                  <a:schemeClr val="tx1"/>
-                </a:solidFill>
-                <a:latin typeface="Verdana" pitchFamily="34" charset="0"/>
-                <a:ea typeface="宋体" charset="-122"/>
-              </a:defRPr>
-            </a:lvl1pPr>
-            <a:lvl2pPr marL="742950" indent="-285750" eaLnBrk="0" hangingPunct="0">
-              <a:defRPr>
-                <a:solidFill>
-                  <a:schemeClr val="tx1"/>
-                </a:solidFill>
-                <a:latin typeface="Verdana" pitchFamily="34" charset="0"/>
-                <a:ea typeface="宋体" charset="-122"/>
-              </a:defRPr>
-            </a:lvl2pPr>
-            <a:lvl3pPr marL="1143000" indent="-228600" eaLnBrk="0" hangingPunct="0">
-              <a:defRPr>
-                <a:solidFill>
-                  <a:schemeClr val="tx1"/>
-                </a:solidFill>
-                <a:latin typeface="Verdana" pitchFamily="34" charset="0"/>
-                <a:ea typeface="宋体" charset="-122"/>
-              </a:defRPr>
-            </a:lvl3pPr>
-            <a:lvl4pPr marL="1600200" indent="-228600" eaLnBrk="0" hangingPunct="0">
-              <a:defRPr>
-                <a:solidFill>
-                  <a:schemeClr val="tx1"/>
-                </a:solidFill>
-                <a:latin typeface="Verdana" pitchFamily="34" charset="0"/>
-                <a:ea typeface="宋体" charset="-122"/>
-              </a:defRPr>
-            </a:lvl4pPr>
-            <a:lvl5pPr marL="2057400" indent="-228600" eaLnBrk="0" hangingPunct="0">
-              <a:defRPr>
-                <a:solidFill>
-                  <a:schemeClr val="tx1"/>
-                </a:solidFill>
-                <a:latin typeface="Verdana" pitchFamily="34" charset="0"/>
-                <a:ea typeface="宋体" charset="-122"/>
-              </a:defRPr>
-            </a:lvl5pPr>
-            <a:lvl6pPr marL="2514600" indent="-228600" eaLnBrk="0" fontAlgn="base" hangingPunct="0">
-              <a:spcBef>
-                <a:spcPct val="0"/>
-              </a:spcBef>
-              <a:spcAft>
-                <a:spcPct val="0"/>
-              </a:spcAft>
-              <a:defRPr>
-                <a:solidFill>
-                  <a:schemeClr val="tx1"/>
-                </a:solidFill>
-                <a:latin typeface="Verdana" pitchFamily="34" charset="0"/>
-                <a:ea typeface="宋体" charset="-122"/>
-              </a:defRPr>
-            </a:lvl6pPr>
-            <a:lvl7pPr marL="2971800" indent="-228600" eaLnBrk="0" fontAlgn="base" hangingPunct="0">
-              <a:spcBef>
-                <a:spcPct val="0"/>
-              </a:spcBef>
-              <a:spcAft>
-                <a:spcPct val="0"/>
-              </a:spcAft>
-              <a:defRPr>
-                <a:solidFill>
-                  <a:schemeClr val="tx1"/>
-                </a:solidFill>
-                <a:latin typeface="Verdana" pitchFamily="34" charset="0"/>
-                <a:ea typeface="宋体" charset="-122"/>
-              </a:defRPr>
-            </a:lvl7pPr>
-            <a:lvl8pPr marL="3429000" indent="-228600" eaLnBrk="0" fontAlgn="base" hangingPunct="0">
-              <a:spcBef>
-                <a:spcPct val="0"/>
-              </a:spcBef>
-              <a:spcAft>
-                <a:spcPct val="0"/>
-              </a:spcAft>
-              <a:defRPr>
-                <a:solidFill>
-                  <a:schemeClr val="tx1"/>
-                </a:solidFill>
-                <a:latin typeface="Verdana" pitchFamily="34" charset="0"/>
-                <a:ea typeface="宋体" charset="-122"/>
-              </a:defRPr>
-            </a:lvl8pPr>
-            <a:lvl9pPr marL="3886200" indent="-228600" eaLnBrk="0" fontAlgn="base" hangingPunct="0">
-              <a:spcBef>
-                <a:spcPct val="0"/>
-              </a:spcBef>
-              <a:spcAft>
-                <a:spcPct val="0"/>
-              </a:spcAft>
-              <a:defRPr>
-                <a:solidFill>
-                  <a:schemeClr val="tx1"/>
-                </a:solidFill>
-                <a:latin typeface="Verdana" pitchFamily="34" charset="0"/>
-                <a:ea typeface="宋体" charset="-122"/>
-              </a:defRPr>
-            </a:lvl9pPr>
-          </a:lstStyle>
-          <a:p>
-            <a:pPr eaLnBrk="1" hangingPunct="1"/>
-            <a:fld id="{98CAB76B-4876-45E3-9AFD-6985ACF4B2C1}" type="slidenum">
-              <a:rPr lang="en-US" altLang="zh-CN" smtClean="0"/>
-              <a:pPr eaLnBrk="1" hangingPunct="1"/>
-              <a:t>4</a:t>
-            </a:fld>
-            <a:endParaRPr lang="en-US" altLang="zh-CN" smtClean="0"/>
           </a:p>
         </p:txBody>
       </p:sp>
@@ -6673,7 +4284,7 @@
         </p:blipFill>
         <p:spPr bwMode="auto">
           <a:xfrm>
-            <a:off x="1043608" y="2348880"/>
+            <a:off x="1043609" y="2348884"/>
             <a:ext cx="5929312" cy="3830637"/>
           </a:xfrm>
           <a:prstGeom prst="rect">
@@ -6725,7 +4336,7 @@
         </p:blipFill>
         <p:spPr bwMode="auto">
           <a:xfrm>
-            <a:off x="2663496" y="2348881"/>
+            <a:off x="2663497" y="2348881"/>
             <a:ext cx="2844608" cy="3830636"/>
           </a:xfrm>
           <a:prstGeom prst="rect">
@@ -6895,19 +4506,12 @@
           <a:bodyPr/>
           <a:lstStyle/>
           <a:p>
-            <a:pPr eaLnBrk="1" hangingPunct="1"/>
-            <a:r>
-              <a:rPr lang="en-US" altLang="zh-CN" b="1" smtClean="0">
-                <a:latin typeface="黑体" pitchFamily="49" charset="-122"/>
-                <a:ea typeface="黑体" pitchFamily="49" charset="-122"/>
-              </a:rPr>
+            <a:r>
+              <a:rPr lang="en-US" altLang="zh-CN" dirty="0"/>
               <a:t>5.1 </a:t>
             </a:r>
             <a:r>
-              <a:rPr lang="zh-CN" altLang="en-US" b="1" smtClean="0">
-                <a:latin typeface="黑体" pitchFamily="49" charset="-122"/>
-                <a:ea typeface="黑体" pitchFamily="49" charset="-122"/>
-              </a:rPr>
+              <a:rPr lang="zh-CN" altLang="en-US" dirty="0"/>
               <a:t>概述</a:t>
             </a:r>
           </a:p>
@@ -6923,7 +4527,12 @@
             <p:ph idx="1"/>
           </p:nvPr>
         </p:nvSpPr>
-        <p:spPr/>
+        <p:spPr>
+          <a:xfrm>
+            <a:off x="395536" y="1196752"/>
+            <a:ext cx="8622450" cy="4267200"/>
+          </a:xfrm>
+        </p:spPr>
         <p:txBody>
           <a:bodyPr/>
           <a:lstStyle/>
@@ -6932,10 +4541,10 @@
               <a:defRPr/>
             </a:pPr>
             <a:r>
-              <a:rPr lang="zh-CN" altLang="en-US" sz="3400" b="1" dirty="0" smtClean="0"/>
+              <a:rPr lang="zh-CN" altLang="en-US" sz="3200" b="1" dirty="0" smtClean="0"/>
               <a:t>白盒测试关注的对象</a:t>
             </a:r>
-            <a:endParaRPr lang="en-US" altLang="zh-CN" sz="3400" b="1" dirty="0" smtClean="0"/>
+            <a:endParaRPr lang="en-US" altLang="zh-CN" sz="3200" b="1" dirty="0" smtClean="0"/>
           </a:p>
           <a:p>
             <a:pPr lvl="1" algn="just" eaLnBrk="1" hangingPunct="1">
@@ -6997,159 +4606,6 @@
             <a:endParaRPr lang="en-US" altLang="zh-CN" b="1" dirty="0" smtClean="0">
               <a:cs typeface="+mn-cs"/>
             </a:endParaRPr>
-          </a:p>
-        </p:txBody>
-      </p:sp>
-      <p:sp>
-        <p:nvSpPr>
-          <p:cNvPr id="7170" name="灯片编号占位符 5"/>
-          <p:cNvSpPr>
-            <a:spLocks noGrp="1"/>
-          </p:cNvSpPr>
-          <p:nvPr>
-            <p:ph type="sldNum" sz="quarter" idx="12"/>
-          </p:nvPr>
-        </p:nvSpPr>
-        <p:spPr>
-          <a:noFill/>
-          <a:ln/>
-          <a:extLst>
-            <a:ext uri="{909E8E84-426E-40DD-AFC4-6F175D3DCCD1}">
-              <a14:hiddenFill xmlns:a14="http://schemas.microsoft.com/office/drawing/2010/main">
-                <a:solidFill>
-                  <a:srgbClr val="FFFFFF"/>
-                </a:solidFill>
-              </a14:hiddenFill>
-            </a:ext>
-            <a:ext uri="{91240B29-F687-4F45-9708-019B960494DF}">
-              <a14:hiddenLine xmlns:a14="http://schemas.microsoft.com/office/drawing/2010/main" w="9525">
-                <a:solidFill>
-                  <a:srgbClr val="000000"/>
-                </a:solidFill>
-                <a:miter lim="800000"/>
-                <a:headEnd/>
-                <a:tailEnd/>
-              </a14:hiddenLine>
-            </a:ext>
-          </a:extLst>
-        </p:spPr>
-        <p:txBody>
-          <a:bodyPr/>
-          <a:lstStyle>
-            <a:lvl1pPr eaLnBrk="0" hangingPunct="0">
-              <a:defRPr>
-                <a:solidFill>
-                  <a:schemeClr val="tx1"/>
-                </a:solidFill>
-                <a:latin typeface="Verdana" pitchFamily="34" charset="0"/>
-                <a:ea typeface="宋体" charset="-122"/>
-              </a:defRPr>
-            </a:lvl1pPr>
-            <a:lvl2pPr marL="742950" indent="-285750" eaLnBrk="0" hangingPunct="0">
-              <a:defRPr>
-                <a:solidFill>
-                  <a:schemeClr val="tx1"/>
-                </a:solidFill>
-                <a:latin typeface="Verdana" pitchFamily="34" charset="0"/>
-                <a:ea typeface="宋体" charset="-122"/>
-              </a:defRPr>
-            </a:lvl2pPr>
-            <a:lvl3pPr marL="1143000" indent="-228600" eaLnBrk="0" hangingPunct="0">
-              <a:defRPr>
-                <a:solidFill>
-                  <a:schemeClr val="tx1"/>
-                </a:solidFill>
-                <a:latin typeface="Verdana" pitchFamily="34" charset="0"/>
-                <a:ea typeface="宋体" charset="-122"/>
-              </a:defRPr>
-            </a:lvl3pPr>
-            <a:lvl4pPr marL="1600200" indent="-228600" eaLnBrk="0" hangingPunct="0">
-              <a:defRPr>
-                <a:solidFill>
-                  <a:schemeClr val="tx1"/>
-                </a:solidFill>
-                <a:latin typeface="Verdana" pitchFamily="34" charset="0"/>
-                <a:ea typeface="宋体" charset="-122"/>
-              </a:defRPr>
-            </a:lvl4pPr>
-            <a:lvl5pPr marL="2057400" indent="-228600" eaLnBrk="0" hangingPunct="0">
-              <a:defRPr>
-                <a:solidFill>
-                  <a:schemeClr val="tx1"/>
-                </a:solidFill>
-                <a:latin typeface="Verdana" pitchFamily="34" charset="0"/>
-                <a:ea typeface="宋体" charset="-122"/>
-              </a:defRPr>
-            </a:lvl5pPr>
-            <a:lvl6pPr marL="2514600" indent="-228600" eaLnBrk="0" fontAlgn="base" hangingPunct="0">
-              <a:spcBef>
-                <a:spcPct val="0"/>
-              </a:spcBef>
-              <a:spcAft>
-                <a:spcPct val="0"/>
-              </a:spcAft>
-              <a:defRPr>
-                <a:solidFill>
-                  <a:schemeClr val="tx1"/>
-                </a:solidFill>
-                <a:latin typeface="Verdana" pitchFamily="34" charset="0"/>
-                <a:ea typeface="宋体" charset="-122"/>
-              </a:defRPr>
-            </a:lvl6pPr>
-            <a:lvl7pPr marL="2971800" indent="-228600" eaLnBrk="0" fontAlgn="base" hangingPunct="0">
-              <a:spcBef>
-                <a:spcPct val="0"/>
-              </a:spcBef>
-              <a:spcAft>
-                <a:spcPct val="0"/>
-              </a:spcAft>
-              <a:defRPr>
-                <a:solidFill>
-                  <a:schemeClr val="tx1"/>
-                </a:solidFill>
-                <a:latin typeface="Verdana" pitchFamily="34" charset="0"/>
-                <a:ea typeface="宋体" charset="-122"/>
-              </a:defRPr>
-            </a:lvl7pPr>
-            <a:lvl8pPr marL="3429000" indent="-228600" eaLnBrk="0" fontAlgn="base" hangingPunct="0">
-              <a:spcBef>
-                <a:spcPct val="0"/>
-              </a:spcBef>
-              <a:spcAft>
-                <a:spcPct val="0"/>
-              </a:spcAft>
-              <a:defRPr>
-                <a:solidFill>
-                  <a:schemeClr val="tx1"/>
-                </a:solidFill>
-                <a:latin typeface="Verdana" pitchFamily="34" charset="0"/>
-                <a:ea typeface="宋体" charset="-122"/>
-              </a:defRPr>
-            </a:lvl8pPr>
-            <a:lvl9pPr marL="3886200" indent="-228600" eaLnBrk="0" fontAlgn="base" hangingPunct="0">
-              <a:spcBef>
-                <a:spcPct val="0"/>
-              </a:spcBef>
-              <a:spcAft>
-                <a:spcPct val="0"/>
-              </a:spcAft>
-              <a:defRPr>
-                <a:solidFill>
-                  <a:schemeClr val="tx1"/>
-                </a:solidFill>
-                <a:latin typeface="Verdana" pitchFamily="34" charset="0"/>
-                <a:ea typeface="宋体" charset="-122"/>
-              </a:defRPr>
-            </a:lvl9pPr>
-          </a:lstStyle>
-          <a:p>
-            <a:pPr eaLnBrk="1" hangingPunct="1"/>
-            <a:fld id="{F93F8415-1B2C-43CF-B556-76103839E396}" type="slidenum">
-              <a:rPr lang="en-US" altLang="zh-CN" smtClean="0"/>
-              <a:pPr eaLnBrk="1" hangingPunct="1"/>
-              <a:t>5</a:t>
-            </a:fld>
-            <a:endParaRPr lang="en-US" altLang="zh-CN" smtClean="0"/>
           </a:p>
         </p:txBody>
       </p:sp>
@@ -7206,19 +4662,12 @@
           <a:bodyPr/>
           <a:lstStyle/>
           <a:p>
-            <a:pPr eaLnBrk="1" hangingPunct="1"/>
-            <a:r>
-              <a:rPr lang="en-US" altLang="zh-CN" b="1" smtClean="0">
-                <a:latin typeface="黑体" pitchFamily="49" charset="-122"/>
-                <a:ea typeface="黑体" pitchFamily="49" charset="-122"/>
-              </a:rPr>
+            <a:r>
+              <a:rPr lang="en-US" altLang="zh-CN" dirty="0"/>
               <a:t>5.1 </a:t>
             </a:r>
             <a:r>
-              <a:rPr lang="zh-CN" altLang="en-US" b="1" smtClean="0">
-                <a:latin typeface="黑体" pitchFamily="49" charset="-122"/>
-                <a:ea typeface="黑体" pitchFamily="49" charset="-122"/>
-              </a:rPr>
+              <a:rPr lang="zh-CN" altLang="en-US" dirty="0"/>
               <a:t>概述</a:t>
             </a:r>
           </a:p>
@@ -7243,10 +4692,10 @@
               <a:defRPr/>
             </a:pPr>
             <a:r>
-              <a:rPr lang="zh-CN" altLang="en-US" sz="3400" b="1" dirty="0" smtClean="0"/>
+              <a:rPr lang="zh-CN" altLang="en-US" sz="3200" b="1" dirty="0" smtClean="0"/>
               <a:t>优势</a:t>
             </a:r>
-            <a:endParaRPr lang="en-US" altLang="zh-CN" sz="3400" b="1" dirty="0" smtClean="0"/>
+            <a:endParaRPr lang="en-US" altLang="zh-CN" sz="3200" b="1" dirty="0" smtClean="0"/>
           </a:p>
           <a:p>
             <a:pPr lvl="1" algn="just">
@@ -7318,159 +4767,6 @@
             <a:endParaRPr lang="en-US" altLang="zh-CN" b="1" dirty="0" smtClean="0">
               <a:cs typeface="+mn-cs"/>
             </a:endParaRPr>
-          </a:p>
-        </p:txBody>
-      </p:sp>
-      <p:sp>
-        <p:nvSpPr>
-          <p:cNvPr id="8194" name="灯片编号占位符 5"/>
-          <p:cNvSpPr>
-            <a:spLocks noGrp="1"/>
-          </p:cNvSpPr>
-          <p:nvPr>
-            <p:ph type="sldNum" sz="quarter" idx="12"/>
-          </p:nvPr>
-        </p:nvSpPr>
-        <p:spPr>
-          <a:noFill/>
-          <a:ln/>
-          <a:extLst>
-            <a:ext uri="{909E8E84-426E-40DD-AFC4-6F175D3DCCD1}">
-              <a14:hiddenFill xmlns:a14="http://schemas.microsoft.com/office/drawing/2010/main">
-                <a:solidFill>
-                  <a:srgbClr val="FFFFFF"/>
-                </a:solidFill>
-              </a14:hiddenFill>
-            </a:ext>
-            <a:ext uri="{91240B29-F687-4F45-9708-019B960494DF}">
-              <a14:hiddenLine xmlns:a14="http://schemas.microsoft.com/office/drawing/2010/main" w="9525">
-                <a:solidFill>
-                  <a:srgbClr val="000000"/>
-                </a:solidFill>
-                <a:miter lim="800000"/>
-                <a:headEnd/>
-                <a:tailEnd/>
-              </a14:hiddenLine>
-            </a:ext>
-          </a:extLst>
-        </p:spPr>
-        <p:txBody>
-          <a:bodyPr/>
-          <a:lstStyle>
-            <a:lvl1pPr eaLnBrk="0" hangingPunct="0">
-              <a:defRPr>
-                <a:solidFill>
-                  <a:schemeClr val="tx1"/>
-                </a:solidFill>
-                <a:latin typeface="Verdana" pitchFamily="34" charset="0"/>
-                <a:ea typeface="宋体" charset="-122"/>
-              </a:defRPr>
-            </a:lvl1pPr>
-            <a:lvl2pPr marL="742950" indent="-285750" eaLnBrk="0" hangingPunct="0">
-              <a:defRPr>
-                <a:solidFill>
-                  <a:schemeClr val="tx1"/>
-                </a:solidFill>
-                <a:latin typeface="Verdana" pitchFamily="34" charset="0"/>
-                <a:ea typeface="宋体" charset="-122"/>
-              </a:defRPr>
-            </a:lvl2pPr>
-            <a:lvl3pPr marL="1143000" indent="-228600" eaLnBrk="0" hangingPunct="0">
-              <a:defRPr>
-                <a:solidFill>
-                  <a:schemeClr val="tx1"/>
-                </a:solidFill>
-                <a:latin typeface="Verdana" pitchFamily="34" charset="0"/>
-                <a:ea typeface="宋体" charset="-122"/>
-              </a:defRPr>
-            </a:lvl3pPr>
-            <a:lvl4pPr marL="1600200" indent="-228600" eaLnBrk="0" hangingPunct="0">
-              <a:defRPr>
-                <a:solidFill>
-                  <a:schemeClr val="tx1"/>
-                </a:solidFill>
-                <a:latin typeface="Verdana" pitchFamily="34" charset="0"/>
-                <a:ea typeface="宋体" charset="-122"/>
-              </a:defRPr>
-            </a:lvl4pPr>
-            <a:lvl5pPr marL="2057400" indent="-228600" eaLnBrk="0" hangingPunct="0">
-              <a:defRPr>
-                <a:solidFill>
-                  <a:schemeClr val="tx1"/>
-                </a:solidFill>
-                <a:latin typeface="Verdana" pitchFamily="34" charset="0"/>
-                <a:ea typeface="宋体" charset="-122"/>
-              </a:defRPr>
-            </a:lvl5pPr>
-            <a:lvl6pPr marL="2514600" indent="-228600" eaLnBrk="0" fontAlgn="base" hangingPunct="0">
-              <a:spcBef>
-                <a:spcPct val="0"/>
-              </a:spcBef>
-              <a:spcAft>
-                <a:spcPct val="0"/>
-              </a:spcAft>
-              <a:defRPr>
-                <a:solidFill>
-                  <a:schemeClr val="tx1"/>
-                </a:solidFill>
-                <a:latin typeface="Verdana" pitchFamily="34" charset="0"/>
-                <a:ea typeface="宋体" charset="-122"/>
-              </a:defRPr>
-            </a:lvl6pPr>
-            <a:lvl7pPr marL="2971800" indent="-228600" eaLnBrk="0" fontAlgn="base" hangingPunct="0">
-              <a:spcBef>
-                <a:spcPct val="0"/>
-              </a:spcBef>
-              <a:spcAft>
-                <a:spcPct val="0"/>
-              </a:spcAft>
-              <a:defRPr>
-                <a:solidFill>
-                  <a:schemeClr val="tx1"/>
-                </a:solidFill>
-                <a:latin typeface="Verdana" pitchFamily="34" charset="0"/>
-                <a:ea typeface="宋体" charset="-122"/>
-              </a:defRPr>
-            </a:lvl7pPr>
-            <a:lvl8pPr marL="3429000" indent="-228600" eaLnBrk="0" fontAlgn="base" hangingPunct="0">
-              <a:spcBef>
-                <a:spcPct val="0"/>
-              </a:spcBef>
-              <a:spcAft>
-                <a:spcPct val="0"/>
-              </a:spcAft>
-              <a:defRPr>
-                <a:solidFill>
-                  <a:schemeClr val="tx1"/>
-                </a:solidFill>
-                <a:latin typeface="Verdana" pitchFamily="34" charset="0"/>
-                <a:ea typeface="宋体" charset="-122"/>
-              </a:defRPr>
-            </a:lvl8pPr>
-            <a:lvl9pPr marL="3886200" indent="-228600" eaLnBrk="0" fontAlgn="base" hangingPunct="0">
-              <a:spcBef>
-                <a:spcPct val="0"/>
-              </a:spcBef>
-              <a:spcAft>
-                <a:spcPct val="0"/>
-              </a:spcAft>
-              <a:defRPr>
-                <a:solidFill>
-                  <a:schemeClr val="tx1"/>
-                </a:solidFill>
-                <a:latin typeface="Verdana" pitchFamily="34" charset="0"/>
-                <a:ea typeface="宋体" charset="-122"/>
-              </a:defRPr>
-            </a:lvl9pPr>
-          </a:lstStyle>
-          <a:p>
-            <a:pPr eaLnBrk="1" hangingPunct="1"/>
-            <a:fld id="{DF63C25B-2B21-40D6-B18C-82E34AAF7B4E}" type="slidenum">
-              <a:rPr lang="en-US" altLang="zh-CN" smtClean="0"/>
-              <a:pPr eaLnBrk="1" hangingPunct="1"/>
-              <a:t>6</a:t>
-            </a:fld>
-            <a:endParaRPr lang="en-US" altLang="zh-CN" smtClean="0"/>
           </a:p>
         </p:txBody>
       </p:sp>
@@ -7527,19 +4823,12 @@
           <a:bodyPr/>
           <a:lstStyle/>
           <a:p>
-            <a:pPr eaLnBrk="1" hangingPunct="1"/>
-            <a:r>
-              <a:rPr lang="en-US" altLang="zh-CN" b="1" smtClean="0">
-                <a:latin typeface="黑体" pitchFamily="49" charset="-122"/>
-                <a:ea typeface="黑体" pitchFamily="49" charset="-122"/>
-              </a:rPr>
+            <a:r>
+              <a:rPr lang="en-US" altLang="zh-CN" dirty="0"/>
               <a:t>5.1 </a:t>
             </a:r>
             <a:r>
-              <a:rPr lang="zh-CN" altLang="en-US" b="1" smtClean="0">
-                <a:latin typeface="黑体" pitchFamily="49" charset="-122"/>
-                <a:ea typeface="黑体" pitchFamily="49" charset="-122"/>
-              </a:rPr>
+              <a:rPr lang="zh-CN" altLang="en-US" dirty="0"/>
               <a:t>概述</a:t>
             </a:r>
           </a:p>
@@ -7555,7 +4844,12 @@
             <p:ph idx="1"/>
           </p:nvPr>
         </p:nvSpPr>
-        <p:spPr/>
+        <p:spPr>
+          <a:xfrm>
+            <a:off x="521550" y="1196752"/>
+            <a:ext cx="8370930" cy="4267200"/>
+          </a:xfrm>
+        </p:spPr>
         <p:txBody>
           <a:bodyPr/>
           <a:lstStyle/>
@@ -7564,10 +4858,10 @@
               <a:defRPr/>
             </a:pPr>
             <a:r>
-              <a:rPr lang="zh-CN" altLang="en-US" sz="3400" b="1" dirty="0" smtClean="0"/>
+              <a:rPr lang="zh-CN" altLang="en-US" sz="3200" b="1" dirty="0" smtClean="0"/>
               <a:t>局限性</a:t>
             </a:r>
-            <a:endParaRPr lang="en-US" altLang="zh-CN" sz="3400" b="1" dirty="0" smtClean="0"/>
+            <a:endParaRPr lang="en-US" altLang="zh-CN" sz="3200" b="1" dirty="0" smtClean="0"/>
           </a:p>
           <a:p>
             <a:pPr lvl="1" algn="just">
@@ -7583,11 +4877,7 @@
             </a:r>
             <a:r>
               <a:rPr lang="zh-CN" altLang="en-US" b="1" dirty="0" smtClean="0"/>
-              <a:t>知识面，没有</a:t>
-            </a:r>
-            <a:r>
-              <a:rPr lang="zh-CN" altLang="en-US" b="1" dirty="0" smtClean="0"/>
-              <a:t>一定</a:t>
+              <a:t>知识面，没有一定</a:t>
             </a:r>
             <a:r>
               <a:rPr lang="zh-CN" altLang="en-US" b="1" dirty="0" smtClean="0">
@@ -7595,23 +4885,11 @@
                   <a:srgbClr val="FF0000"/>
                 </a:solidFill>
               </a:rPr>
-              <a:t>项目编程</a:t>
-            </a:r>
-            <a:r>
-              <a:rPr lang="zh-CN" altLang="en-US" b="1" dirty="0" smtClean="0">
-                <a:solidFill>
-                  <a:srgbClr val="FF0000"/>
-                </a:solidFill>
-              </a:rPr>
-              <a:t>经验</a:t>
+              <a:t>项目编程经验</a:t>
             </a:r>
             <a:r>
               <a:rPr lang="zh-CN" altLang="en-US" b="1" dirty="0" smtClean="0"/>
-              <a:t>的人是无法做白盒测试的</a:t>
-            </a:r>
-            <a:r>
-              <a:rPr lang="zh-CN" altLang="en-US" b="1" dirty="0" smtClean="0"/>
-              <a:t>；</a:t>
+              <a:t>的人是无法做白盒测试的；</a:t>
             </a:r>
             <a:endParaRPr lang="en-US" altLang="zh-CN" b="1" dirty="0" smtClean="0"/>
           </a:p>
@@ -7634,159 +4912,6 @@
               <a:t>白盒测试准备时间较长</a:t>
             </a:r>
             <a:endParaRPr lang="en-US" altLang="zh-CN" b="1" dirty="0" smtClean="0"/>
-          </a:p>
-        </p:txBody>
-      </p:sp>
-      <p:sp>
-        <p:nvSpPr>
-          <p:cNvPr id="8194" name="灯片编号占位符 5"/>
-          <p:cNvSpPr>
-            <a:spLocks noGrp="1"/>
-          </p:cNvSpPr>
-          <p:nvPr>
-            <p:ph type="sldNum" sz="quarter" idx="12"/>
-          </p:nvPr>
-        </p:nvSpPr>
-        <p:spPr>
-          <a:noFill/>
-          <a:ln/>
-          <a:extLst>
-            <a:ext uri="{909E8E84-426E-40DD-AFC4-6F175D3DCCD1}">
-              <a14:hiddenFill xmlns:a14="http://schemas.microsoft.com/office/drawing/2010/main">
-                <a:solidFill>
-                  <a:srgbClr val="FFFFFF"/>
-                </a:solidFill>
-              </a14:hiddenFill>
-            </a:ext>
-            <a:ext uri="{91240B29-F687-4F45-9708-019B960494DF}">
-              <a14:hiddenLine xmlns:a14="http://schemas.microsoft.com/office/drawing/2010/main" w="9525">
-                <a:solidFill>
-                  <a:srgbClr val="000000"/>
-                </a:solidFill>
-                <a:miter lim="800000"/>
-                <a:headEnd/>
-                <a:tailEnd/>
-              </a14:hiddenLine>
-            </a:ext>
-          </a:extLst>
-        </p:spPr>
-        <p:txBody>
-          <a:bodyPr/>
-          <a:lstStyle>
-            <a:lvl1pPr eaLnBrk="0" hangingPunct="0">
-              <a:defRPr>
-                <a:solidFill>
-                  <a:schemeClr val="tx1"/>
-                </a:solidFill>
-                <a:latin typeface="Verdana" pitchFamily="34" charset="0"/>
-                <a:ea typeface="宋体" charset="-122"/>
-              </a:defRPr>
-            </a:lvl1pPr>
-            <a:lvl2pPr marL="742950" indent="-285750" eaLnBrk="0" hangingPunct="0">
-              <a:defRPr>
-                <a:solidFill>
-                  <a:schemeClr val="tx1"/>
-                </a:solidFill>
-                <a:latin typeface="Verdana" pitchFamily="34" charset="0"/>
-                <a:ea typeface="宋体" charset="-122"/>
-              </a:defRPr>
-            </a:lvl2pPr>
-            <a:lvl3pPr marL="1143000" indent="-228600" eaLnBrk="0" hangingPunct="0">
-              <a:defRPr>
-                <a:solidFill>
-                  <a:schemeClr val="tx1"/>
-                </a:solidFill>
-                <a:latin typeface="Verdana" pitchFamily="34" charset="0"/>
-                <a:ea typeface="宋体" charset="-122"/>
-              </a:defRPr>
-            </a:lvl3pPr>
-            <a:lvl4pPr marL="1600200" indent="-228600" eaLnBrk="0" hangingPunct="0">
-              <a:defRPr>
-                <a:solidFill>
-                  <a:schemeClr val="tx1"/>
-                </a:solidFill>
-                <a:latin typeface="Verdana" pitchFamily="34" charset="0"/>
-                <a:ea typeface="宋体" charset="-122"/>
-              </a:defRPr>
-            </a:lvl4pPr>
-            <a:lvl5pPr marL="2057400" indent="-228600" eaLnBrk="0" hangingPunct="0">
-              <a:defRPr>
-                <a:solidFill>
-                  <a:schemeClr val="tx1"/>
-                </a:solidFill>
-                <a:latin typeface="Verdana" pitchFamily="34" charset="0"/>
-                <a:ea typeface="宋体" charset="-122"/>
-              </a:defRPr>
-            </a:lvl5pPr>
-            <a:lvl6pPr marL="2514600" indent="-228600" eaLnBrk="0" fontAlgn="base" hangingPunct="0">
-              <a:spcBef>
-                <a:spcPct val="0"/>
-              </a:spcBef>
-              <a:spcAft>
-                <a:spcPct val="0"/>
-              </a:spcAft>
-              <a:defRPr>
-                <a:solidFill>
-                  <a:schemeClr val="tx1"/>
-                </a:solidFill>
-                <a:latin typeface="Verdana" pitchFamily="34" charset="0"/>
-                <a:ea typeface="宋体" charset="-122"/>
-              </a:defRPr>
-            </a:lvl6pPr>
-            <a:lvl7pPr marL="2971800" indent="-228600" eaLnBrk="0" fontAlgn="base" hangingPunct="0">
-              <a:spcBef>
-                <a:spcPct val="0"/>
-              </a:spcBef>
-              <a:spcAft>
-                <a:spcPct val="0"/>
-              </a:spcAft>
-              <a:defRPr>
-                <a:solidFill>
-                  <a:schemeClr val="tx1"/>
-                </a:solidFill>
-                <a:latin typeface="Verdana" pitchFamily="34" charset="0"/>
-                <a:ea typeface="宋体" charset="-122"/>
-              </a:defRPr>
-            </a:lvl7pPr>
-            <a:lvl8pPr marL="3429000" indent="-228600" eaLnBrk="0" fontAlgn="base" hangingPunct="0">
-              <a:spcBef>
-                <a:spcPct val="0"/>
-              </a:spcBef>
-              <a:spcAft>
-                <a:spcPct val="0"/>
-              </a:spcAft>
-              <a:defRPr>
-                <a:solidFill>
-                  <a:schemeClr val="tx1"/>
-                </a:solidFill>
-                <a:latin typeface="Verdana" pitchFamily="34" charset="0"/>
-                <a:ea typeface="宋体" charset="-122"/>
-              </a:defRPr>
-            </a:lvl8pPr>
-            <a:lvl9pPr marL="3886200" indent="-228600" eaLnBrk="0" fontAlgn="base" hangingPunct="0">
-              <a:spcBef>
-                <a:spcPct val="0"/>
-              </a:spcBef>
-              <a:spcAft>
-                <a:spcPct val="0"/>
-              </a:spcAft>
-              <a:defRPr>
-                <a:solidFill>
-                  <a:schemeClr val="tx1"/>
-                </a:solidFill>
-                <a:latin typeface="Verdana" pitchFamily="34" charset="0"/>
-                <a:ea typeface="宋体" charset="-122"/>
-              </a:defRPr>
-            </a:lvl9pPr>
-          </a:lstStyle>
-          <a:p>
-            <a:pPr eaLnBrk="1" hangingPunct="1"/>
-            <a:fld id="{DF63C25B-2B21-40D6-B18C-82E34AAF7B4E}" type="slidenum">
-              <a:rPr lang="en-US" altLang="zh-CN" smtClean="0"/>
-              <a:pPr eaLnBrk="1" hangingPunct="1"/>
-              <a:t>7</a:t>
-            </a:fld>
-            <a:endParaRPr lang="en-US" altLang="zh-CN" smtClean="0"/>
           </a:p>
         </p:txBody>
       </p:sp>
@@ -7843,19 +4968,12 @@
           <a:bodyPr/>
           <a:lstStyle/>
           <a:p>
-            <a:pPr eaLnBrk="1" hangingPunct="1"/>
-            <a:r>
-              <a:rPr lang="en-US" altLang="zh-CN" b="1" smtClean="0">
-                <a:latin typeface="黑体" pitchFamily="49" charset="-122"/>
-                <a:ea typeface="黑体" pitchFamily="49" charset="-122"/>
-              </a:rPr>
+            <a:r>
+              <a:rPr lang="en-US" altLang="zh-CN" dirty="0"/>
               <a:t>5.1 </a:t>
             </a:r>
             <a:r>
-              <a:rPr lang="zh-CN" altLang="en-US" b="1" smtClean="0">
-                <a:latin typeface="黑体" pitchFamily="49" charset="-122"/>
-                <a:ea typeface="黑体" pitchFamily="49" charset="-122"/>
-              </a:rPr>
+              <a:rPr lang="zh-CN" altLang="en-US" dirty="0"/>
               <a:t>概述</a:t>
             </a:r>
           </a:p>
@@ -7871,42 +4989,63 @@
             <p:ph idx="1"/>
           </p:nvPr>
         </p:nvSpPr>
-        <p:spPr/>
+        <p:spPr>
+          <a:xfrm>
+            <a:off x="521550" y="1196752"/>
+            <a:ext cx="8298922" cy="4267200"/>
+          </a:xfrm>
+        </p:spPr>
         <p:txBody>
           <a:bodyPr/>
           <a:lstStyle/>
           <a:p>
-            <a:pPr algn="just" eaLnBrk="1" hangingPunct="1"/>
-            <a:r>
-              <a:rPr lang="zh-CN" altLang="en-US" sz="3400" b="1" dirty="0" smtClean="0"/>
+            <a:pPr algn="just" eaLnBrk="1" hangingPunct="1">
+              <a:spcBef>
+                <a:spcPts val="600"/>
+              </a:spcBef>
+            </a:pPr>
+            <a:r>
+              <a:rPr lang="zh-CN" altLang="en-US" b="1" dirty="0" smtClean="0"/>
               <a:t>适用阶段</a:t>
             </a:r>
-            <a:endParaRPr lang="en-US" altLang="zh-CN" sz="3400" b="1" dirty="0" smtClean="0"/>
-          </a:p>
-          <a:p>
-            <a:pPr algn="just" eaLnBrk="1" hangingPunct="1"/>
-            <a:r>
-              <a:rPr lang="zh-CN" altLang="en-US" sz="3400" b="1" dirty="0" smtClean="0"/>
+            <a:endParaRPr lang="en-US" altLang="zh-CN" b="1" dirty="0" smtClean="0"/>
+          </a:p>
+          <a:p>
+            <a:pPr algn="just" eaLnBrk="1" hangingPunct="1">
+              <a:spcBef>
+                <a:spcPts val="600"/>
+              </a:spcBef>
+            </a:pPr>
+            <a:r>
+              <a:rPr lang="zh-CN" altLang="en-US" b="1" dirty="0" smtClean="0"/>
               <a:t>当被测对象为函数时</a:t>
             </a:r>
-            <a:endParaRPr lang="en-US" altLang="zh-CN" sz="3400" b="1" dirty="0" smtClean="0"/>
-          </a:p>
-          <a:p>
-            <a:pPr lvl="1" algn="just" eaLnBrk="1" hangingPunct="1"/>
-            <a:r>
-              <a:rPr lang="zh-CN" altLang="en-US" b="1" dirty="0" smtClean="0"/>
+            <a:endParaRPr lang="en-US" altLang="zh-CN" b="1" dirty="0" smtClean="0"/>
+          </a:p>
+          <a:p>
+            <a:pPr lvl="1" algn="just" eaLnBrk="1" hangingPunct="1">
+              <a:spcBef>
+                <a:spcPts val="600"/>
+              </a:spcBef>
+            </a:pPr>
+            <a:r>
+              <a:rPr lang="zh-CN" altLang="en-US" sz="2400" b="1" dirty="0" smtClean="0"/>
               <a:t>完成对函数代码和结构的测试</a:t>
             </a:r>
-            <a:endParaRPr lang="en-US" altLang="zh-CN" b="1" dirty="0" smtClean="0"/>
-          </a:p>
-          <a:p>
-            <a:pPr lvl="1" algn="just" eaLnBrk="1" hangingPunct="1"/>
-            <a:r>
-              <a:rPr lang="zh-CN" altLang="en-US" b="1" dirty="0" smtClean="0"/>
+            <a:endParaRPr lang="en-US" altLang="zh-CN" sz="2400" b="1" dirty="0" smtClean="0"/>
+          </a:p>
+          <a:p>
+            <a:pPr lvl="1" algn="just" eaLnBrk="1" hangingPunct="1">
+              <a:spcBef>
+                <a:spcPts val="600"/>
+              </a:spcBef>
+            </a:pPr>
+            <a:r>
+              <a:rPr lang="zh-CN" altLang="en-US" sz="2400" b="1" dirty="0" smtClean="0"/>
               <a:t>主要关注的是</a:t>
             </a:r>
             <a:r>
-              <a:rPr lang="zh-CN" altLang="en-US" b="1" dirty="0" smtClean="0">
+              <a:rPr lang="zh-CN" altLang="en-US" sz="2400" b="1" dirty="0" smtClean="0">
                 <a:solidFill>
                   <a:srgbClr val="FF0000"/>
                 </a:solidFill>
@@ -7914,170 +5053,21 @@
               <a:t>函数源代码的逻辑</a:t>
             </a:r>
             <a:r>
-              <a:rPr lang="zh-CN" altLang="en-US" b="1" dirty="0" smtClean="0"/>
+              <a:rPr lang="zh-CN" altLang="en-US" sz="2400" b="1" dirty="0" smtClean="0"/>
               <a:t>是否符合该函数的功能要求，查看源代码中是否存在典型的编程缺陷，或从设计优化的角度观察源代码结构是否合理、是否过于复杂等</a:t>
             </a:r>
-            <a:endParaRPr lang="en-US" altLang="zh-CN" b="1" dirty="0" smtClean="0"/>
-          </a:p>
-          <a:p>
-            <a:pPr lvl="1" algn="just" eaLnBrk="1" hangingPunct="1"/>
-            <a:r>
-              <a:rPr lang="zh-CN" altLang="en-US" b="1" dirty="0" smtClean="0"/>
+            <a:endParaRPr lang="en-US" altLang="zh-CN" sz="2400" b="1" dirty="0" smtClean="0"/>
+          </a:p>
+          <a:p>
+            <a:pPr lvl="1" algn="just" eaLnBrk="1" hangingPunct="1">
+              <a:spcBef>
+                <a:spcPts val="600"/>
+              </a:spcBef>
+            </a:pPr>
+            <a:r>
+              <a:rPr lang="zh-CN" altLang="en-US" sz="2400" b="1" dirty="0" smtClean="0"/>
               <a:t>对应的是单元测试阶段，主要由开发人员自己来完成测试工作</a:t>
             </a:r>
-          </a:p>
-        </p:txBody>
-      </p:sp>
-      <p:sp>
-        <p:nvSpPr>
-          <p:cNvPr id="9218" name="灯片编号占位符 5"/>
-          <p:cNvSpPr>
-            <a:spLocks noGrp="1"/>
-          </p:cNvSpPr>
-          <p:nvPr>
-            <p:ph type="sldNum" sz="quarter" idx="12"/>
-          </p:nvPr>
-        </p:nvSpPr>
-        <p:spPr>
-          <a:noFill/>
-          <a:ln/>
-          <a:extLst>
-            <a:ext uri="{909E8E84-426E-40DD-AFC4-6F175D3DCCD1}">
-              <a14:hiddenFill xmlns:a14="http://schemas.microsoft.com/office/drawing/2010/main">
-                <a:solidFill>
-                  <a:srgbClr val="FFFFFF"/>
-                </a:solidFill>
-              </a14:hiddenFill>
-            </a:ext>
-            <a:ext uri="{91240B29-F687-4F45-9708-019B960494DF}">
-              <a14:hiddenLine xmlns:a14="http://schemas.microsoft.com/office/drawing/2010/main" w="9525">
-                <a:solidFill>
-                  <a:srgbClr val="000000"/>
-                </a:solidFill>
-                <a:miter lim="800000"/>
-                <a:headEnd/>
-                <a:tailEnd/>
-              </a14:hiddenLine>
-            </a:ext>
-          </a:extLst>
-        </p:spPr>
-        <p:txBody>
-          <a:bodyPr/>
-          <a:lstStyle>
-            <a:lvl1pPr eaLnBrk="0" hangingPunct="0">
-              <a:defRPr>
-                <a:solidFill>
-                  <a:schemeClr val="tx1"/>
-                </a:solidFill>
-                <a:latin typeface="Verdana" pitchFamily="34" charset="0"/>
-                <a:ea typeface="宋体" charset="-122"/>
-              </a:defRPr>
-            </a:lvl1pPr>
-            <a:lvl2pPr marL="742950" indent="-285750" eaLnBrk="0" hangingPunct="0">
-              <a:defRPr>
-                <a:solidFill>
-                  <a:schemeClr val="tx1"/>
-                </a:solidFill>
-                <a:latin typeface="Verdana" pitchFamily="34" charset="0"/>
-                <a:ea typeface="宋体" charset="-122"/>
-              </a:defRPr>
-            </a:lvl2pPr>
-            <a:lvl3pPr marL="1143000" indent="-228600" eaLnBrk="0" hangingPunct="0">
-              <a:defRPr>
-                <a:solidFill>
-                  <a:schemeClr val="tx1"/>
-                </a:solidFill>
-                <a:latin typeface="Verdana" pitchFamily="34" charset="0"/>
-                <a:ea typeface="宋体" charset="-122"/>
-              </a:defRPr>
-            </a:lvl3pPr>
-            <a:lvl4pPr marL="1600200" indent="-228600" eaLnBrk="0" hangingPunct="0">
-              <a:defRPr>
-                <a:solidFill>
-                  <a:schemeClr val="tx1"/>
-                </a:solidFill>
-                <a:latin typeface="Verdana" pitchFamily="34" charset="0"/>
-                <a:ea typeface="宋体" charset="-122"/>
-              </a:defRPr>
-            </a:lvl4pPr>
-            <a:lvl5pPr marL="2057400" indent="-228600" eaLnBrk="0" hangingPunct="0">
-              <a:defRPr>
-                <a:solidFill>
-                  <a:schemeClr val="tx1"/>
-                </a:solidFill>
-                <a:latin typeface="Verdana" pitchFamily="34" charset="0"/>
-                <a:ea typeface="宋体" charset="-122"/>
-              </a:defRPr>
-            </a:lvl5pPr>
-            <a:lvl6pPr marL="2514600" indent="-228600" eaLnBrk="0" fontAlgn="base" hangingPunct="0">
-              <a:spcBef>
-                <a:spcPct val="0"/>
-              </a:spcBef>
-              <a:spcAft>
-                <a:spcPct val="0"/>
-              </a:spcAft>
-              <a:defRPr>
-                <a:solidFill>
-                  <a:schemeClr val="tx1"/>
-                </a:solidFill>
-                <a:latin typeface="Verdana" pitchFamily="34" charset="0"/>
-                <a:ea typeface="宋体" charset="-122"/>
-              </a:defRPr>
-            </a:lvl6pPr>
-            <a:lvl7pPr marL="2971800" indent="-228600" eaLnBrk="0" fontAlgn="base" hangingPunct="0">
-              <a:spcBef>
-                <a:spcPct val="0"/>
-              </a:spcBef>
-              <a:spcAft>
-                <a:spcPct val="0"/>
-              </a:spcAft>
-              <a:defRPr>
-                <a:solidFill>
-                  <a:schemeClr val="tx1"/>
-                </a:solidFill>
-                <a:latin typeface="Verdana" pitchFamily="34" charset="0"/>
-                <a:ea typeface="宋体" charset="-122"/>
-              </a:defRPr>
-            </a:lvl7pPr>
-            <a:lvl8pPr marL="3429000" indent="-228600" eaLnBrk="0" fontAlgn="base" hangingPunct="0">
-              <a:spcBef>
-                <a:spcPct val="0"/>
-              </a:spcBef>
-              <a:spcAft>
-                <a:spcPct val="0"/>
-              </a:spcAft>
-              <a:defRPr>
-                <a:solidFill>
-                  <a:schemeClr val="tx1"/>
-                </a:solidFill>
-                <a:latin typeface="Verdana" pitchFamily="34" charset="0"/>
-                <a:ea typeface="宋体" charset="-122"/>
-              </a:defRPr>
-            </a:lvl8pPr>
-            <a:lvl9pPr marL="3886200" indent="-228600" eaLnBrk="0" fontAlgn="base" hangingPunct="0">
-              <a:spcBef>
-                <a:spcPct val="0"/>
-              </a:spcBef>
-              <a:spcAft>
-                <a:spcPct val="0"/>
-              </a:spcAft>
-              <a:defRPr>
-                <a:solidFill>
-                  <a:schemeClr val="tx1"/>
-                </a:solidFill>
-                <a:latin typeface="Verdana" pitchFamily="34" charset="0"/>
-                <a:ea typeface="宋体" charset="-122"/>
-              </a:defRPr>
-            </a:lvl9pPr>
-          </a:lstStyle>
-          <a:p>
-            <a:pPr eaLnBrk="1" hangingPunct="1"/>
-            <a:fld id="{AFFF1B95-3759-496B-9B0B-F4E0C843DE1C}" type="slidenum">
-              <a:rPr lang="en-US" altLang="zh-CN" smtClean="0"/>
-              <a:pPr eaLnBrk="1" hangingPunct="1"/>
-              <a:t>8</a:t>
-            </a:fld>
-            <a:endParaRPr lang="en-US" altLang="zh-CN" smtClean="0"/>
           </a:p>
         </p:txBody>
       </p:sp>
@@ -8134,19 +5124,12 @@
           <a:bodyPr/>
           <a:lstStyle/>
           <a:p>
-            <a:pPr eaLnBrk="1" hangingPunct="1"/>
-            <a:r>
-              <a:rPr lang="en-US" altLang="zh-CN" b="1" smtClean="0">
-                <a:latin typeface="黑体" pitchFamily="49" charset="-122"/>
-                <a:ea typeface="黑体" pitchFamily="49" charset="-122"/>
-              </a:rPr>
+            <a:r>
+              <a:rPr lang="en-US" altLang="zh-CN" dirty="0"/>
               <a:t>5.1 </a:t>
             </a:r>
             <a:r>
-              <a:rPr lang="zh-CN" altLang="en-US" b="1" smtClean="0">
-                <a:latin typeface="黑体" pitchFamily="49" charset="-122"/>
-                <a:ea typeface="黑体" pitchFamily="49" charset="-122"/>
-              </a:rPr>
+              <a:rPr lang="zh-CN" altLang="en-US" dirty="0"/>
               <a:t>概述</a:t>
             </a:r>
           </a:p>
@@ -8208,159 +5191,6 @@
               <a:rPr lang="zh-CN" altLang="en-US" b="1" dirty="0" smtClean="0"/>
               <a:t>对应的是集成测试甚至系统测试阶段，主要由测试人员来完成测试工作</a:t>
             </a:r>
-          </a:p>
-        </p:txBody>
-      </p:sp>
-      <p:sp>
-        <p:nvSpPr>
-          <p:cNvPr id="10242" name="灯片编号占位符 5"/>
-          <p:cNvSpPr>
-            <a:spLocks noGrp="1"/>
-          </p:cNvSpPr>
-          <p:nvPr>
-            <p:ph type="sldNum" sz="quarter" idx="12"/>
-          </p:nvPr>
-        </p:nvSpPr>
-        <p:spPr>
-          <a:noFill/>
-          <a:ln/>
-          <a:extLst>
-            <a:ext uri="{909E8E84-426E-40DD-AFC4-6F175D3DCCD1}">
-              <a14:hiddenFill xmlns:a14="http://schemas.microsoft.com/office/drawing/2010/main">
-                <a:solidFill>
-                  <a:srgbClr val="FFFFFF"/>
-                </a:solidFill>
-              </a14:hiddenFill>
-            </a:ext>
-            <a:ext uri="{91240B29-F687-4F45-9708-019B960494DF}">
-              <a14:hiddenLine xmlns:a14="http://schemas.microsoft.com/office/drawing/2010/main" w="9525">
-                <a:solidFill>
-                  <a:srgbClr val="000000"/>
-                </a:solidFill>
-                <a:miter lim="800000"/>
-                <a:headEnd/>
-                <a:tailEnd/>
-              </a14:hiddenLine>
-            </a:ext>
-          </a:extLst>
-        </p:spPr>
-        <p:txBody>
-          <a:bodyPr/>
-          <a:lstStyle>
-            <a:lvl1pPr eaLnBrk="0" hangingPunct="0">
-              <a:defRPr>
-                <a:solidFill>
-                  <a:schemeClr val="tx1"/>
-                </a:solidFill>
-                <a:latin typeface="Verdana" pitchFamily="34" charset="0"/>
-                <a:ea typeface="宋体" charset="-122"/>
-              </a:defRPr>
-            </a:lvl1pPr>
-            <a:lvl2pPr marL="742950" indent="-285750" eaLnBrk="0" hangingPunct="0">
-              <a:defRPr>
-                <a:solidFill>
-                  <a:schemeClr val="tx1"/>
-                </a:solidFill>
-                <a:latin typeface="Verdana" pitchFamily="34" charset="0"/>
-                <a:ea typeface="宋体" charset="-122"/>
-              </a:defRPr>
-            </a:lvl2pPr>
-            <a:lvl3pPr marL="1143000" indent="-228600" eaLnBrk="0" hangingPunct="0">
-              <a:defRPr>
-                <a:solidFill>
-                  <a:schemeClr val="tx1"/>
-                </a:solidFill>
-                <a:latin typeface="Verdana" pitchFamily="34" charset="0"/>
-                <a:ea typeface="宋体" charset="-122"/>
-              </a:defRPr>
-            </a:lvl3pPr>
-            <a:lvl4pPr marL="1600200" indent="-228600" eaLnBrk="0" hangingPunct="0">
-              <a:defRPr>
-                <a:solidFill>
-                  <a:schemeClr val="tx1"/>
-                </a:solidFill>
-                <a:latin typeface="Verdana" pitchFamily="34" charset="0"/>
-                <a:ea typeface="宋体" charset="-122"/>
-              </a:defRPr>
-            </a:lvl4pPr>
-            <a:lvl5pPr marL="2057400" indent="-228600" eaLnBrk="0" hangingPunct="0">
-              <a:defRPr>
-                <a:solidFill>
-                  <a:schemeClr val="tx1"/>
-                </a:solidFill>
-                <a:latin typeface="Verdana" pitchFamily="34" charset="0"/>
-                <a:ea typeface="宋体" charset="-122"/>
-              </a:defRPr>
-            </a:lvl5pPr>
-            <a:lvl6pPr marL="2514600" indent="-228600" eaLnBrk="0" fontAlgn="base" hangingPunct="0">
-              <a:spcBef>
-                <a:spcPct val="0"/>
-              </a:spcBef>
-              <a:spcAft>
-                <a:spcPct val="0"/>
-              </a:spcAft>
-              <a:defRPr>
-                <a:solidFill>
-                  <a:schemeClr val="tx1"/>
-                </a:solidFill>
-                <a:latin typeface="Verdana" pitchFamily="34" charset="0"/>
-                <a:ea typeface="宋体" charset="-122"/>
-              </a:defRPr>
-            </a:lvl6pPr>
-            <a:lvl7pPr marL="2971800" indent="-228600" eaLnBrk="0" fontAlgn="base" hangingPunct="0">
-              <a:spcBef>
-                <a:spcPct val="0"/>
-              </a:spcBef>
-              <a:spcAft>
-                <a:spcPct val="0"/>
-              </a:spcAft>
-              <a:defRPr>
-                <a:solidFill>
-                  <a:schemeClr val="tx1"/>
-                </a:solidFill>
-                <a:latin typeface="Verdana" pitchFamily="34" charset="0"/>
-                <a:ea typeface="宋体" charset="-122"/>
-              </a:defRPr>
-            </a:lvl7pPr>
-            <a:lvl8pPr marL="3429000" indent="-228600" eaLnBrk="0" fontAlgn="base" hangingPunct="0">
-              <a:spcBef>
-                <a:spcPct val="0"/>
-              </a:spcBef>
-              <a:spcAft>
-                <a:spcPct val="0"/>
-              </a:spcAft>
-              <a:defRPr>
-                <a:solidFill>
-                  <a:schemeClr val="tx1"/>
-                </a:solidFill>
-                <a:latin typeface="Verdana" pitchFamily="34" charset="0"/>
-                <a:ea typeface="宋体" charset="-122"/>
-              </a:defRPr>
-            </a:lvl8pPr>
-            <a:lvl9pPr marL="3886200" indent="-228600" eaLnBrk="0" fontAlgn="base" hangingPunct="0">
-              <a:spcBef>
-                <a:spcPct val="0"/>
-              </a:spcBef>
-              <a:spcAft>
-                <a:spcPct val="0"/>
-              </a:spcAft>
-              <a:defRPr>
-                <a:solidFill>
-                  <a:schemeClr val="tx1"/>
-                </a:solidFill>
-                <a:latin typeface="Verdana" pitchFamily="34" charset="0"/>
-                <a:ea typeface="宋体" charset="-122"/>
-              </a:defRPr>
-            </a:lvl9pPr>
-          </a:lstStyle>
-          <a:p>
-            <a:pPr eaLnBrk="1" hangingPunct="1"/>
-            <a:fld id="{774CB8E5-422A-47EA-AE0F-4BB8C05353C2}" type="slidenum">
-              <a:rPr lang="en-US" altLang="zh-CN" smtClean="0"/>
-              <a:pPr eaLnBrk="1" hangingPunct="1"/>
-              <a:t>9</a:t>
-            </a:fld>
-            <a:endParaRPr lang="en-US" altLang="zh-CN" smtClean="0"/>
           </a:p>
         </p:txBody>
       </p:sp>
